--- a/Slides.pptx
+++ b/Slides.pptx
@@ -11,6 +11,8 @@
     <p:sldId id="261" r:id="rId5"/>
     <p:sldId id="260" r:id="rId6"/>
     <p:sldId id="262" r:id="rId7"/>
+    <p:sldId id="267" r:id="rId8"/>
+    <p:sldId id="268" r:id="rId9"/>
   </p:sldIdLst>
   <p:sldSz cx="12192000" cy="6858000"/>
   <p:notesSz cx="6858000" cy="9144000"/>
@@ -109,6 +111,11 @@
       </a:defRPr>
     </a:lvl9pPr>
   </p:defaultTextStyle>
+  <p:extLst>
+    <p:ext uri="{EFAFB233-063F-42B5-8137-9DF3F51BA10A}">
+      <p15:sldGuideLst xmlns:p15="http://schemas.microsoft.com/office/powerpoint/2012/main"/>
+    </p:ext>
+  </p:extLst>
 </p:presentation>
 </file>
 
@@ -298,7 +305,7 @@
           <a:p>
             <a:fld id="{460DE407-34CA-9745-A948-AAA7D8E966BF}" type="datetimeFigureOut">
               <a:rPr lang="en-US" smtClean="0"/>
-              <a:t>10/6/19</a:t>
+              <a:t>10/7/2019</a:t>
             </a:fld>
             <a:endParaRPr lang="en-US"/>
           </a:p>
@@ -573,7 +580,7 @@
           <a:p>
             <a:fld id="{460DE407-34CA-9745-A948-AAA7D8E966BF}" type="datetimeFigureOut">
               <a:rPr lang="en-US" smtClean="0"/>
-              <a:t>10/6/19</a:t>
+              <a:t>10/7/2019</a:t>
             </a:fld>
             <a:endParaRPr lang="en-US"/>
           </a:p>
@@ -767,7 +774,7 @@
           <a:p>
             <a:fld id="{460DE407-34CA-9745-A948-AAA7D8E966BF}" type="datetimeFigureOut">
               <a:rPr lang="en-US" smtClean="0"/>
-              <a:t>10/6/19</a:t>
+              <a:t>10/7/2019</a:t>
             </a:fld>
             <a:endParaRPr lang="en-US"/>
           </a:p>
@@ -1040,7 +1047,7 @@
           <a:p>
             <a:fld id="{460DE407-34CA-9745-A948-AAA7D8E966BF}" type="datetimeFigureOut">
               <a:rPr lang="en-US" smtClean="0"/>
-              <a:t>10/6/19</a:t>
+              <a:t>10/7/2019</a:t>
             </a:fld>
             <a:endParaRPr lang="en-US"/>
           </a:p>
@@ -1381,7 +1388,7 @@
           <a:p>
             <a:fld id="{460DE407-34CA-9745-A948-AAA7D8E966BF}" type="datetimeFigureOut">
               <a:rPr lang="en-US" smtClean="0"/>
-              <a:t>10/6/19</a:t>
+              <a:t>10/7/2019</a:t>
             </a:fld>
             <a:endParaRPr lang="en-US"/>
           </a:p>
@@ -2004,7 +2011,7 @@
           <a:p>
             <a:fld id="{460DE407-34CA-9745-A948-AAA7D8E966BF}" type="datetimeFigureOut">
               <a:rPr lang="en-US" smtClean="0"/>
-              <a:t>10/6/19</a:t>
+              <a:t>10/7/2019</a:t>
             </a:fld>
             <a:endParaRPr lang="en-US"/>
           </a:p>
@@ -2864,7 +2871,7 @@
           <a:p>
             <a:fld id="{460DE407-34CA-9745-A948-AAA7D8E966BF}" type="datetimeFigureOut">
               <a:rPr lang="en-US" smtClean="0"/>
-              <a:t>10/6/19</a:t>
+              <a:t>10/7/2019</a:t>
             </a:fld>
             <a:endParaRPr lang="en-US"/>
           </a:p>
@@ -3034,7 +3041,7 @@
           <a:p>
             <a:fld id="{460DE407-34CA-9745-A948-AAA7D8E966BF}" type="datetimeFigureOut">
               <a:rPr lang="en-US" smtClean="0"/>
-              <a:t>10/6/19</a:t>
+              <a:t>10/7/2019</a:t>
             </a:fld>
             <a:endParaRPr lang="en-US"/>
           </a:p>
@@ -3214,7 +3221,7 @@
           <a:p>
             <a:fld id="{460DE407-34CA-9745-A948-AAA7D8E966BF}" type="datetimeFigureOut">
               <a:rPr lang="en-US" smtClean="0"/>
-              <a:t>10/6/19</a:t>
+              <a:t>10/7/2019</a:t>
             </a:fld>
             <a:endParaRPr lang="en-US"/>
           </a:p>
@@ -3384,7 +3391,7 @@
           <a:p>
             <a:fld id="{460DE407-34CA-9745-A948-AAA7D8E966BF}" type="datetimeFigureOut">
               <a:rPr lang="en-US" smtClean="0"/>
-              <a:t>10/6/19</a:t>
+              <a:t>10/7/2019</a:t>
             </a:fld>
             <a:endParaRPr lang="en-US"/>
           </a:p>
@@ -3631,7 +3638,7 @@
           <a:p>
             <a:fld id="{460DE407-34CA-9745-A948-AAA7D8E966BF}" type="datetimeFigureOut">
               <a:rPr lang="en-US" smtClean="0"/>
-              <a:t>10/6/19</a:t>
+              <a:t>10/7/2019</a:t>
             </a:fld>
             <a:endParaRPr lang="en-US"/>
           </a:p>
@@ -3923,7 +3930,7 @@
           <a:p>
             <a:fld id="{460DE407-34CA-9745-A948-AAA7D8E966BF}" type="datetimeFigureOut">
               <a:rPr lang="en-US" smtClean="0"/>
-              <a:t>10/6/19</a:t>
+              <a:t>10/7/2019</a:t>
             </a:fld>
             <a:endParaRPr lang="en-US"/>
           </a:p>
@@ -4367,7 +4374,7 @@
           <a:p>
             <a:fld id="{460DE407-34CA-9745-A948-AAA7D8E966BF}" type="datetimeFigureOut">
               <a:rPr lang="en-US" smtClean="0"/>
-              <a:t>10/6/19</a:t>
+              <a:t>10/7/2019</a:t>
             </a:fld>
             <a:endParaRPr lang="en-US"/>
           </a:p>
@@ -4485,7 +4492,7 @@
           <a:p>
             <a:fld id="{460DE407-34CA-9745-A948-AAA7D8E966BF}" type="datetimeFigureOut">
               <a:rPr lang="en-US" smtClean="0"/>
-              <a:t>10/6/19</a:t>
+              <a:t>10/7/2019</a:t>
             </a:fld>
             <a:endParaRPr lang="en-US"/>
           </a:p>
@@ -4580,7 +4587,7 @@
           <a:p>
             <a:fld id="{460DE407-34CA-9745-A948-AAA7D8E966BF}" type="datetimeFigureOut">
               <a:rPr lang="en-US" smtClean="0"/>
-              <a:t>10/6/19</a:t>
+              <a:t>10/7/2019</a:t>
             </a:fld>
             <a:endParaRPr lang="en-US"/>
           </a:p>
@@ -4859,7 +4866,7 @@
           <a:p>
             <a:fld id="{460DE407-34CA-9745-A948-AAA7D8E966BF}" type="datetimeFigureOut">
               <a:rPr lang="en-US" smtClean="0"/>
-              <a:t>10/6/19</a:t>
+              <a:t>10/7/2019</a:t>
             </a:fld>
             <a:endParaRPr lang="en-US"/>
           </a:p>
@@ -5134,7 +5141,7 @@
           <a:p>
             <a:fld id="{460DE407-34CA-9745-A948-AAA7D8E966BF}" type="datetimeFigureOut">
               <a:rPr lang="en-US" smtClean="0"/>
-              <a:t>10/6/19</a:t>
+              <a:t>10/7/2019</a:t>
             </a:fld>
             <a:endParaRPr lang="en-US"/>
           </a:p>
@@ -5563,7 +5570,7 @@
           <a:p>
             <a:fld id="{460DE407-34CA-9745-A948-AAA7D8E966BF}" type="datetimeFigureOut">
               <a:rPr lang="en-US" smtClean="0"/>
-              <a:t>10/6/19</a:t>
+              <a:t>10/7/2019</a:t>
             </a:fld>
             <a:endParaRPr lang="en-US"/>
           </a:p>
@@ -15004,6 +15011,3106 @@
 </p:sld>
 </file>
 
+<file path=ppt/slides/slide7.xml><?xml version="1.0" encoding="utf-8"?>
+<p:sld xmlns:a="http://schemas.openxmlformats.org/drawingml/2006/main" xmlns:r="http://schemas.openxmlformats.org/officeDocument/2006/relationships" xmlns:p="http://schemas.openxmlformats.org/presentationml/2006/main">
+  <p:cSld>
+    <p:bg>
+      <p:bgPr>
+        <a:solidFill>
+          <a:schemeClr val="bg1"/>
+        </a:solidFill>
+        <a:effectLst/>
+      </p:bgPr>
+    </p:bg>
+    <p:spTree>
+      <p:nvGrpSpPr>
+        <p:cNvPr id="1" name=""/>
+        <p:cNvGrpSpPr/>
+        <p:nvPr/>
+      </p:nvGrpSpPr>
+      <p:grpSpPr>
+        <a:xfrm>
+          <a:off x="0" y="0"/>
+          <a:ext cx="0" cy="0"/>
+          <a:chOff x="0" y="0"/>
+          <a:chExt cx="0" cy="0"/>
+        </a:xfrm>
+      </p:grpSpPr>
+      <p:pic>
+        <p:nvPicPr>
+          <p:cNvPr id="8" name="Picture 7">
+            <a:extLst>
+              <a:ext uri="{FF2B5EF4-FFF2-40B4-BE49-F238E27FC236}">
+                <a16:creationId xmlns:a16="http://schemas.microsoft.com/office/drawing/2014/main" id="{91B28F63-CF00-448F-B141-FE33C33B1891}"/>
+              </a:ext>
+              <a:ext uri="{C183D7F6-B498-43B3-948B-1728B52AA6E4}">
+                <adec:decorative xmlns:adec="http://schemas.microsoft.com/office/drawing/2017/decorative" val="1"/>
+              </a:ext>
+            </a:extLst>
+          </p:cNvPr>
+          <p:cNvPicPr>
+            <a:picLocks noGrp="1" noRot="1" noChangeAspect="1" noMove="1" noResize="1" noEditPoints="1" noAdjustHandles="1" noChangeArrowheads="1" noChangeShapeType="1" noCrop="1"/>
+          </p:cNvPicPr>
+          <p:nvPr>
+            <p:extLst>
+              <p:ext uri="{386F3935-93C4-4BCD-93E2-E3B085C9AB24}">
+                <p16:designElem xmlns:p16="http://schemas.microsoft.com/office/powerpoint/2015/main" val="1"/>
+              </p:ext>
+            </p:extLst>
+          </p:nvPr>
+        </p:nvPicPr>
+        <p:blipFill rotWithShape="1">
+          <a:blip r:embed="rId2">
+            <a:extLst>
+              <a:ext uri="{28A0092B-C50C-407E-A947-70E740481C1C}">
+                <a14:useLocalDpi xmlns:a14="http://schemas.microsoft.com/office/drawing/2010/main" val="0"/>
+              </a:ext>
+            </a:extLst>
+          </a:blip>
+          <a:srcRect l="3613"/>
+          <a:stretch/>
+        </p:blipFill>
+        <p:spPr>
+          <a:xfrm>
+            <a:off x="0" y="2669685"/>
+            <a:ext cx="4037012" cy="4188315"/>
+          </a:xfrm>
+          <a:prstGeom prst="rect">
+            <a:avLst/>
+          </a:prstGeom>
+        </p:spPr>
+      </p:pic>
+      <p:pic>
+        <p:nvPicPr>
+          <p:cNvPr id="10" name="Picture 9">
+            <a:extLst>
+              <a:ext uri="{FF2B5EF4-FFF2-40B4-BE49-F238E27FC236}">
+                <a16:creationId xmlns:a16="http://schemas.microsoft.com/office/drawing/2014/main" id="{2AE609E2-8522-44E4-9077-980E5BCF3E14}"/>
+              </a:ext>
+              <a:ext uri="{C183D7F6-B498-43B3-948B-1728B52AA6E4}">
+                <adec:decorative xmlns:adec="http://schemas.microsoft.com/office/drawing/2017/decorative" val="1"/>
+              </a:ext>
+            </a:extLst>
+          </p:cNvPr>
+          <p:cNvPicPr>
+            <a:picLocks noGrp="1" noRot="1" noChangeAspect="1" noMove="1" noResize="1" noEditPoints="1" noAdjustHandles="1" noChangeArrowheads="1" noChangeShapeType="1" noCrop="1"/>
+          </p:cNvPicPr>
+          <p:nvPr>
+            <p:extLst>
+              <p:ext uri="{386F3935-93C4-4BCD-93E2-E3B085C9AB24}">
+                <p16:designElem xmlns:p16="http://schemas.microsoft.com/office/powerpoint/2015/main" val="1"/>
+              </p:ext>
+            </p:extLst>
+          </p:nvPr>
+        </p:nvPicPr>
+        <p:blipFill rotWithShape="1">
+          <a:blip r:embed="rId3">
+            <a:extLst>
+              <a:ext uri="{28A0092B-C50C-407E-A947-70E740481C1C}">
+                <a14:useLocalDpi xmlns:a14="http://schemas.microsoft.com/office/drawing/2010/main" val="0"/>
+              </a:ext>
+            </a:extLst>
+          </a:blip>
+          <a:srcRect l="35640"/>
+          <a:stretch/>
+        </p:blipFill>
+        <p:spPr>
+          <a:xfrm>
+            <a:off x="0" y="2892347"/>
+            <a:ext cx="1522412" cy="2365453"/>
+          </a:xfrm>
+          <a:prstGeom prst="rect">
+            <a:avLst/>
+          </a:prstGeom>
+        </p:spPr>
+      </p:pic>
+      <p:sp>
+        <p:nvSpPr>
+          <p:cNvPr id="12" name="Oval 11">
+            <a:extLst>
+              <a:ext uri="{FF2B5EF4-FFF2-40B4-BE49-F238E27FC236}">
+                <a16:creationId xmlns:a16="http://schemas.microsoft.com/office/drawing/2014/main" id="{4FA533C5-33E3-4611-AF9F-72811D8B26A6}"/>
+              </a:ext>
+              <a:ext uri="{C183D7F6-B498-43B3-948B-1728B52AA6E4}">
+                <adec:decorative xmlns:adec="http://schemas.microsoft.com/office/drawing/2017/decorative" val="1"/>
+              </a:ext>
+            </a:extLst>
+          </p:cNvPr>
+          <p:cNvSpPr>
+            <a:spLocks noGrp="1" noRot="1" noChangeAspect="1" noMove="1" noResize="1" noEditPoints="1" noAdjustHandles="1" noChangeArrowheads="1" noChangeShapeType="1" noTextEdit="1"/>
+          </p:cNvSpPr>
+          <p:nvPr>
+            <p:extLst>
+              <p:ext uri="{386F3935-93C4-4BCD-93E2-E3B085C9AB24}">
+                <p16:designElem xmlns:p16="http://schemas.microsoft.com/office/powerpoint/2015/main" val="1"/>
+              </p:ext>
+            </p:extLst>
+          </p:nvPr>
+        </p:nvSpPr>
+        <p:spPr>
+          <a:xfrm>
+            <a:off x="8609012" y="1676400"/>
+            <a:ext cx="2819400" cy="2819400"/>
+          </a:xfrm>
+          <a:prstGeom prst="ellipse">
+            <a:avLst/>
+          </a:prstGeom>
+          <a:gradFill flip="none" rotWithShape="1">
+            <a:gsLst>
+              <a:gs pos="0">
+                <a:schemeClr val="bg2">
+                  <a:lumMod val="60000"/>
+                  <a:lumOff val="40000"/>
+                  <a:alpha val="7000"/>
+                </a:schemeClr>
+              </a:gs>
+              <a:gs pos="69000">
+                <a:schemeClr val="bg2">
+                  <a:lumMod val="60000"/>
+                  <a:lumOff val="40000"/>
+                  <a:alpha val="0"/>
+                </a:schemeClr>
+              </a:gs>
+              <a:gs pos="36000">
+                <a:schemeClr val="bg2">
+                  <a:lumMod val="60000"/>
+                  <a:lumOff val="40000"/>
+                  <a:alpha val="6000"/>
+                </a:schemeClr>
+              </a:gs>
+            </a:gsLst>
+            <a:path path="circle">
+              <a:fillToRect l="50000" t="50000" r="50000" b="50000"/>
+            </a:path>
+            <a:tileRect/>
+          </a:gradFill>
+          <a:ln>
+            <a:noFill/>
+          </a:ln>
+          <a:effectLst/>
+        </p:spPr>
+        <p:style>
+          <a:lnRef idx="1">
+            <a:schemeClr val="accent1"/>
+          </a:lnRef>
+          <a:fillRef idx="3">
+            <a:schemeClr val="accent1"/>
+          </a:fillRef>
+          <a:effectRef idx="2">
+            <a:schemeClr val="accent1"/>
+          </a:effectRef>
+          <a:fontRef idx="minor">
+            <a:schemeClr val="lt1"/>
+          </a:fontRef>
+        </p:style>
+      </p:sp>
+      <p:pic>
+        <p:nvPicPr>
+          <p:cNvPr id="14" name="Picture 13">
+            <a:extLst>
+              <a:ext uri="{FF2B5EF4-FFF2-40B4-BE49-F238E27FC236}">
+                <a16:creationId xmlns:a16="http://schemas.microsoft.com/office/drawing/2014/main" id="{8949AD42-25FD-4C3D-9EEE-B7FEC5809988}"/>
+              </a:ext>
+              <a:ext uri="{C183D7F6-B498-43B3-948B-1728B52AA6E4}">
+                <adec:decorative xmlns:adec="http://schemas.microsoft.com/office/drawing/2017/decorative" val="1"/>
+              </a:ext>
+            </a:extLst>
+          </p:cNvPr>
+          <p:cNvPicPr>
+            <a:picLocks noGrp="1" noRot="1" noChangeAspect="1" noMove="1" noResize="1" noEditPoints="1" noAdjustHandles="1" noChangeArrowheads="1" noChangeShapeType="1" noCrop="1"/>
+          </p:cNvPicPr>
+          <p:nvPr>
+            <p:extLst>
+              <p:ext uri="{386F3935-93C4-4BCD-93E2-E3B085C9AB24}">
+                <p16:designElem xmlns:p16="http://schemas.microsoft.com/office/powerpoint/2015/main" val="1"/>
+              </p:ext>
+            </p:extLst>
+          </p:nvPr>
+        </p:nvPicPr>
+        <p:blipFill rotWithShape="1">
+          <a:blip r:embed="rId4">
+            <a:extLst>
+              <a:ext uri="{28A0092B-C50C-407E-A947-70E740481C1C}">
+                <a14:useLocalDpi xmlns:a14="http://schemas.microsoft.com/office/drawing/2010/main" val="0"/>
+              </a:ext>
+            </a:extLst>
+          </a:blip>
+          <a:srcRect t="28813"/>
+          <a:stretch/>
+        </p:blipFill>
+        <p:spPr>
+          <a:xfrm>
+            <a:off x="7999412" y="0"/>
+            <a:ext cx="1603387" cy="1141407"/>
+          </a:xfrm>
+          <a:prstGeom prst="rect">
+            <a:avLst/>
+          </a:prstGeom>
+        </p:spPr>
+      </p:pic>
+      <p:pic>
+        <p:nvPicPr>
+          <p:cNvPr id="16" name="Picture 15">
+            <a:extLst>
+              <a:ext uri="{FF2B5EF4-FFF2-40B4-BE49-F238E27FC236}">
+                <a16:creationId xmlns:a16="http://schemas.microsoft.com/office/drawing/2014/main" id="{6AC7D913-60B7-4603-881B-831DA5D3A940}"/>
+              </a:ext>
+              <a:ext uri="{C183D7F6-B498-43B3-948B-1728B52AA6E4}">
+                <adec:decorative xmlns:adec="http://schemas.microsoft.com/office/drawing/2017/decorative" val="1"/>
+              </a:ext>
+            </a:extLst>
+          </p:cNvPr>
+          <p:cNvPicPr>
+            <a:picLocks noGrp="1" noRot="1" noChangeAspect="1" noMove="1" noResize="1" noEditPoints="1" noAdjustHandles="1" noChangeArrowheads="1" noChangeShapeType="1" noCrop="1"/>
+          </p:cNvPicPr>
+          <p:nvPr>
+            <p:extLst>
+              <p:ext uri="{386F3935-93C4-4BCD-93E2-E3B085C9AB24}">
+                <p16:designElem xmlns:p16="http://schemas.microsoft.com/office/powerpoint/2015/main" val="1"/>
+              </p:ext>
+            </p:extLst>
+          </p:nvPr>
+        </p:nvPicPr>
+        <p:blipFill rotWithShape="1">
+          <a:blip r:embed="rId5">
+            <a:extLst>
+              <a:ext uri="{28A0092B-C50C-407E-A947-70E740481C1C}">
+                <a14:useLocalDpi xmlns:a14="http://schemas.microsoft.com/office/drawing/2010/main" val="0"/>
+              </a:ext>
+            </a:extLst>
+          </a:blip>
+          <a:srcRect b="23320"/>
+          <a:stretch/>
+        </p:blipFill>
+        <p:spPr>
+          <a:xfrm>
+            <a:off x="8605878" y="6096000"/>
+            <a:ext cx="993734" cy="762000"/>
+          </a:xfrm>
+          <a:prstGeom prst="rect">
+            <a:avLst/>
+          </a:prstGeom>
+        </p:spPr>
+      </p:pic>
+      <p:sp>
+        <p:nvSpPr>
+          <p:cNvPr id="18" name="Rectangle 17">
+            <a:extLst>
+              <a:ext uri="{FF2B5EF4-FFF2-40B4-BE49-F238E27FC236}">
+                <a16:creationId xmlns:a16="http://schemas.microsoft.com/office/drawing/2014/main" id="{87F0FDC4-AD8C-47D9-9131-623C98ADB0AE}"/>
+              </a:ext>
+              <a:ext uri="{C183D7F6-B498-43B3-948B-1728B52AA6E4}">
+                <adec:decorative xmlns:adec="http://schemas.microsoft.com/office/drawing/2017/decorative" val="1"/>
+              </a:ext>
+            </a:extLst>
+          </p:cNvPr>
+          <p:cNvSpPr>
+            <a:spLocks noGrp="1" noRot="1" noChangeAspect="1" noMove="1" noResize="1" noEditPoints="1" noAdjustHandles="1" noChangeArrowheads="1" noChangeShapeType="1" noTextEdit="1"/>
+          </p:cNvSpPr>
+          <p:nvPr>
+            <p:extLst>
+              <p:ext uri="{386F3935-93C4-4BCD-93E2-E3B085C9AB24}">
+                <p16:designElem xmlns:p16="http://schemas.microsoft.com/office/powerpoint/2015/main" val="1"/>
+              </p:ext>
+            </p:extLst>
+          </p:nvPr>
+        </p:nvSpPr>
+        <p:spPr>
+          <a:xfrm>
+            <a:off x="10437812" y="0"/>
+            <a:ext cx="685800" cy="1143000"/>
+          </a:xfrm>
+          <a:prstGeom prst="rect">
+            <a:avLst/>
+          </a:prstGeom>
+          <a:solidFill>
+            <a:schemeClr val="accent1"/>
+          </a:solidFill>
+          <a:ln>
+            <a:noFill/>
+          </a:ln>
+        </p:spPr>
+        <p:style>
+          <a:lnRef idx="1">
+            <a:schemeClr val="accent1"/>
+          </a:lnRef>
+          <a:fillRef idx="3">
+            <a:schemeClr val="accent1"/>
+          </a:fillRef>
+          <a:effectRef idx="2">
+            <a:schemeClr val="accent1"/>
+          </a:effectRef>
+          <a:fontRef idx="minor">
+            <a:schemeClr val="lt1"/>
+          </a:fontRef>
+        </p:style>
+      </p:sp>
+      <p:sp>
+        <p:nvSpPr>
+          <p:cNvPr id="20" name="Rectangle 19">
+            <a:extLst>
+              <a:ext uri="{FF2B5EF4-FFF2-40B4-BE49-F238E27FC236}">
+                <a16:creationId xmlns:a16="http://schemas.microsoft.com/office/drawing/2014/main" id="{74CD14DB-BB81-479F-A1FC-1C75640E9F84}"/>
+              </a:ext>
+              <a:ext uri="{C183D7F6-B498-43B3-948B-1728B52AA6E4}">
+                <adec:decorative xmlns:adec="http://schemas.microsoft.com/office/drawing/2017/decorative" val="1"/>
+              </a:ext>
+            </a:extLst>
+          </p:cNvPr>
+          <p:cNvSpPr>
+            <a:spLocks noGrp="1" noRot="1" noChangeAspect="1" noMove="1" noResize="1" noEditPoints="1" noAdjustHandles="1" noChangeArrowheads="1" noChangeShapeType="1" noTextEdit="1"/>
+          </p:cNvSpPr>
+          <p:nvPr>
+            <p:extLst>
+              <p:ext uri="{386F3935-93C4-4BCD-93E2-E3B085C9AB24}">
+                <p16:designElem xmlns:p16="http://schemas.microsoft.com/office/powerpoint/2015/main" val="1"/>
+              </p:ext>
+            </p:extLst>
+          </p:nvPr>
+        </p:nvSpPr>
+        <p:spPr>
+          <a:xfrm>
+            <a:off x="0" y="0"/>
+            <a:ext cx="12192000" cy="6858000"/>
+          </a:xfrm>
+          <a:prstGeom prst="rect">
+            <a:avLst/>
+          </a:prstGeom>
+          <a:ln>
+            <a:noFill/>
+          </a:ln>
+        </p:spPr>
+        <p:style>
+          <a:lnRef idx="2">
+            <a:schemeClr val="accent1">
+              <a:shade val="50000"/>
+            </a:schemeClr>
+          </a:lnRef>
+          <a:fillRef idx="1003">
+            <a:schemeClr val="dk2"/>
+          </a:fillRef>
+          <a:effectRef idx="0">
+            <a:schemeClr val="accent1"/>
+          </a:effectRef>
+          <a:fontRef idx="minor">
+            <a:schemeClr val="lt1"/>
+          </a:fontRef>
+        </p:style>
+        <p:txBody>
+          <a:bodyPr rtlCol="0" anchor="ctr"/>
+          <a:lstStyle/>
+          <a:p>
+            <a:pPr marL="0" marR="0" lvl="0" indent="0" algn="ctr" defTabSz="914400" rtl="0" eaLnBrk="1" fontAlgn="auto" latinLnBrk="0" hangingPunct="1">
+              <a:lnSpc>
+                <a:spcPct val="100000"/>
+              </a:lnSpc>
+              <a:spcBef>
+                <a:spcPts val="0"/>
+              </a:spcBef>
+              <a:spcAft>
+                <a:spcPts val="0"/>
+              </a:spcAft>
+              <a:buClrTx/>
+              <a:buSzTx/>
+              <a:buFontTx/>
+              <a:buNone/>
+              <a:tabLst/>
+              <a:defRPr/>
+            </a:pPr>
+            <a:endParaRPr kumimoji="0" lang="en-US" sz="1800" b="0" i="0" u="none" strike="noStrike" kern="1200" cap="none" spc="0" normalizeH="0" baseline="0" noProof="0">
+              <a:ln>
+                <a:noFill/>
+              </a:ln>
+              <a:solidFill>
+                <a:prstClr val="white"/>
+              </a:solidFill>
+              <a:effectLst/>
+              <a:uLnTx/>
+              <a:uFillTx/>
+              <a:latin typeface="Century Gothic" panose="020B0502020202020204"/>
+              <a:ea typeface="+mn-ea"/>
+              <a:cs typeface="+mn-cs"/>
+            </a:endParaRPr>
+          </a:p>
+        </p:txBody>
+      </p:sp>
+      <p:sp>
+        <p:nvSpPr>
+          <p:cNvPr id="22" name="Rectangle 21">
+            <a:extLst>
+              <a:ext uri="{FF2B5EF4-FFF2-40B4-BE49-F238E27FC236}">
+                <a16:creationId xmlns:a16="http://schemas.microsoft.com/office/drawing/2014/main" id="{C943A91B-7CA7-4592-A975-73B1BF8C4C74}"/>
+              </a:ext>
+              <a:ext uri="{C183D7F6-B498-43B3-948B-1728B52AA6E4}">
+                <adec:decorative xmlns:adec="http://schemas.microsoft.com/office/drawing/2017/decorative" val="1"/>
+              </a:ext>
+            </a:extLst>
+          </p:cNvPr>
+          <p:cNvSpPr>
+            <a:spLocks noGrp="1" noRot="1" noChangeAspect="1" noMove="1" noResize="1" noEditPoints="1" noAdjustHandles="1" noChangeArrowheads="1" noChangeShapeType="1" noTextEdit="1"/>
+          </p:cNvSpPr>
+          <p:nvPr>
+            <p:extLst>
+              <p:ext uri="{386F3935-93C4-4BCD-93E2-E3B085C9AB24}">
+                <p16:designElem xmlns:p16="http://schemas.microsoft.com/office/powerpoint/2015/main" val="1"/>
+              </p:ext>
+            </p:extLst>
+          </p:nvPr>
+        </p:nvSpPr>
+        <p:spPr>
+          <a:xfrm>
+            <a:off x="10437812" y="0"/>
+            <a:ext cx="685800" cy="1143000"/>
+          </a:xfrm>
+          <a:prstGeom prst="rect">
+            <a:avLst/>
+          </a:prstGeom>
+          <a:solidFill>
+            <a:schemeClr val="accent1"/>
+          </a:solidFill>
+          <a:ln>
+            <a:noFill/>
+          </a:ln>
+        </p:spPr>
+        <p:style>
+          <a:lnRef idx="1">
+            <a:schemeClr val="accent1"/>
+          </a:lnRef>
+          <a:fillRef idx="3">
+            <a:schemeClr val="accent1"/>
+          </a:fillRef>
+          <a:effectRef idx="2">
+            <a:schemeClr val="accent1"/>
+          </a:effectRef>
+          <a:fontRef idx="minor">
+            <a:schemeClr val="lt1"/>
+          </a:fontRef>
+        </p:style>
+      </p:sp>
+      <p:sp>
+        <p:nvSpPr>
+          <p:cNvPr id="24" name="Freeform 7">
+            <a:extLst>
+              <a:ext uri="{FF2B5EF4-FFF2-40B4-BE49-F238E27FC236}">
+                <a16:creationId xmlns:a16="http://schemas.microsoft.com/office/drawing/2014/main" id="{EC471314-E46A-414B-8D91-74880E84F187}"/>
+              </a:ext>
+              <a:ext uri="{C183D7F6-B498-43B3-948B-1728B52AA6E4}">
+                <adec:decorative xmlns:adec="http://schemas.microsoft.com/office/drawing/2017/decorative" val="1"/>
+              </a:ext>
+            </a:extLst>
+          </p:cNvPr>
+          <p:cNvSpPr>
+            <a:spLocks noGrp="1" noRot="1" noChangeAspect="1" noMove="1" noResize="1" noEditPoints="1" noAdjustHandles="1" noChangeArrowheads="1" noChangeShapeType="1" noTextEdit="1"/>
+          </p:cNvSpPr>
+          <p:nvPr>
+            <p:extLst>
+              <p:ext uri="{386F3935-93C4-4BCD-93E2-E3B085C9AB24}">
+                <p16:designElem xmlns:p16="http://schemas.microsoft.com/office/powerpoint/2015/main" val="1"/>
+              </p:ext>
+            </p:extLst>
+          </p:nvPr>
+        </p:nvSpPr>
+        <p:spPr>
+          <a:xfrm>
+            <a:off x="8719939" y="1460230"/>
+            <a:ext cx="3472060" cy="825932"/>
+          </a:xfrm>
+          <a:custGeom>
+            <a:avLst/>
+            <a:gdLst>
+              <a:gd name="connsiteX0" fmla="*/ 3470310 w 3472060"/>
+              <a:gd name="connsiteY0" fmla="*/ 0 h 825932"/>
+              <a:gd name="connsiteX1" fmla="*/ 3472060 w 3472060"/>
+              <a:gd name="connsiteY1" fmla="*/ 12850 h 825932"/>
+              <a:gd name="connsiteX2" fmla="*/ 3472060 w 3472060"/>
+              <a:gd name="connsiteY2" fmla="*/ 480529 h 825932"/>
+              <a:gd name="connsiteX3" fmla="*/ 3363699 w 3472060"/>
+              <a:gd name="connsiteY3" fmla="*/ 498471 h 825932"/>
+              <a:gd name="connsiteX4" fmla="*/ 42060 w 3472060"/>
+              <a:gd name="connsiteY4" fmla="*/ 824486 h 825932"/>
+              <a:gd name="connsiteX5" fmla="*/ 0 w 3472060"/>
+              <a:gd name="connsiteY5" fmla="*/ 758452 h 825932"/>
+              <a:gd name="connsiteX6" fmla="*/ 188014 w 3472060"/>
+              <a:gd name="connsiteY6" fmla="*/ 735602 h 825932"/>
+              <a:gd name="connsiteX7" fmla="*/ 284087 w 3472060"/>
+              <a:gd name="connsiteY7" fmla="*/ 722590 h 825932"/>
+              <a:gd name="connsiteX8" fmla="*/ 382288 w 3472060"/>
+              <a:gd name="connsiteY8" fmla="*/ 709392 h 825932"/>
+              <a:gd name="connsiteX9" fmla="*/ 481858 w 3472060"/>
+              <a:gd name="connsiteY9" fmla="*/ 695774 h 825932"/>
+              <a:gd name="connsiteX10" fmla="*/ 581897 w 3472060"/>
+              <a:gd name="connsiteY10" fmla="*/ 680711 h 825932"/>
+              <a:gd name="connsiteX11" fmla="*/ 683670 w 3472060"/>
+              <a:gd name="connsiteY11" fmla="*/ 665256 h 825932"/>
+              <a:gd name="connsiteX12" fmla="*/ 787206 w 3472060"/>
+              <a:gd name="connsiteY12" fmla="*/ 649587 h 825932"/>
+              <a:gd name="connsiteX13" fmla="*/ 892019 w 3472060"/>
+              <a:gd name="connsiteY13" fmla="*/ 632968 h 825932"/>
+              <a:gd name="connsiteX14" fmla="*/ 997620 w 3472060"/>
+              <a:gd name="connsiteY14" fmla="*/ 614667 h 825932"/>
+              <a:gd name="connsiteX15" fmla="*/ 1104727 w 3472060"/>
+              <a:gd name="connsiteY15" fmla="*/ 596741 h 825932"/>
+              <a:gd name="connsiteX16" fmla="*/ 1212669 w 3472060"/>
+              <a:gd name="connsiteY16" fmla="*/ 577397 h 825932"/>
+              <a:gd name="connsiteX17" fmla="*/ 1321506 w 3472060"/>
+              <a:gd name="connsiteY17" fmla="*/ 556988 h 825932"/>
+              <a:gd name="connsiteX18" fmla="*/ 1430709 w 3472060"/>
+              <a:gd name="connsiteY18" fmla="*/ 536607 h 825932"/>
+              <a:gd name="connsiteX19" fmla="*/ 1541050 w 3472060"/>
+              <a:gd name="connsiteY19" fmla="*/ 514481 h 825932"/>
+              <a:gd name="connsiteX20" fmla="*/ 1652805 w 3472060"/>
+              <a:gd name="connsiteY20" fmla="*/ 492202 h 825932"/>
+              <a:gd name="connsiteX21" fmla="*/ 1763708 w 3472060"/>
+              <a:gd name="connsiteY21" fmla="*/ 469161 h 825932"/>
+              <a:gd name="connsiteX22" fmla="*/ 1875795 w 3472060"/>
+              <a:gd name="connsiteY22" fmla="*/ 444641 h 825932"/>
+              <a:gd name="connsiteX23" fmla="*/ 1989128 w 3472060"/>
+              <a:gd name="connsiteY23" fmla="*/ 418995 h 825932"/>
+              <a:gd name="connsiteX24" fmla="*/ 2102476 w 3472060"/>
+              <a:gd name="connsiteY24" fmla="*/ 393438 h 825932"/>
+              <a:gd name="connsiteX25" fmla="*/ 2215549 w 3472060"/>
+              <a:gd name="connsiteY25" fmla="*/ 366291 h 825932"/>
+              <a:gd name="connsiteX26" fmla="*/ 2330490 w 3472060"/>
+              <a:gd name="connsiteY26" fmla="*/ 337455 h 825932"/>
+              <a:gd name="connsiteX27" fmla="*/ 2443333 w 3472060"/>
+              <a:gd name="connsiteY27" fmla="*/ 308983 h 825932"/>
+              <a:gd name="connsiteX28" fmla="*/ 2558014 w 3472060"/>
+              <a:gd name="connsiteY28" fmla="*/ 278646 h 825932"/>
+              <a:gd name="connsiteX29" fmla="*/ 2673621 w 3472060"/>
+              <a:gd name="connsiteY29" fmla="*/ 247421 h 825932"/>
+              <a:gd name="connsiteX30" fmla="*/ 2787008 w 3472060"/>
+              <a:gd name="connsiteY30" fmla="*/ 215853 h 825932"/>
+              <a:gd name="connsiteX31" fmla="*/ 2901442 w 3472060"/>
+              <a:gd name="connsiteY31" fmla="*/ 182011 h 825932"/>
+              <a:gd name="connsiteX32" fmla="*/ 3015722 w 3472060"/>
+              <a:gd name="connsiteY32" fmla="*/ 147286 h 825932"/>
+              <a:gd name="connsiteX33" fmla="*/ 3130018 w 3472060"/>
+              <a:gd name="connsiteY33" fmla="*/ 112649 h 825932"/>
+              <a:gd name="connsiteX34" fmla="*/ 3243551 w 3472060"/>
+              <a:gd name="connsiteY34" fmla="*/ 75688 h 825932"/>
+              <a:gd name="connsiteX35" fmla="*/ 3356992 w 3472060"/>
+              <a:gd name="connsiteY35" fmla="*/ 38197 h 825932"/>
+              <a:gd name="connsiteX36" fmla="*/ 3470310 w 3472060"/>
+              <a:gd name="connsiteY36" fmla="*/ 0 h 825932"/>
+            </a:gdLst>
+            <a:ahLst/>
+            <a:cxnLst>
+              <a:cxn ang="0">
+                <a:pos x="connsiteX0" y="connsiteY0"/>
+              </a:cxn>
+              <a:cxn ang="0">
+                <a:pos x="connsiteX1" y="connsiteY1"/>
+              </a:cxn>
+              <a:cxn ang="0">
+                <a:pos x="connsiteX2" y="connsiteY2"/>
+              </a:cxn>
+              <a:cxn ang="0">
+                <a:pos x="connsiteX3" y="connsiteY3"/>
+              </a:cxn>
+              <a:cxn ang="0">
+                <a:pos x="connsiteX4" y="connsiteY4"/>
+              </a:cxn>
+              <a:cxn ang="0">
+                <a:pos x="connsiteX5" y="connsiteY5"/>
+              </a:cxn>
+              <a:cxn ang="0">
+                <a:pos x="connsiteX6" y="connsiteY6"/>
+              </a:cxn>
+              <a:cxn ang="0">
+                <a:pos x="connsiteX7" y="connsiteY7"/>
+              </a:cxn>
+              <a:cxn ang="0">
+                <a:pos x="connsiteX8" y="connsiteY8"/>
+              </a:cxn>
+              <a:cxn ang="0">
+                <a:pos x="connsiteX9" y="connsiteY9"/>
+              </a:cxn>
+              <a:cxn ang="0">
+                <a:pos x="connsiteX10" y="connsiteY10"/>
+              </a:cxn>
+              <a:cxn ang="0">
+                <a:pos x="connsiteX11" y="connsiteY11"/>
+              </a:cxn>
+              <a:cxn ang="0">
+                <a:pos x="connsiteX12" y="connsiteY12"/>
+              </a:cxn>
+              <a:cxn ang="0">
+                <a:pos x="connsiteX13" y="connsiteY13"/>
+              </a:cxn>
+              <a:cxn ang="0">
+                <a:pos x="connsiteX14" y="connsiteY14"/>
+              </a:cxn>
+              <a:cxn ang="0">
+                <a:pos x="connsiteX15" y="connsiteY15"/>
+              </a:cxn>
+              <a:cxn ang="0">
+                <a:pos x="connsiteX16" y="connsiteY16"/>
+              </a:cxn>
+              <a:cxn ang="0">
+                <a:pos x="connsiteX17" y="connsiteY17"/>
+              </a:cxn>
+              <a:cxn ang="0">
+                <a:pos x="connsiteX18" y="connsiteY18"/>
+              </a:cxn>
+              <a:cxn ang="0">
+                <a:pos x="connsiteX19" y="connsiteY19"/>
+              </a:cxn>
+              <a:cxn ang="0">
+                <a:pos x="connsiteX20" y="connsiteY20"/>
+              </a:cxn>
+              <a:cxn ang="0">
+                <a:pos x="connsiteX21" y="connsiteY21"/>
+              </a:cxn>
+              <a:cxn ang="0">
+                <a:pos x="connsiteX22" y="connsiteY22"/>
+              </a:cxn>
+              <a:cxn ang="0">
+                <a:pos x="connsiteX23" y="connsiteY23"/>
+              </a:cxn>
+              <a:cxn ang="0">
+                <a:pos x="connsiteX24" y="connsiteY24"/>
+              </a:cxn>
+              <a:cxn ang="0">
+                <a:pos x="connsiteX25" y="connsiteY25"/>
+              </a:cxn>
+              <a:cxn ang="0">
+                <a:pos x="connsiteX26" y="connsiteY26"/>
+              </a:cxn>
+              <a:cxn ang="0">
+                <a:pos x="connsiteX27" y="connsiteY27"/>
+              </a:cxn>
+              <a:cxn ang="0">
+                <a:pos x="connsiteX28" y="connsiteY28"/>
+              </a:cxn>
+              <a:cxn ang="0">
+                <a:pos x="connsiteX29" y="connsiteY29"/>
+              </a:cxn>
+              <a:cxn ang="0">
+                <a:pos x="connsiteX30" y="connsiteY30"/>
+              </a:cxn>
+              <a:cxn ang="0">
+                <a:pos x="connsiteX31" y="connsiteY31"/>
+              </a:cxn>
+              <a:cxn ang="0">
+                <a:pos x="connsiteX32" y="connsiteY32"/>
+              </a:cxn>
+              <a:cxn ang="0">
+                <a:pos x="connsiteX33" y="connsiteY33"/>
+              </a:cxn>
+              <a:cxn ang="0">
+                <a:pos x="connsiteX34" y="connsiteY34"/>
+              </a:cxn>
+              <a:cxn ang="0">
+                <a:pos x="connsiteX35" y="connsiteY35"/>
+              </a:cxn>
+              <a:cxn ang="0">
+                <a:pos x="connsiteX36" y="connsiteY36"/>
+              </a:cxn>
+            </a:cxnLst>
+            <a:rect l="l" t="t" r="r" b="b"/>
+            <a:pathLst>
+              <a:path w="3472060" h="825932">
+                <a:moveTo>
+                  <a:pt x="3470310" y="0"/>
+                </a:moveTo>
+                <a:lnTo>
+                  <a:pt x="3472060" y="12850"/>
+                </a:lnTo>
+                <a:lnTo>
+                  <a:pt x="3472060" y="480529"/>
+                </a:lnTo>
+                <a:lnTo>
+                  <a:pt x="3363699" y="498471"/>
+                </a:lnTo>
+                <a:cubicBezTo>
+                  <a:pt x="2435623" y="645518"/>
+                  <a:pt x="603076" y="844866"/>
+                  <a:pt x="42060" y="824486"/>
+                </a:cubicBezTo>
+                <a:cubicBezTo>
+                  <a:pt x="28151" y="802425"/>
+                  <a:pt x="13909" y="780513"/>
+                  <a:pt x="0" y="758452"/>
+                </a:cubicBezTo>
+                <a:lnTo>
+                  <a:pt x="188014" y="735602"/>
+                </a:lnTo>
+                <a:lnTo>
+                  <a:pt x="284087" y="722590"/>
+                </a:lnTo>
+                <a:lnTo>
+                  <a:pt x="382288" y="709392"/>
+                </a:lnTo>
+                <a:lnTo>
+                  <a:pt x="481858" y="695774"/>
+                </a:lnTo>
+                <a:lnTo>
+                  <a:pt x="581897" y="680711"/>
+                </a:lnTo>
+                <a:lnTo>
+                  <a:pt x="683670" y="665256"/>
+                </a:lnTo>
+                <a:lnTo>
+                  <a:pt x="787206" y="649587"/>
+                </a:lnTo>
+                <a:lnTo>
+                  <a:pt x="892019" y="632968"/>
+                </a:lnTo>
+                <a:lnTo>
+                  <a:pt x="997620" y="614667"/>
+                </a:lnTo>
+                <a:lnTo>
+                  <a:pt x="1104727" y="596741"/>
+                </a:lnTo>
+                <a:lnTo>
+                  <a:pt x="1212669" y="577397"/>
+                </a:lnTo>
+                <a:lnTo>
+                  <a:pt x="1321506" y="556988"/>
+                </a:lnTo>
+                <a:lnTo>
+                  <a:pt x="1430709" y="536607"/>
+                </a:lnTo>
+                <a:lnTo>
+                  <a:pt x="1541050" y="514481"/>
+                </a:lnTo>
+                <a:lnTo>
+                  <a:pt x="1652805" y="492202"/>
+                </a:lnTo>
+                <a:lnTo>
+                  <a:pt x="1763708" y="469161"/>
+                </a:lnTo>
+                <a:lnTo>
+                  <a:pt x="1875795" y="444641"/>
+                </a:lnTo>
+                <a:lnTo>
+                  <a:pt x="1989128" y="418995"/>
+                </a:lnTo>
+                <a:lnTo>
+                  <a:pt x="2102476" y="393438"/>
+                </a:lnTo>
+                <a:lnTo>
+                  <a:pt x="2215549" y="366291"/>
+                </a:lnTo>
+                <a:lnTo>
+                  <a:pt x="2330490" y="337455"/>
+                </a:lnTo>
+                <a:lnTo>
+                  <a:pt x="2443333" y="308983"/>
+                </a:lnTo>
+                <a:lnTo>
+                  <a:pt x="2558014" y="278646"/>
+                </a:lnTo>
+                <a:lnTo>
+                  <a:pt x="2673621" y="247421"/>
+                </a:lnTo>
+                <a:lnTo>
+                  <a:pt x="2787008" y="215853"/>
+                </a:lnTo>
+                <a:lnTo>
+                  <a:pt x="2901442" y="182011"/>
+                </a:lnTo>
+                <a:lnTo>
+                  <a:pt x="3015722" y="147286"/>
+                </a:lnTo>
+                <a:lnTo>
+                  <a:pt x="3130018" y="112649"/>
+                </a:lnTo>
+                <a:lnTo>
+                  <a:pt x="3243551" y="75688"/>
+                </a:lnTo>
+                <a:lnTo>
+                  <a:pt x="3356992" y="38197"/>
+                </a:lnTo>
+                <a:lnTo>
+                  <a:pt x="3470310" y="0"/>
+                </a:lnTo>
+                <a:close/>
+              </a:path>
+            </a:pathLst>
+          </a:custGeom>
+          <a:solidFill>
+            <a:schemeClr val="bg1">
+              <a:alpha val="20000"/>
+            </a:schemeClr>
+          </a:solidFill>
+          <a:ln>
+            <a:noFill/>
+          </a:ln>
+        </p:spPr>
+        <p:txBody>
+          <a:bodyPr rtlCol="0" anchor="ctr"/>
+          <a:lstStyle/>
+          <a:p>
+            <a:pPr marL="0" marR="0" lvl="0" indent="0" algn="ctr" defTabSz="914400" rtl="0" eaLnBrk="1" fontAlgn="auto" latinLnBrk="0" hangingPunct="1">
+              <a:lnSpc>
+                <a:spcPct val="100000"/>
+              </a:lnSpc>
+              <a:spcBef>
+                <a:spcPts val="0"/>
+              </a:spcBef>
+              <a:spcAft>
+                <a:spcPts val="0"/>
+              </a:spcAft>
+              <a:buClrTx/>
+              <a:buSzTx/>
+              <a:buFontTx/>
+              <a:buNone/>
+              <a:tabLst/>
+              <a:defRPr/>
+            </a:pPr>
+            <a:endParaRPr kumimoji="0" lang="en-US" sz="1800" b="0" i="0" u="none" strike="noStrike" kern="1200" cap="none" spc="0" normalizeH="0" baseline="0" noProof="0">
+              <a:ln>
+                <a:noFill/>
+              </a:ln>
+              <a:solidFill>
+                <a:prstClr val="black"/>
+              </a:solidFill>
+              <a:effectLst/>
+              <a:uLnTx/>
+              <a:uFillTx/>
+              <a:latin typeface="Century Gothic" panose="020B0502020202020204"/>
+              <a:ea typeface="+mn-ea"/>
+              <a:cs typeface="+mn-cs"/>
+            </a:endParaRPr>
+          </a:p>
+        </p:txBody>
+      </p:sp>
+      <p:sp useBgFill="1">
+        <p:nvSpPr>
+          <p:cNvPr id="26" name="Freeform: Shape 25">
+            <a:extLst>
+              <a:ext uri="{FF2B5EF4-FFF2-40B4-BE49-F238E27FC236}">
+                <a16:creationId xmlns:a16="http://schemas.microsoft.com/office/drawing/2014/main" id="{6A681326-1C9D-44A3-A627-3871BDAE4127}"/>
+              </a:ext>
+              <a:ext uri="{C183D7F6-B498-43B3-948B-1728B52AA6E4}">
+                <adec:decorative xmlns:adec="http://schemas.microsoft.com/office/drawing/2017/decorative" val="1"/>
+              </a:ext>
+            </a:extLst>
+          </p:cNvPr>
+          <p:cNvSpPr>
+            <a:spLocks noGrp="1" noRot="1" noChangeAspect="1" noMove="1" noResize="1" noEditPoints="1" noAdjustHandles="1" noChangeArrowheads="1" noChangeShapeType="1" noTextEdit="1"/>
+          </p:cNvSpPr>
+          <p:nvPr>
+            <p:extLst>
+              <p:ext uri="{386F3935-93C4-4BCD-93E2-E3B085C9AB24}">
+                <p16:designElem xmlns:p16="http://schemas.microsoft.com/office/powerpoint/2015/main" val="1"/>
+              </p:ext>
+            </p:extLst>
+          </p:nvPr>
+        </p:nvSpPr>
+        <p:spPr bwMode="gray">
+          <a:xfrm>
+            <a:off x="1" y="1762067"/>
+            <a:ext cx="12192417" cy="5095933"/>
+          </a:xfrm>
+          <a:custGeom>
+            <a:avLst/>
+            <a:gdLst>
+              <a:gd name="connsiteX0" fmla="*/ 0 w 12192417"/>
+              <a:gd name="connsiteY0" fmla="*/ 0 h 5095933"/>
+              <a:gd name="connsiteX1" fmla="*/ 71931 w 12192417"/>
+              <a:gd name="connsiteY1" fmla="*/ 12261 h 5095933"/>
+              <a:gd name="connsiteX2" fmla="*/ 282848 w 12192417"/>
+              <a:gd name="connsiteY2" fmla="*/ 48343 h 5095933"/>
+              <a:gd name="connsiteX3" fmla="*/ 436463 w 12192417"/>
+              <a:gd name="connsiteY3" fmla="*/ 73565 h 5095933"/>
+              <a:gd name="connsiteX4" fmla="*/ 619338 w 12192417"/>
+              <a:gd name="connsiteY4" fmla="*/ 100188 h 5095933"/>
+              <a:gd name="connsiteX5" fmla="*/ 836350 w 12192417"/>
+              <a:gd name="connsiteY5" fmla="*/ 132066 h 5095933"/>
+              <a:gd name="connsiteX6" fmla="*/ 1076527 w 12192417"/>
+              <a:gd name="connsiteY6" fmla="*/ 165696 h 5095933"/>
+              <a:gd name="connsiteX7" fmla="*/ 1347183 w 12192417"/>
+              <a:gd name="connsiteY7" fmla="*/ 201077 h 5095933"/>
+              <a:gd name="connsiteX8" fmla="*/ 1642222 w 12192417"/>
+              <a:gd name="connsiteY8" fmla="*/ 238560 h 5095933"/>
+              <a:gd name="connsiteX9" fmla="*/ 1962863 w 12192417"/>
+              <a:gd name="connsiteY9" fmla="*/ 276043 h 5095933"/>
+              <a:gd name="connsiteX10" fmla="*/ 2304231 w 12192417"/>
+              <a:gd name="connsiteY10" fmla="*/ 314227 h 5095933"/>
+              <a:gd name="connsiteX11" fmla="*/ 2672420 w 12192417"/>
+              <a:gd name="connsiteY11" fmla="*/ 349608 h 5095933"/>
+              <a:gd name="connsiteX12" fmla="*/ 3057677 w 12192417"/>
+              <a:gd name="connsiteY12" fmla="*/ 383588 h 5095933"/>
+              <a:gd name="connsiteX13" fmla="*/ 3464880 w 12192417"/>
+              <a:gd name="connsiteY13" fmla="*/ 414415 h 5095933"/>
+              <a:gd name="connsiteX14" fmla="*/ 3889151 w 12192417"/>
+              <a:gd name="connsiteY14" fmla="*/ 443841 h 5095933"/>
+              <a:gd name="connsiteX15" fmla="*/ 4331709 w 12192417"/>
+              <a:gd name="connsiteY15" fmla="*/ 471515 h 5095933"/>
+              <a:gd name="connsiteX16" fmla="*/ 4558475 w 12192417"/>
+              <a:gd name="connsiteY16" fmla="*/ 481324 h 5095933"/>
+              <a:gd name="connsiteX17" fmla="*/ 4790117 w 12192417"/>
+              <a:gd name="connsiteY17" fmla="*/ 492183 h 5095933"/>
+              <a:gd name="connsiteX18" fmla="*/ 5025417 w 12192417"/>
+              <a:gd name="connsiteY18" fmla="*/ 502342 h 5095933"/>
+              <a:gd name="connsiteX19" fmla="*/ 5261936 w 12192417"/>
+              <a:gd name="connsiteY19" fmla="*/ 508998 h 5095933"/>
+              <a:gd name="connsiteX20" fmla="*/ 5503331 w 12192417"/>
+              <a:gd name="connsiteY20" fmla="*/ 514953 h 5095933"/>
+              <a:gd name="connsiteX21" fmla="*/ 5747166 w 12192417"/>
+              <a:gd name="connsiteY21" fmla="*/ 521259 h 5095933"/>
+              <a:gd name="connsiteX22" fmla="*/ 5995876 w 12192417"/>
+              <a:gd name="connsiteY22" fmla="*/ 525463 h 5095933"/>
+              <a:gd name="connsiteX23" fmla="*/ 6247025 w 12192417"/>
+              <a:gd name="connsiteY23" fmla="*/ 525463 h 5095933"/>
+              <a:gd name="connsiteX24" fmla="*/ 6500612 w 12192417"/>
+              <a:gd name="connsiteY24" fmla="*/ 527565 h 5095933"/>
+              <a:gd name="connsiteX25" fmla="*/ 6756638 w 12192417"/>
+              <a:gd name="connsiteY25" fmla="*/ 525463 h 5095933"/>
+              <a:gd name="connsiteX26" fmla="*/ 7016321 w 12192417"/>
+              <a:gd name="connsiteY26" fmla="*/ 521259 h 5095933"/>
+              <a:gd name="connsiteX27" fmla="*/ 7276004 w 12192417"/>
+              <a:gd name="connsiteY27" fmla="*/ 517406 h 5095933"/>
+              <a:gd name="connsiteX28" fmla="*/ 7539344 w 12192417"/>
+              <a:gd name="connsiteY28" fmla="*/ 508998 h 5095933"/>
+              <a:gd name="connsiteX29" fmla="*/ 7805123 w 12192417"/>
+              <a:gd name="connsiteY29" fmla="*/ 500241 h 5095933"/>
+              <a:gd name="connsiteX30" fmla="*/ 8070902 w 12192417"/>
+              <a:gd name="connsiteY30" fmla="*/ 490082 h 5095933"/>
+              <a:gd name="connsiteX31" fmla="*/ 8339120 w 12192417"/>
+              <a:gd name="connsiteY31" fmla="*/ 475719 h 5095933"/>
+              <a:gd name="connsiteX32" fmla="*/ 8609775 w 12192417"/>
+              <a:gd name="connsiteY32" fmla="*/ 458554 h 5095933"/>
+              <a:gd name="connsiteX33" fmla="*/ 8881650 w 12192417"/>
+              <a:gd name="connsiteY33" fmla="*/ 442089 h 5095933"/>
+              <a:gd name="connsiteX34" fmla="*/ 9153525 w 12192417"/>
+              <a:gd name="connsiteY34" fmla="*/ 421071 h 5095933"/>
+              <a:gd name="connsiteX35" fmla="*/ 9429057 w 12192417"/>
+              <a:gd name="connsiteY35" fmla="*/ 395849 h 5095933"/>
+              <a:gd name="connsiteX36" fmla="*/ 9700932 w 12192417"/>
+              <a:gd name="connsiteY36" fmla="*/ 370626 h 5095933"/>
+              <a:gd name="connsiteX37" fmla="*/ 9977683 w 12192417"/>
+              <a:gd name="connsiteY37" fmla="*/ 341551 h 5095933"/>
+              <a:gd name="connsiteX38" fmla="*/ 10255654 w 12192417"/>
+              <a:gd name="connsiteY38" fmla="*/ 309673 h 5095933"/>
+              <a:gd name="connsiteX39" fmla="*/ 10529967 w 12192417"/>
+              <a:gd name="connsiteY39" fmla="*/ 276043 h 5095933"/>
+              <a:gd name="connsiteX40" fmla="*/ 10807938 w 12192417"/>
+              <a:gd name="connsiteY40" fmla="*/ 236809 h 5095933"/>
+              <a:gd name="connsiteX41" fmla="*/ 11084689 w 12192417"/>
+              <a:gd name="connsiteY41" fmla="*/ 194772 h 5095933"/>
+              <a:gd name="connsiteX42" fmla="*/ 11362660 w 12192417"/>
+              <a:gd name="connsiteY42" fmla="*/ 153085 h 5095933"/>
+              <a:gd name="connsiteX43" fmla="*/ 11639411 w 12192417"/>
+              <a:gd name="connsiteY43" fmla="*/ 104392 h 5095933"/>
+              <a:gd name="connsiteX44" fmla="*/ 11914944 w 12192417"/>
+              <a:gd name="connsiteY44" fmla="*/ 54648 h 5095933"/>
+              <a:gd name="connsiteX45" fmla="*/ 12191695 w 12192417"/>
+              <a:gd name="connsiteY45" fmla="*/ 2452 h 5095933"/>
+              <a:gd name="connsiteX46" fmla="*/ 12191695 w 12192417"/>
+              <a:gd name="connsiteY46" fmla="*/ 2162231 h 5095933"/>
+              <a:gd name="connsiteX47" fmla="*/ 12192417 w 12192417"/>
+              <a:gd name="connsiteY47" fmla="*/ 2162231 h 5095933"/>
+              <a:gd name="connsiteX48" fmla="*/ 12192417 w 12192417"/>
+              <a:gd name="connsiteY48" fmla="*/ 5095933 h 5095933"/>
+              <a:gd name="connsiteX49" fmla="*/ 0 w 12192417"/>
+              <a:gd name="connsiteY49" fmla="*/ 5095933 h 5095933"/>
+              <a:gd name="connsiteX50" fmla="*/ 0 w 12192417"/>
+              <a:gd name="connsiteY50" fmla="*/ 2791958 h 5095933"/>
+              <a:gd name="connsiteX51" fmla="*/ 0 w 12192417"/>
+              <a:gd name="connsiteY51" fmla="*/ 2162231 h 5095933"/>
+            </a:gdLst>
+            <a:ahLst/>
+            <a:cxnLst>
+              <a:cxn ang="0">
+                <a:pos x="connsiteX0" y="connsiteY0"/>
+              </a:cxn>
+              <a:cxn ang="0">
+                <a:pos x="connsiteX1" y="connsiteY1"/>
+              </a:cxn>
+              <a:cxn ang="0">
+                <a:pos x="connsiteX2" y="connsiteY2"/>
+              </a:cxn>
+              <a:cxn ang="0">
+                <a:pos x="connsiteX3" y="connsiteY3"/>
+              </a:cxn>
+              <a:cxn ang="0">
+                <a:pos x="connsiteX4" y="connsiteY4"/>
+              </a:cxn>
+              <a:cxn ang="0">
+                <a:pos x="connsiteX5" y="connsiteY5"/>
+              </a:cxn>
+              <a:cxn ang="0">
+                <a:pos x="connsiteX6" y="connsiteY6"/>
+              </a:cxn>
+              <a:cxn ang="0">
+                <a:pos x="connsiteX7" y="connsiteY7"/>
+              </a:cxn>
+              <a:cxn ang="0">
+                <a:pos x="connsiteX8" y="connsiteY8"/>
+              </a:cxn>
+              <a:cxn ang="0">
+                <a:pos x="connsiteX9" y="connsiteY9"/>
+              </a:cxn>
+              <a:cxn ang="0">
+                <a:pos x="connsiteX10" y="connsiteY10"/>
+              </a:cxn>
+              <a:cxn ang="0">
+                <a:pos x="connsiteX11" y="connsiteY11"/>
+              </a:cxn>
+              <a:cxn ang="0">
+                <a:pos x="connsiteX12" y="connsiteY12"/>
+              </a:cxn>
+              <a:cxn ang="0">
+                <a:pos x="connsiteX13" y="connsiteY13"/>
+              </a:cxn>
+              <a:cxn ang="0">
+                <a:pos x="connsiteX14" y="connsiteY14"/>
+              </a:cxn>
+              <a:cxn ang="0">
+                <a:pos x="connsiteX15" y="connsiteY15"/>
+              </a:cxn>
+              <a:cxn ang="0">
+                <a:pos x="connsiteX16" y="connsiteY16"/>
+              </a:cxn>
+              <a:cxn ang="0">
+                <a:pos x="connsiteX17" y="connsiteY17"/>
+              </a:cxn>
+              <a:cxn ang="0">
+                <a:pos x="connsiteX18" y="connsiteY18"/>
+              </a:cxn>
+              <a:cxn ang="0">
+                <a:pos x="connsiteX19" y="connsiteY19"/>
+              </a:cxn>
+              <a:cxn ang="0">
+                <a:pos x="connsiteX20" y="connsiteY20"/>
+              </a:cxn>
+              <a:cxn ang="0">
+                <a:pos x="connsiteX21" y="connsiteY21"/>
+              </a:cxn>
+              <a:cxn ang="0">
+                <a:pos x="connsiteX22" y="connsiteY22"/>
+              </a:cxn>
+              <a:cxn ang="0">
+                <a:pos x="connsiteX23" y="connsiteY23"/>
+              </a:cxn>
+              <a:cxn ang="0">
+                <a:pos x="connsiteX24" y="connsiteY24"/>
+              </a:cxn>
+              <a:cxn ang="0">
+                <a:pos x="connsiteX25" y="connsiteY25"/>
+              </a:cxn>
+              <a:cxn ang="0">
+                <a:pos x="connsiteX26" y="connsiteY26"/>
+              </a:cxn>
+              <a:cxn ang="0">
+                <a:pos x="connsiteX27" y="connsiteY27"/>
+              </a:cxn>
+              <a:cxn ang="0">
+                <a:pos x="connsiteX28" y="connsiteY28"/>
+              </a:cxn>
+              <a:cxn ang="0">
+                <a:pos x="connsiteX29" y="connsiteY29"/>
+              </a:cxn>
+              <a:cxn ang="0">
+                <a:pos x="connsiteX30" y="connsiteY30"/>
+              </a:cxn>
+              <a:cxn ang="0">
+                <a:pos x="connsiteX31" y="connsiteY31"/>
+              </a:cxn>
+              <a:cxn ang="0">
+                <a:pos x="connsiteX32" y="connsiteY32"/>
+              </a:cxn>
+              <a:cxn ang="0">
+                <a:pos x="connsiteX33" y="connsiteY33"/>
+              </a:cxn>
+              <a:cxn ang="0">
+                <a:pos x="connsiteX34" y="connsiteY34"/>
+              </a:cxn>
+              <a:cxn ang="0">
+                <a:pos x="connsiteX35" y="connsiteY35"/>
+              </a:cxn>
+              <a:cxn ang="0">
+                <a:pos x="connsiteX36" y="connsiteY36"/>
+              </a:cxn>
+              <a:cxn ang="0">
+                <a:pos x="connsiteX37" y="connsiteY37"/>
+              </a:cxn>
+              <a:cxn ang="0">
+                <a:pos x="connsiteX38" y="connsiteY38"/>
+              </a:cxn>
+              <a:cxn ang="0">
+                <a:pos x="connsiteX39" y="connsiteY39"/>
+              </a:cxn>
+              <a:cxn ang="0">
+                <a:pos x="connsiteX40" y="connsiteY40"/>
+              </a:cxn>
+              <a:cxn ang="0">
+                <a:pos x="connsiteX41" y="connsiteY41"/>
+              </a:cxn>
+              <a:cxn ang="0">
+                <a:pos x="connsiteX42" y="connsiteY42"/>
+              </a:cxn>
+              <a:cxn ang="0">
+                <a:pos x="connsiteX43" y="connsiteY43"/>
+              </a:cxn>
+              <a:cxn ang="0">
+                <a:pos x="connsiteX44" y="connsiteY44"/>
+              </a:cxn>
+              <a:cxn ang="0">
+                <a:pos x="connsiteX45" y="connsiteY45"/>
+              </a:cxn>
+              <a:cxn ang="0">
+                <a:pos x="connsiteX46" y="connsiteY46"/>
+              </a:cxn>
+              <a:cxn ang="0">
+                <a:pos x="connsiteX47" y="connsiteY47"/>
+              </a:cxn>
+              <a:cxn ang="0">
+                <a:pos x="connsiteX48" y="connsiteY48"/>
+              </a:cxn>
+              <a:cxn ang="0">
+                <a:pos x="connsiteX49" y="connsiteY49"/>
+              </a:cxn>
+              <a:cxn ang="0">
+                <a:pos x="connsiteX50" y="connsiteY50"/>
+              </a:cxn>
+              <a:cxn ang="0">
+                <a:pos x="connsiteX51" y="connsiteY51"/>
+              </a:cxn>
+            </a:cxnLst>
+            <a:rect l="l" t="t" r="r" b="b"/>
+            <a:pathLst>
+              <a:path w="12192417" h="5095933">
+                <a:moveTo>
+                  <a:pt x="0" y="0"/>
+                </a:moveTo>
+                <a:lnTo>
+                  <a:pt x="71931" y="12261"/>
+                </a:lnTo>
+                <a:lnTo>
+                  <a:pt x="282848" y="48343"/>
+                </a:lnTo>
+                <a:lnTo>
+                  <a:pt x="436463" y="73565"/>
+                </a:lnTo>
+                <a:lnTo>
+                  <a:pt x="619338" y="100188"/>
+                </a:lnTo>
+                <a:lnTo>
+                  <a:pt x="836350" y="132066"/>
+                </a:lnTo>
+                <a:lnTo>
+                  <a:pt x="1076527" y="165696"/>
+                </a:lnTo>
+                <a:lnTo>
+                  <a:pt x="1347183" y="201077"/>
+                </a:lnTo>
+                <a:lnTo>
+                  <a:pt x="1642222" y="238560"/>
+                </a:lnTo>
+                <a:lnTo>
+                  <a:pt x="1962863" y="276043"/>
+                </a:lnTo>
+                <a:lnTo>
+                  <a:pt x="2304231" y="314227"/>
+                </a:lnTo>
+                <a:lnTo>
+                  <a:pt x="2672420" y="349608"/>
+                </a:lnTo>
+                <a:lnTo>
+                  <a:pt x="3057677" y="383588"/>
+                </a:lnTo>
+                <a:lnTo>
+                  <a:pt x="3464880" y="414415"/>
+                </a:lnTo>
+                <a:lnTo>
+                  <a:pt x="3889151" y="443841"/>
+                </a:lnTo>
+                <a:lnTo>
+                  <a:pt x="4331709" y="471515"/>
+                </a:lnTo>
+                <a:lnTo>
+                  <a:pt x="4558475" y="481324"/>
+                </a:lnTo>
+                <a:lnTo>
+                  <a:pt x="4790117" y="492183"/>
+                </a:lnTo>
+                <a:lnTo>
+                  <a:pt x="5025417" y="502342"/>
+                </a:lnTo>
+                <a:lnTo>
+                  <a:pt x="5261936" y="508998"/>
+                </a:lnTo>
+                <a:lnTo>
+                  <a:pt x="5503331" y="514953"/>
+                </a:lnTo>
+                <a:lnTo>
+                  <a:pt x="5747166" y="521259"/>
+                </a:lnTo>
+                <a:lnTo>
+                  <a:pt x="5995876" y="525463"/>
+                </a:lnTo>
+                <a:lnTo>
+                  <a:pt x="6247025" y="525463"/>
+                </a:lnTo>
+                <a:lnTo>
+                  <a:pt x="6500612" y="527565"/>
+                </a:lnTo>
+                <a:lnTo>
+                  <a:pt x="6756638" y="525463"/>
+                </a:lnTo>
+                <a:lnTo>
+                  <a:pt x="7016321" y="521259"/>
+                </a:lnTo>
+                <a:lnTo>
+                  <a:pt x="7276004" y="517406"/>
+                </a:lnTo>
+                <a:lnTo>
+                  <a:pt x="7539344" y="508998"/>
+                </a:lnTo>
+                <a:lnTo>
+                  <a:pt x="7805123" y="500241"/>
+                </a:lnTo>
+                <a:lnTo>
+                  <a:pt x="8070902" y="490082"/>
+                </a:lnTo>
+                <a:lnTo>
+                  <a:pt x="8339120" y="475719"/>
+                </a:lnTo>
+                <a:lnTo>
+                  <a:pt x="8609775" y="458554"/>
+                </a:lnTo>
+                <a:lnTo>
+                  <a:pt x="8881650" y="442089"/>
+                </a:lnTo>
+                <a:lnTo>
+                  <a:pt x="9153525" y="421071"/>
+                </a:lnTo>
+                <a:lnTo>
+                  <a:pt x="9429057" y="395849"/>
+                </a:lnTo>
+                <a:lnTo>
+                  <a:pt x="9700932" y="370626"/>
+                </a:lnTo>
+                <a:lnTo>
+                  <a:pt x="9977683" y="341551"/>
+                </a:lnTo>
+                <a:lnTo>
+                  <a:pt x="10255654" y="309673"/>
+                </a:lnTo>
+                <a:lnTo>
+                  <a:pt x="10529967" y="276043"/>
+                </a:lnTo>
+                <a:lnTo>
+                  <a:pt x="10807938" y="236809"/>
+                </a:lnTo>
+                <a:lnTo>
+                  <a:pt x="11084689" y="194772"/>
+                </a:lnTo>
+                <a:lnTo>
+                  <a:pt x="11362660" y="153085"/>
+                </a:lnTo>
+                <a:lnTo>
+                  <a:pt x="11639411" y="104392"/>
+                </a:lnTo>
+                <a:lnTo>
+                  <a:pt x="11914944" y="54648"/>
+                </a:lnTo>
+                <a:lnTo>
+                  <a:pt x="12191695" y="2452"/>
+                </a:lnTo>
+                <a:lnTo>
+                  <a:pt x="12191695" y="2162231"/>
+                </a:lnTo>
+                <a:lnTo>
+                  <a:pt x="12192417" y="2162231"/>
+                </a:lnTo>
+                <a:lnTo>
+                  <a:pt x="12192417" y="5095933"/>
+                </a:lnTo>
+                <a:lnTo>
+                  <a:pt x="0" y="5095933"/>
+                </a:lnTo>
+                <a:lnTo>
+                  <a:pt x="0" y="2791958"/>
+                </a:lnTo>
+                <a:lnTo>
+                  <a:pt x="0" y="2162231"/>
+                </a:lnTo>
+                <a:close/>
+              </a:path>
+            </a:pathLst>
+          </a:custGeom>
+          <a:ln>
+            <a:noFill/>
+          </a:ln>
+        </p:spPr>
+      </p:sp>
+      <p:sp>
+        <p:nvSpPr>
+          <p:cNvPr id="2" name="Title 1">
+            <a:extLst>
+              <a:ext uri="{FF2B5EF4-FFF2-40B4-BE49-F238E27FC236}">
+                <a16:creationId xmlns:a16="http://schemas.microsoft.com/office/drawing/2014/main" id="{4B122DE4-B229-4F46-8EF5-AF3EF6D7BA39}"/>
+              </a:ext>
+            </a:extLst>
+          </p:cNvPr>
+          <p:cNvSpPr>
+            <a:spLocks noGrp="1"/>
+          </p:cNvSpPr>
+          <p:nvPr>
+            <p:ph type="title"/>
+          </p:nvPr>
+        </p:nvSpPr>
+        <p:spPr>
+          <a:xfrm>
+            <a:off x="1103312" y="452718"/>
+            <a:ext cx="8947522" cy="1400530"/>
+          </a:xfrm>
+        </p:spPr>
+        <p:txBody>
+          <a:bodyPr vert="horz" lIns="91440" tIns="45720" rIns="91440" bIns="45720" rtlCol="0" anchor="ctr">
+            <a:normAutofit/>
+          </a:bodyPr>
+          <a:lstStyle/>
+          <a:p>
+            <a:r>
+              <a:rPr lang="en-US" altLang="zh-CN" sz="4200" b="0" i="0" kern="1200" dirty="0">
+                <a:solidFill>
+                  <a:srgbClr val="FFFFFF"/>
+                </a:solidFill>
+                <a:latin typeface="+mj-lt"/>
+                <a:ea typeface="+mj-ea"/>
+                <a:cs typeface="+mj-cs"/>
+              </a:rPr>
+              <a:t>Model Selection</a:t>
+            </a:r>
+            <a:endParaRPr lang="en-US" sz="4200" b="0" i="0" kern="1200" dirty="0">
+              <a:solidFill>
+                <a:srgbClr val="FFFFFF"/>
+              </a:solidFill>
+              <a:latin typeface="+mj-lt"/>
+              <a:ea typeface="+mj-ea"/>
+              <a:cs typeface="+mj-cs"/>
+            </a:endParaRPr>
+          </a:p>
+        </p:txBody>
+      </p:sp>
+      <p:sp>
+        <p:nvSpPr>
+          <p:cNvPr id="3" name="Vertical Text Placeholder 2">
+            <a:extLst>
+              <a:ext uri="{FF2B5EF4-FFF2-40B4-BE49-F238E27FC236}">
+                <a16:creationId xmlns:a16="http://schemas.microsoft.com/office/drawing/2014/main" id="{C3387D0A-E8B6-3C4C-87A6-E6B39D693450}"/>
+              </a:ext>
+            </a:extLst>
+          </p:cNvPr>
+          <p:cNvSpPr>
+            <a:spLocks noGrp="1"/>
+          </p:cNvSpPr>
+          <p:nvPr>
+            <p:ph type="body" orient="vert" idx="1"/>
+          </p:nvPr>
+        </p:nvSpPr>
+        <p:spPr>
+          <a:xfrm>
+            <a:off x="1103312" y="2073595"/>
+            <a:ext cx="9834764" cy="4546940"/>
+          </a:xfrm>
+        </p:spPr>
+        <p:txBody>
+          <a:bodyPr vert="horz" lIns="91440" tIns="45720" rIns="91440" bIns="45720" rtlCol="0">
+            <a:normAutofit/>
+          </a:bodyPr>
+          <a:lstStyle/>
+          <a:p>
+            <a:pPr>
+              <a:buClr>
+                <a:schemeClr val="tx2"/>
+              </a:buClr>
+            </a:pPr>
+            <a:r>
+              <a:rPr lang="en-US" sz="2400" dirty="0"/>
+              <a:t>Forward regression</a:t>
+            </a:r>
+          </a:p>
+          <a:p>
+            <a:pPr marL="0" indent="0">
+              <a:buClr>
+                <a:schemeClr val="tx2"/>
+              </a:buClr>
+              <a:buNone/>
+            </a:pPr>
+            <a:r>
+              <a:rPr lang="en-US" sz="1600" dirty="0"/>
+              <a:t>       ABDOMEN, WEIGHT and WRIST are significant variables in forward regression</a:t>
+            </a:r>
+          </a:p>
+          <a:p>
+            <a:pPr marL="0" indent="0">
+              <a:buClr>
+                <a:schemeClr val="tx2"/>
+              </a:buClr>
+              <a:buNone/>
+            </a:pPr>
+            <a:endParaRPr lang="en-US" sz="2400" dirty="0"/>
+          </a:p>
+          <a:p>
+            <a:pPr>
+              <a:buClr>
+                <a:schemeClr val="tx2"/>
+              </a:buClr>
+            </a:pPr>
+            <a:endParaRPr lang="en-US" sz="2400" dirty="0"/>
+          </a:p>
+          <a:p>
+            <a:pPr>
+              <a:buClr>
+                <a:schemeClr val="tx2"/>
+              </a:buClr>
+            </a:pPr>
+            <a:endParaRPr lang="en-US" sz="2400" dirty="0"/>
+          </a:p>
+          <a:p>
+            <a:pPr>
+              <a:buClr>
+                <a:schemeClr val="tx2"/>
+              </a:buClr>
+            </a:pPr>
+            <a:r>
+              <a:rPr lang="en-US" sz="2400" dirty="0"/>
+              <a:t>Backward regression </a:t>
+            </a:r>
+          </a:p>
+          <a:p>
+            <a:pPr marL="0" indent="0">
+              <a:buClr>
+                <a:schemeClr val="tx2"/>
+              </a:buClr>
+              <a:buNone/>
+            </a:pPr>
+            <a:r>
+              <a:rPr lang="en-US" sz="1600" dirty="0"/>
+              <a:t>       ABDOMEN, WRIST are significant variables in backward regression</a:t>
+            </a:r>
+            <a:endParaRPr lang="en-US" sz="2400" dirty="0"/>
+          </a:p>
+        </p:txBody>
+      </p:sp>
+      <p:pic>
+        <p:nvPicPr>
+          <p:cNvPr id="4" name="Picture 3">
+            <a:extLst>
+              <a:ext uri="{FF2B5EF4-FFF2-40B4-BE49-F238E27FC236}">
+                <a16:creationId xmlns:a16="http://schemas.microsoft.com/office/drawing/2014/main" id="{CADB1EF8-67BE-44E2-96BC-05C5018EE897}"/>
+              </a:ext>
+            </a:extLst>
+          </p:cNvPr>
+          <p:cNvPicPr>
+            <a:picLocks noChangeAspect="1"/>
+          </p:cNvPicPr>
+          <p:nvPr/>
+        </p:nvPicPr>
+        <p:blipFill>
+          <a:blip r:embed="rId6"/>
+          <a:stretch>
+            <a:fillRect/>
+          </a:stretch>
+        </p:blipFill>
+        <p:spPr>
+          <a:xfrm>
+            <a:off x="3149157" y="2903474"/>
+            <a:ext cx="5192613" cy="1493468"/>
+          </a:xfrm>
+          <a:prstGeom prst="rect">
+            <a:avLst/>
+          </a:prstGeom>
+        </p:spPr>
+      </p:pic>
+      <p:pic>
+        <p:nvPicPr>
+          <p:cNvPr id="5" name="Picture 4">
+            <a:extLst>
+              <a:ext uri="{FF2B5EF4-FFF2-40B4-BE49-F238E27FC236}">
+                <a16:creationId xmlns:a16="http://schemas.microsoft.com/office/drawing/2014/main" id="{798CF9DF-2A97-4A2D-9131-D4E9A9EE2F71}"/>
+              </a:ext>
+            </a:extLst>
+          </p:cNvPr>
+          <p:cNvPicPr>
+            <a:picLocks noChangeAspect="1"/>
+          </p:cNvPicPr>
+          <p:nvPr/>
+        </p:nvPicPr>
+        <p:blipFill>
+          <a:blip r:embed="rId7"/>
+          <a:stretch>
+            <a:fillRect/>
+          </a:stretch>
+        </p:blipFill>
+        <p:spPr>
+          <a:xfrm>
+            <a:off x="3031836" y="5257800"/>
+            <a:ext cx="5434272" cy="1399113"/>
+          </a:xfrm>
+          <a:prstGeom prst="rect">
+            <a:avLst/>
+          </a:prstGeom>
+        </p:spPr>
+      </p:pic>
+    </p:spTree>
+    <p:extLst>
+      <p:ext uri="{BB962C8B-B14F-4D97-AF65-F5344CB8AC3E}">
+        <p14:creationId xmlns:p14="http://schemas.microsoft.com/office/powerpoint/2010/main" val="114972281"/>
+      </p:ext>
+    </p:extLst>
+  </p:cSld>
+  <p:clrMapOvr>
+    <a:overrideClrMapping bg1="lt1" tx1="dk1" bg2="lt2" tx2="dk2" accent1="accent1" accent2="accent2" accent3="accent3" accent4="accent4" accent5="accent5" accent6="accent6" hlink="hlink" folHlink="folHlink"/>
+  </p:clrMapOvr>
+</p:sld>
+</file>
+
+<file path=ppt/slides/slide8.xml><?xml version="1.0" encoding="utf-8"?>
+<p:sld xmlns:a="http://schemas.openxmlformats.org/drawingml/2006/main" xmlns:r="http://schemas.openxmlformats.org/officeDocument/2006/relationships" xmlns:p="http://schemas.openxmlformats.org/presentationml/2006/main">
+  <p:cSld>
+    <p:bg>
+      <p:bgPr>
+        <a:solidFill>
+          <a:schemeClr val="bg1"/>
+        </a:solidFill>
+        <a:effectLst/>
+      </p:bgPr>
+    </p:bg>
+    <p:spTree>
+      <p:nvGrpSpPr>
+        <p:cNvPr id="1" name=""/>
+        <p:cNvGrpSpPr/>
+        <p:nvPr/>
+      </p:nvGrpSpPr>
+      <p:grpSpPr>
+        <a:xfrm>
+          <a:off x="0" y="0"/>
+          <a:ext cx="0" cy="0"/>
+          <a:chOff x="0" y="0"/>
+          <a:chExt cx="0" cy="0"/>
+        </a:xfrm>
+      </p:grpSpPr>
+      <p:pic>
+        <p:nvPicPr>
+          <p:cNvPr id="8" name="Picture 7">
+            <a:extLst>
+              <a:ext uri="{FF2B5EF4-FFF2-40B4-BE49-F238E27FC236}">
+                <a16:creationId xmlns:a16="http://schemas.microsoft.com/office/drawing/2014/main" id="{91B28F63-CF00-448F-B141-FE33C33B1891}"/>
+              </a:ext>
+              <a:ext uri="{C183D7F6-B498-43B3-948B-1728B52AA6E4}">
+                <adec:decorative xmlns:adec="http://schemas.microsoft.com/office/drawing/2017/decorative" val="1"/>
+              </a:ext>
+            </a:extLst>
+          </p:cNvPr>
+          <p:cNvPicPr>
+            <a:picLocks noGrp="1" noRot="1" noChangeAspect="1" noMove="1" noResize="1" noEditPoints="1" noAdjustHandles="1" noChangeArrowheads="1" noChangeShapeType="1" noCrop="1"/>
+          </p:cNvPicPr>
+          <p:nvPr>
+            <p:extLst>
+              <p:ext uri="{386F3935-93C4-4BCD-93E2-E3B085C9AB24}">
+                <p16:designElem xmlns:p16="http://schemas.microsoft.com/office/powerpoint/2015/main" val="1"/>
+              </p:ext>
+            </p:extLst>
+          </p:nvPr>
+        </p:nvPicPr>
+        <p:blipFill rotWithShape="1">
+          <a:blip r:embed="rId2">
+            <a:extLst>
+              <a:ext uri="{28A0092B-C50C-407E-A947-70E740481C1C}">
+                <a14:useLocalDpi xmlns:a14="http://schemas.microsoft.com/office/drawing/2010/main" val="0"/>
+              </a:ext>
+            </a:extLst>
+          </a:blip>
+          <a:srcRect l="3613"/>
+          <a:stretch/>
+        </p:blipFill>
+        <p:spPr>
+          <a:xfrm>
+            <a:off x="0" y="2669685"/>
+            <a:ext cx="4037012" cy="4188315"/>
+          </a:xfrm>
+          <a:prstGeom prst="rect">
+            <a:avLst/>
+          </a:prstGeom>
+        </p:spPr>
+      </p:pic>
+      <p:pic>
+        <p:nvPicPr>
+          <p:cNvPr id="10" name="Picture 9">
+            <a:extLst>
+              <a:ext uri="{FF2B5EF4-FFF2-40B4-BE49-F238E27FC236}">
+                <a16:creationId xmlns:a16="http://schemas.microsoft.com/office/drawing/2014/main" id="{2AE609E2-8522-44E4-9077-980E5BCF3E14}"/>
+              </a:ext>
+              <a:ext uri="{C183D7F6-B498-43B3-948B-1728B52AA6E4}">
+                <adec:decorative xmlns:adec="http://schemas.microsoft.com/office/drawing/2017/decorative" val="1"/>
+              </a:ext>
+            </a:extLst>
+          </p:cNvPr>
+          <p:cNvPicPr>
+            <a:picLocks noGrp="1" noRot="1" noChangeAspect="1" noMove="1" noResize="1" noEditPoints="1" noAdjustHandles="1" noChangeArrowheads="1" noChangeShapeType="1" noCrop="1"/>
+          </p:cNvPicPr>
+          <p:nvPr>
+            <p:extLst>
+              <p:ext uri="{386F3935-93C4-4BCD-93E2-E3B085C9AB24}">
+                <p16:designElem xmlns:p16="http://schemas.microsoft.com/office/powerpoint/2015/main" val="1"/>
+              </p:ext>
+            </p:extLst>
+          </p:nvPr>
+        </p:nvPicPr>
+        <p:blipFill rotWithShape="1">
+          <a:blip r:embed="rId3">
+            <a:extLst>
+              <a:ext uri="{28A0092B-C50C-407E-A947-70E740481C1C}">
+                <a14:useLocalDpi xmlns:a14="http://schemas.microsoft.com/office/drawing/2010/main" val="0"/>
+              </a:ext>
+            </a:extLst>
+          </a:blip>
+          <a:srcRect l="35640"/>
+          <a:stretch/>
+        </p:blipFill>
+        <p:spPr>
+          <a:xfrm>
+            <a:off x="0" y="2892347"/>
+            <a:ext cx="1522412" cy="2365453"/>
+          </a:xfrm>
+          <a:prstGeom prst="rect">
+            <a:avLst/>
+          </a:prstGeom>
+        </p:spPr>
+      </p:pic>
+      <p:sp>
+        <p:nvSpPr>
+          <p:cNvPr id="12" name="Oval 11">
+            <a:extLst>
+              <a:ext uri="{FF2B5EF4-FFF2-40B4-BE49-F238E27FC236}">
+                <a16:creationId xmlns:a16="http://schemas.microsoft.com/office/drawing/2014/main" id="{4FA533C5-33E3-4611-AF9F-72811D8B26A6}"/>
+              </a:ext>
+              <a:ext uri="{C183D7F6-B498-43B3-948B-1728B52AA6E4}">
+                <adec:decorative xmlns:adec="http://schemas.microsoft.com/office/drawing/2017/decorative" val="1"/>
+              </a:ext>
+            </a:extLst>
+          </p:cNvPr>
+          <p:cNvSpPr>
+            <a:spLocks noGrp="1" noRot="1" noChangeAspect="1" noMove="1" noResize="1" noEditPoints="1" noAdjustHandles="1" noChangeArrowheads="1" noChangeShapeType="1" noTextEdit="1"/>
+          </p:cNvSpPr>
+          <p:nvPr>
+            <p:extLst>
+              <p:ext uri="{386F3935-93C4-4BCD-93E2-E3B085C9AB24}">
+                <p16:designElem xmlns:p16="http://schemas.microsoft.com/office/powerpoint/2015/main" val="1"/>
+              </p:ext>
+            </p:extLst>
+          </p:nvPr>
+        </p:nvSpPr>
+        <p:spPr>
+          <a:xfrm>
+            <a:off x="8609012" y="1676400"/>
+            <a:ext cx="2819400" cy="2819400"/>
+          </a:xfrm>
+          <a:prstGeom prst="ellipse">
+            <a:avLst/>
+          </a:prstGeom>
+          <a:gradFill flip="none" rotWithShape="1">
+            <a:gsLst>
+              <a:gs pos="0">
+                <a:schemeClr val="bg2">
+                  <a:lumMod val="60000"/>
+                  <a:lumOff val="40000"/>
+                  <a:alpha val="7000"/>
+                </a:schemeClr>
+              </a:gs>
+              <a:gs pos="69000">
+                <a:schemeClr val="bg2">
+                  <a:lumMod val="60000"/>
+                  <a:lumOff val="40000"/>
+                  <a:alpha val="0"/>
+                </a:schemeClr>
+              </a:gs>
+              <a:gs pos="36000">
+                <a:schemeClr val="bg2">
+                  <a:lumMod val="60000"/>
+                  <a:lumOff val="40000"/>
+                  <a:alpha val="6000"/>
+                </a:schemeClr>
+              </a:gs>
+            </a:gsLst>
+            <a:path path="circle">
+              <a:fillToRect l="50000" t="50000" r="50000" b="50000"/>
+            </a:path>
+            <a:tileRect/>
+          </a:gradFill>
+          <a:ln>
+            <a:noFill/>
+          </a:ln>
+          <a:effectLst/>
+        </p:spPr>
+        <p:style>
+          <a:lnRef idx="1">
+            <a:schemeClr val="accent1"/>
+          </a:lnRef>
+          <a:fillRef idx="3">
+            <a:schemeClr val="accent1"/>
+          </a:fillRef>
+          <a:effectRef idx="2">
+            <a:schemeClr val="accent1"/>
+          </a:effectRef>
+          <a:fontRef idx="minor">
+            <a:schemeClr val="lt1"/>
+          </a:fontRef>
+        </p:style>
+      </p:sp>
+      <p:pic>
+        <p:nvPicPr>
+          <p:cNvPr id="14" name="Picture 13">
+            <a:extLst>
+              <a:ext uri="{FF2B5EF4-FFF2-40B4-BE49-F238E27FC236}">
+                <a16:creationId xmlns:a16="http://schemas.microsoft.com/office/drawing/2014/main" id="{8949AD42-25FD-4C3D-9EEE-B7FEC5809988}"/>
+              </a:ext>
+              <a:ext uri="{C183D7F6-B498-43B3-948B-1728B52AA6E4}">
+                <adec:decorative xmlns:adec="http://schemas.microsoft.com/office/drawing/2017/decorative" val="1"/>
+              </a:ext>
+            </a:extLst>
+          </p:cNvPr>
+          <p:cNvPicPr>
+            <a:picLocks noGrp="1" noRot="1" noChangeAspect="1" noMove="1" noResize="1" noEditPoints="1" noAdjustHandles="1" noChangeArrowheads="1" noChangeShapeType="1" noCrop="1"/>
+          </p:cNvPicPr>
+          <p:nvPr>
+            <p:extLst>
+              <p:ext uri="{386F3935-93C4-4BCD-93E2-E3B085C9AB24}">
+                <p16:designElem xmlns:p16="http://schemas.microsoft.com/office/powerpoint/2015/main" val="1"/>
+              </p:ext>
+            </p:extLst>
+          </p:nvPr>
+        </p:nvPicPr>
+        <p:blipFill rotWithShape="1">
+          <a:blip r:embed="rId4">
+            <a:extLst>
+              <a:ext uri="{28A0092B-C50C-407E-A947-70E740481C1C}">
+                <a14:useLocalDpi xmlns:a14="http://schemas.microsoft.com/office/drawing/2010/main" val="0"/>
+              </a:ext>
+            </a:extLst>
+          </a:blip>
+          <a:srcRect t="28813"/>
+          <a:stretch/>
+        </p:blipFill>
+        <p:spPr>
+          <a:xfrm>
+            <a:off x="7999412" y="0"/>
+            <a:ext cx="1603387" cy="1141407"/>
+          </a:xfrm>
+          <a:prstGeom prst="rect">
+            <a:avLst/>
+          </a:prstGeom>
+        </p:spPr>
+      </p:pic>
+      <p:pic>
+        <p:nvPicPr>
+          <p:cNvPr id="16" name="Picture 15">
+            <a:extLst>
+              <a:ext uri="{FF2B5EF4-FFF2-40B4-BE49-F238E27FC236}">
+                <a16:creationId xmlns:a16="http://schemas.microsoft.com/office/drawing/2014/main" id="{6AC7D913-60B7-4603-881B-831DA5D3A940}"/>
+              </a:ext>
+              <a:ext uri="{C183D7F6-B498-43B3-948B-1728B52AA6E4}">
+                <adec:decorative xmlns:adec="http://schemas.microsoft.com/office/drawing/2017/decorative" val="1"/>
+              </a:ext>
+            </a:extLst>
+          </p:cNvPr>
+          <p:cNvPicPr>
+            <a:picLocks noGrp="1" noRot="1" noChangeAspect="1" noMove="1" noResize="1" noEditPoints="1" noAdjustHandles="1" noChangeArrowheads="1" noChangeShapeType="1" noCrop="1"/>
+          </p:cNvPicPr>
+          <p:nvPr>
+            <p:extLst>
+              <p:ext uri="{386F3935-93C4-4BCD-93E2-E3B085C9AB24}">
+                <p16:designElem xmlns:p16="http://schemas.microsoft.com/office/powerpoint/2015/main" val="1"/>
+              </p:ext>
+            </p:extLst>
+          </p:nvPr>
+        </p:nvPicPr>
+        <p:blipFill rotWithShape="1">
+          <a:blip r:embed="rId5">
+            <a:extLst>
+              <a:ext uri="{28A0092B-C50C-407E-A947-70E740481C1C}">
+                <a14:useLocalDpi xmlns:a14="http://schemas.microsoft.com/office/drawing/2010/main" val="0"/>
+              </a:ext>
+            </a:extLst>
+          </a:blip>
+          <a:srcRect b="23320"/>
+          <a:stretch/>
+        </p:blipFill>
+        <p:spPr>
+          <a:xfrm>
+            <a:off x="8605878" y="6096000"/>
+            <a:ext cx="993734" cy="762000"/>
+          </a:xfrm>
+          <a:prstGeom prst="rect">
+            <a:avLst/>
+          </a:prstGeom>
+        </p:spPr>
+      </p:pic>
+      <p:sp>
+        <p:nvSpPr>
+          <p:cNvPr id="18" name="Rectangle 17">
+            <a:extLst>
+              <a:ext uri="{FF2B5EF4-FFF2-40B4-BE49-F238E27FC236}">
+                <a16:creationId xmlns:a16="http://schemas.microsoft.com/office/drawing/2014/main" id="{87F0FDC4-AD8C-47D9-9131-623C98ADB0AE}"/>
+              </a:ext>
+              <a:ext uri="{C183D7F6-B498-43B3-948B-1728B52AA6E4}">
+                <adec:decorative xmlns:adec="http://schemas.microsoft.com/office/drawing/2017/decorative" val="1"/>
+              </a:ext>
+            </a:extLst>
+          </p:cNvPr>
+          <p:cNvSpPr>
+            <a:spLocks noGrp="1" noRot="1" noChangeAspect="1" noMove="1" noResize="1" noEditPoints="1" noAdjustHandles="1" noChangeArrowheads="1" noChangeShapeType="1" noTextEdit="1"/>
+          </p:cNvSpPr>
+          <p:nvPr>
+            <p:extLst>
+              <p:ext uri="{386F3935-93C4-4BCD-93E2-E3B085C9AB24}">
+                <p16:designElem xmlns:p16="http://schemas.microsoft.com/office/powerpoint/2015/main" val="1"/>
+              </p:ext>
+            </p:extLst>
+          </p:nvPr>
+        </p:nvSpPr>
+        <p:spPr>
+          <a:xfrm>
+            <a:off x="10437812" y="0"/>
+            <a:ext cx="685800" cy="1143000"/>
+          </a:xfrm>
+          <a:prstGeom prst="rect">
+            <a:avLst/>
+          </a:prstGeom>
+          <a:solidFill>
+            <a:schemeClr val="accent1"/>
+          </a:solidFill>
+          <a:ln>
+            <a:noFill/>
+          </a:ln>
+        </p:spPr>
+        <p:style>
+          <a:lnRef idx="1">
+            <a:schemeClr val="accent1"/>
+          </a:lnRef>
+          <a:fillRef idx="3">
+            <a:schemeClr val="accent1"/>
+          </a:fillRef>
+          <a:effectRef idx="2">
+            <a:schemeClr val="accent1"/>
+          </a:effectRef>
+          <a:fontRef idx="minor">
+            <a:schemeClr val="lt1"/>
+          </a:fontRef>
+        </p:style>
+      </p:sp>
+      <p:sp>
+        <p:nvSpPr>
+          <p:cNvPr id="20" name="Rectangle 19">
+            <a:extLst>
+              <a:ext uri="{FF2B5EF4-FFF2-40B4-BE49-F238E27FC236}">
+                <a16:creationId xmlns:a16="http://schemas.microsoft.com/office/drawing/2014/main" id="{74CD14DB-BB81-479F-A1FC-1C75640E9F84}"/>
+              </a:ext>
+              <a:ext uri="{C183D7F6-B498-43B3-948B-1728B52AA6E4}">
+                <adec:decorative xmlns:adec="http://schemas.microsoft.com/office/drawing/2017/decorative" val="1"/>
+              </a:ext>
+            </a:extLst>
+          </p:cNvPr>
+          <p:cNvSpPr>
+            <a:spLocks noGrp="1" noRot="1" noChangeAspect="1" noMove="1" noResize="1" noEditPoints="1" noAdjustHandles="1" noChangeArrowheads="1" noChangeShapeType="1" noTextEdit="1"/>
+          </p:cNvSpPr>
+          <p:nvPr>
+            <p:extLst>
+              <p:ext uri="{386F3935-93C4-4BCD-93E2-E3B085C9AB24}">
+                <p16:designElem xmlns:p16="http://schemas.microsoft.com/office/powerpoint/2015/main" val="1"/>
+              </p:ext>
+            </p:extLst>
+          </p:nvPr>
+        </p:nvSpPr>
+        <p:spPr>
+          <a:xfrm>
+            <a:off x="0" y="0"/>
+            <a:ext cx="12192000" cy="6858000"/>
+          </a:xfrm>
+          <a:prstGeom prst="rect">
+            <a:avLst/>
+          </a:prstGeom>
+          <a:ln>
+            <a:noFill/>
+          </a:ln>
+        </p:spPr>
+        <p:style>
+          <a:lnRef idx="2">
+            <a:schemeClr val="accent1">
+              <a:shade val="50000"/>
+            </a:schemeClr>
+          </a:lnRef>
+          <a:fillRef idx="1003">
+            <a:schemeClr val="dk2"/>
+          </a:fillRef>
+          <a:effectRef idx="0">
+            <a:schemeClr val="accent1"/>
+          </a:effectRef>
+          <a:fontRef idx="minor">
+            <a:schemeClr val="lt1"/>
+          </a:fontRef>
+        </p:style>
+        <p:txBody>
+          <a:bodyPr rtlCol="0" anchor="ctr"/>
+          <a:lstStyle/>
+          <a:p>
+            <a:pPr marL="0" marR="0" lvl="0" indent="0" algn="ctr" defTabSz="914400" rtl="0" eaLnBrk="1" fontAlgn="auto" latinLnBrk="0" hangingPunct="1">
+              <a:lnSpc>
+                <a:spcPct val="100000"/>
+              </a:lnSpc>
+              <a:spcBef>
+                <a:spcPts val="0"/>
+              </a:spcBef>
+              <a:spcAft>
+                <a:spcPts val="0"/>
+              </a:spcAft>
+              <a:buClrTx/>
+              <a:buSzTx/>
+              <a:buFontTx/>
+              <a:buNone/>
+              <a:tabLst/>
+              <a:defRPr/>
+            </a:pPr>
+            <a:endParaRPr kumimoji="0" lang="en-US" sz="1800" b="0" i="0" u="none" strike="noStrike" kern="1200" cap="none" spc="0" normalizeH="0" baseline="0" noProof="0">
+              <a:ln>
+                <a:noFill/>
+              </a:ln>
+              <a:solidFill>
+                <a:prstClr val="white"/>
+              </a:solidFill>
+              <a:effectLst/>
+              <a:uLnTx/>
+              <a:uFillTx/>
+              <a:latin typeface="Century Gothic" panose="020B0502020202020204"/>
+              <a:ea typeface="+mn-ea"/>
+              <a:cs typeface="+mn-cs"/>
+            </a:endParaRPr>
+          </a:p>
+        </p:txBody>
+      </p:sp>
+      <p:sp>
+        <p:nvSpPr>
+          <p:cNvPr id="22" name="Rectangle 21">
+            <a:extLst>
+              <a:ext uri="{FF2B5EF4-FFF2-40B4-BE49-F238E27FC236}">
+                <a16:creationId xmlns:a16="http://schemas.microsoft.com/office/drawing/2014/main" id="{C943A91B-7CA7-4592-A975-73B1BF8C4C74}"/>
+              </a:ext>
+              <a:ext uri="{C183D7F6-B498-43B3-948B-1728B52AA6E4}">
+                <adec:decorative xmlns:adec="http://schemas.microsoft.com/office/drawing/2017/decorative" val="1"/>
+              </a:ext>
+            </a:extLst>
+          </p:cNvPr>
+          <p:cNvSpPr>
+            <a:spLocks noGrp="1" noRot="1" noChangeAspect="1" noMove="1" noResize="1" noEditPoints="1" noAdjustHandles="1" noChangeArrowheads="1" noChangeShapeType="1" noTextEdit="1"/>
+          </p:cNvSpPr>
+          <p:nvPr>
+            <p:extLst>
+              <p:ext uri="{386F3935-93C4-4BCD-93E2-E3B085C9AB24}">
+                <p16:designElem xmlns:p16="http://schemas.microsoft.com/office/powerpoint/2015/main" val="1"/>
+              </p:ext>
+            </p:extLst>
+          </p:nvPr>
+        </p:nvSpPr>
+        <p:spPr>
+          <a:xfrm>
+            <a:off x="10437812" y="0"/>
+            <a:ext cx="685800" cy="1143000"/>
+          </a:xfrm>
+          <a:prstGeom prst="rect">
+            <a:avLst/>
+          </a:prstGeom>
+          <a:solidFill>
+            <a:schemeClr val="accent1"/>
+          </a:solidFill>
+          <a:ln>
+            <a:noFill/>
+          </a:ln>
+        </p:spPr>
+        <p:style>
+          <a:lnRef idx="1">
+            <a:schemeClr val="accent1"/>
+          </a:lnRef>
+          <a:fillRef idx="3">
+            <a:schemeClr val="accent1"/>
+          </a:fillRef>
+          <a:effectRef idx="2">
+            <a:schemeClr val="accent1"/>
+          </a:effectRef>
+          <a:fontRef idx="minor">
+            <a:schemeClr val="lt1"/>
+          </a:fontRef>
+        </p:style>
+      </p:sp>
+      <p:sp>
+        <p:nvSpPr>
+          <p:cNvPr id="24" name="Freeform 7">
+            <a:extLst>
+              <a:ext uri="{FF2B5EF4-FFF2-40B4-BE49-F238E27FC236}">
+                <a16:creationId xmlns:a16="http://schemas.microsoft.com/office/drawing/2014/main" id="{EC471314-E46A-414B-8D91-74880E84F187}"/>
+              </a:ext>
+              <a:ext uri="{C183D7F6-B498-43B3-948B-1728B52AA6E4}">
+                <adec:decorative xmlns:adec="http://schemas.microsoft.com/office/drawing/2017/decorative" val="1"/>
+              </a:ext>
+            </a:extLst>
+          </p:cNvPr>
+          <p:cNvSpPr>
+            <a:spLocks noGrp="1" noRot="1" noChangeAspect="1" noMove="1" noResize="1" noEditPoints="1" noAdjustHandles="1" noChangeArrowheads="1" noChangeShapeType="1" noTextEdit="1"/>
+          </p:cNvSpPr>
+          <p:nvPr>
+            <p:extLst>
+              <p:ext uri="{386F3935-93C4-4BCD-93E2-E3B085C9AB24}">
+                <p16:designElem xmlns:p16="http://schemas.microsoft.com/office/powerpoint/2015/main" val="1"/>
+              </p:ext>
+            </p:extLst>
+          </p:nvPr>
+        </p:nvSpPr>
+        <p:spPr>
+          <a:xfrm>
+            <a:off x="8719939" y="1460230"/>
+            <a:ext cx="3472060" cy="825932"/>
+          </a:xfrm>
+          <a:custGeom>
+            <a:avLst/>
+            <a:gdLst>
+              <a:gd name="connsiteX0" fmla="*/ 3470310 w 3472060"/>
+              <a:gd name="connsiteY0" fmla="*/ 0 h 825932"/>
+              <a:gd name="connsiteX1" fmla="*/ 3472060 w 3472060"/>
+              <a:gd name="connsiteY1" fmla="*/ 12850 h 825932"/>
+              <a:gd name="connsiteX2" fmla="*/ 3472060 w 3472060"/>
+              <a:gd name="connsiteY2" fmla="*/ 480529 h 825932"/>
+              <a:gd name="connsiteX3" fmla="*/ 3363699 w 3472060"/>
+              <a:gd name="connsiteY3" fmla="*/ 498471 h 825932"/>
+              <a:gd name="connsiteX4" fmla="*/ 42060 w 3472060"/>
+              <a:gd name="connsiteY4" fmla="*/ 824486 h 825932"/>
+              <a:gd name="connsiteX5" fmla="*/ 0 w 3472060"/>
+              <a:gd name="connsiteY5" fmla="*/ 758452 h 825932"/>
+              <a:gd name="connsiteX6" fmla="*/ 188014 w 3472060"/>
+              <a:gd name="connsiteY6" fmla="*/ 735602 h 825932"/>
+              <a:gd name="connsiteX7" fmla="*/ 284087 w 3472060"/>
+              <a:gd name="connsiteY7" fmla="*/ 722590 h 825932"/>
+              <a:gd name="connsiteX8" fmla="*/ 382288 w 3472060"/>
+              <a:gd name="connsiteY8" fmla="*/ 709392 h 825932"/>
+              <a:gd name="connsiteX9" fmla="*/ 481858 w 3472060"/>
+              <a:gd name="connsiteY9" fmla="*/ 695774 h 825932"/>
+              <a:gd name="connsiteX10" fmla="*/ 581897 w 3472060"/>
+              <a:gd name="connsiteY10" fmla="*/ 680711 h 825932"/>
+              <a:gd name="connsiteX11" fmla="*/ 683670 w 3472060"/>
+              <a:gd name="connsiteY11" fmla="*/ 665256 h 825932"/>
+              <a:gd name="connsiteX12" fmla="*/ 787206 w 3472060"/>
+              <a:gd name="connsiteY12" fmla="*/ 649587 h 825932"/>
+              <a:gd name="connsiteX13" fmla="*/ 892019 w 3472060"/>
+              <a:gd name="connsiteY13" fmla="*/ 632968 h 825932"/>
+              <a:gd name="connsiteX14" fmla="*/ 997620 w 3472060"/>
+              <a:gd name="connsiteY14" fmla="*/ 614667 h 825932"/>
+              <a:gd name="connsiteX15" fmla="*/ 1104727 w 3472060"/>
+              <a:gd name="connsiteY15" fmla="*/ 596741 h 825932"/>
+              <a:gd name="connsiteX16" fmla="*/ 1212669 w 3472060"/>
+              <a:gd name="connsiteY16" fmla="*/ 577397 h 825932"/>
+              <a:gd name="connsiteX17" fmla="*/ 1321506 w 3472060"/>
+              <a:gd name="connsiteY17" fmla="*/ 556988 h 825932"/>
+              <a:gd name="connsiteX18" fmla="*/ 1430709 w 3472060"/>
+              <a:gd name="connsiteY18" fmla="*/ 536607 h 825932"/>
+              <a:gd name="connsiteX19" fmla="*/ 1541050 w 3472060"/>
+              <a:gd name="connsiteY19" fmla="*/ 514481 h 825932"/>
+              <a:gd name="connsiteX20" fmla="*/ 1652805 w 3472060"/>
+              <a:gd name="connsiteY20" fmla="*/ 492202 h 825932"/>
+              <a:gd name="connsiteX21" fmla="*/ 1763708 w 3472060"/>
+              <a:gd name="connsiteY21" fmla="*/ 469161 h 825932"/>
+              <a:gd name="connsiteX22" fmla="*/ 1875795 w 3472060"/>
+              <a:gd name="connsiteY22" fmla="*/ 444641 h 825932"/>
+              <a:gd name="connsiteX23" fmla="*/ 1989128 w 3472060"/>
+              <a:gd name="connsiteY23" fmla="*/ 418995 h 825932"/>
+              <a:gd name="connsiteX24" fmla="*/ 2102476 w 3472060"/>
+              <a:gd name="connsiteY24" fmla="*/ 393438 h 825932"/>
+              <a:gd name="connsiteX25" fmla="*/ 2215549 w 3472060"/>
+              <a:gd name="connsiteY25" fmla="*/ 366291 h 825932"/>
+              <a:gd name="connsiteX26" fmla="*/ 2330490 w 3472060"/>
+              <a:gd name="connsiteY26" fmla="*/ 337455 h 825932"/>
+              <a:gd name="connsiteX27" fmla="*/ 2443333 w 3472060"/>
+              <a:gd name="connsiteY27" fmla="*/ 308983 h 825932"/>
+              <a:gd name="connsiteX28" fmla="*/ 2558014 w 3472060"/>
+              <a:gd name="connsiteY28" fmla="*/ 278646 h 825932"/>
+              <a:gd name="connsiteX29" fmla="*/ 2673621 w 3472060"/>
+              <a:gd name="connsiteY29" fmla="*/ 247421 h 825932"/>
+              <a:gd name="connsiteX30" fmla="*/ 2787008 w 3472060"/>
+              <a:gd name="connsiteY30" fmla="*/ 215853 h 825932"/>
+              <a:gd name="connsiteX31" fmla="*/ 2901442 w 3472060"/>
+              <a:gd name="connsiteY31" fmla="*/ 182011 h 825932"/>
+              <a:gd name="connsiteX32" fmla="*/ 3015722 w 3472060"/>
+              <a:gd name="connsiteY32" fmla="*/ 147286 h 825932"/>
+              <a:gd name="connsiteX33" fmla="*/ 3130018 w 3472060"/>
+              <a:gd name="connsiteY33" fmla="*/ 112649 h 825932"/>
+              <a:gd name="connsiteX34" fmla="*/ 3243551 w 3472060"/>
+              <a:gd name="connsiteY34" fmla="*/ 75688 h 825932"/>
+              <a:gd name="connsiteX35" fmla="*/ 3356992 w 3472060"/>
+              <a:gd name="connsiteY35" fmla="*/ 38197 h 825932"/>
+              <a:gd name="connsiteX36" fmla="*/ 3470310 w 3472060"/>
+              <a:gd name="connsiteY36" fmla="*/ 0 h 825932"/>
+            </a:gdLst>
+            <a:ahLst/>
+            <a:cxnLst>
+              <a:cxn ang="0">
+                <a:pos x="connsiteX0" y="connsiteY0"/>
+              </a:cxn>
+              <a:cxn ang="0">
+                <a:pos x="connsiteX1" y="connsiteY1"/>
+              </a:cxn>
+              <a:cxn ang="0">
+                <a:pos x="connsiteX2" y="connsiteY2"/>
+              </a:cxn>
+              <a:cxn ang="0">
+                <a:pos x="connsiteX3" y="connsiteY3"/>
+              </a:cxn>
+              <a:cxn ang="0">
+                <a:pos x="connsiteX4" y="connsiteY4"/>
+              </a:cxn>
+              <a:cxn ang="0">
+                <a:pos x="connsiteX5" y="connsiteY5"/>
+              </a:cxn>
+              <a:cxn ang="0">
+                <a:pos x="connsiteX6" y="connsiteY6"/>
+              </a:cxn>
+              <a:cxn ang="0">
+                <a:pos x="connsiteX7" y="connsiteY7"/>
+              </a:cxn>
+              <a:cxn ang="0">
+                <a:pos x="connsiteX8" y="connsiteY8"/>
+              </a:cxn>
+              <a:cxn ang="0">
+                <a:pos x="connsiteX9" y="connsiteY9"/>
+              </a:cxn>
+              <a:cxn ang="0">
+                <a:pos x="connsiteX10" y="connsiteY10"/>
+              </a:cxn>
+              <a:cxn ang="0">
+                <a:pos x="connsiteX11" y="connsiteY11"/>
+              </a:cxn>
+              <a:cxn ang="0">
+                <a:pos x="connsiteX12" y="connsiteY12"/>
+              </a:cxn>
+              <a:cxn ang="0">
+                <a:pos x="connsiteX13" y="connsiteY13"/>
+              </a:cxn>
+              <a:cxn ang="0">
+                <a:pos x="connsiteX14" y="connsiteY14"/>
+              </a:cxn>
+              <a:cxn ang="0">
+                <a:pos x="connsiteX15" y="connsiteY15"/>
+              </a:cxn>
+              <a:cxn ang="0">
+                <a:pos x="connsiteX16" y="connsiteY16"/>
+              </a:cxn>
+              <a:cxn ang="0">
+                <a:pos x="connsiteX17" y="connsiteY17"/>
+              </a:cxn>
+              <a:cxn ang="0">
+                <a:pos x="connsiteX18" y="connsiteY18"/>
+              </a:cxn>
+              <a:cxn ang="0">
+                <a:pos x="connsiteX19" y="connsiteY19"/>
+              </a:cxn>
+              <a:cxn ang="0">
+                <a:pos x="connsiteX20" y="connsiteY20"/>
+              </a:cxn>
+              <a:cxn ang="0">
+                <a:pos x="connsiteX21" y="connsiteY21"/>
+              </a:cxn>
+              <a:cxn ang="0">
+                <a:pos x="connsiteX22" y="connsiteY22"/>
+              </a:cxn>
+              <a:cxn ang="0">
+                <a:pos x="connsiteX23" y="connsiteY23"/>
+              </a:cxn>
+              <a:cxn ang="0">
+                <a:pos x="connsiteX24" y="connsiteY24"/>
+              </a:cxn>
+              <a:cxn ang="0">
+                <a:pos x="connsiteX25" y="connsiteY25"/>
+              </a:cxn>
+              <a:cxn ang="0">
+                <a:pos x="connsiteX26" y="connsiteY26"/>
+              </a:cxn>
+              <a:cxn ang="0">
+                <a:pos x="connsiteX27" y="connsiteY27"/>
+              </a:cxn>
+              <a:cxn ang="0">
+                <a:pos x="connsiteX28" y="connsiteY28"/>
+              </a:cxn>
+              <a:cxn ang="0">
+                <a:pos x="connsiteX29" y="connsiteY29"/>
+              </a:cxn>
+              <a:cxn ang="0">
+                <a:pos x="connsiteX30" y="connsiteY30"/>
+              </a:cxn>
+              <a:cxn ang="0">
+                <a:pos x="connsiteX31" y="connsiteY31"/>
+              </a:cxn>
+              <a:cxn ang="0">
+                <a:pos x="connsiteX32" y="connsiteY32"/>
+              </a:cxn>
+              <a:cxn ang="0">
+                <a:pos x="connsiteX33" y="connsiteY33"/>
+              </a:cxn>
+              <a:cxn ang="0">
+                <a:pos x="connsiteX34" y="connsiteY34"/>
+              </a:cxn>
+              <a:cxn ang="0">
+                <a:pos x="connsiteX35" y="connsiteY35"/>
+              </a:cxn>
+              <a:cxn ang="0">
+                <a:pos x="connsiteX36" y="connsiteY36"/>
+              </a:cxn>
+            </a:cxnLst>
+            <a:rect l="l" t="t" r="r" b="b"/>
+            <a:pathLst>
+              <a:path w="3472060" h="825932">
+                <a:moveTo>
+                  <a:pt x="3470310" y="0"/>
+                </a:moveTo>
+                <a:lnTo>
+                  <a:pt x="3472060" y="12850"/>
+                </a:lnTo>
+                <a:lnTo>
+                  <a:pt x="3472060" y="480529"/>
+                </a:lnTo>
+                <a:lnTo>
+                  <a:pt x="3363699" y="498471"/>
+                </a:lnTo>
+                <a:cubicBezTo>
+                  <a:pt x="2435623" y="645518"/>
+                  <a:pt x="603076" y="844866"/>
+                  <a:pt x="42060" y="824486"/>
+                </a:cubicBezTo>
+                <a:cubicBezTo>
+                  <a:pt x="28151" y="802425"/>
+                  <a:pt x="13909" y="780513"/>
+                  <a:pt x="0" y="758452"/>
+                </a:cubicBezTo>
+                <a:lnTo>
+                  <a:pt x="188014" y="735602"/>
+                </a:lnTo>
+                <a:lnTo>
+                  <a:pt x="284087" y="722590"/>
+                </a:lnTo>
+                <a:lnTo>
+                  <a:pt x="382288" y="709392"/>
+                </a:lnTo>
+                <a:lnTo>
+                  <a:pt x="481858" y="695774"/>
+                </a:lnTo>
+                <a:lnTo>
+                  <a:pt x="581897" y="680711"/>
+                </a:lnTo>
+                <a:lnTo>
+                  <a:pt x="683670" y="665256"/>
+                </a:lnTo>
+                <a:lnTo>
+                  <a:pt x="787206" y="649587"/>
+                </a:lnTo>
+                <a:lnTo>
+                  <a:pt x="892019" y="632968"/>
+                </a:lnTo>
+                <a:lnTo>
+                  <a:pt x="997620" y="614667"/>
+                </a:lnTo>
+                <a:lnTo>
+                  <a:pt x="1104727" y="596741"/>
+                </a:lnTo>
+                <a:lnTo>
+                  <a:pt x="1212669" y="577397"/>
+                </a:lnTo>
+                <a:lnTo>
+                  <a:pt x="1321506" y="556988"/>
+                </a:lnTo>
+                <a:lnTo>
+                  <a:pt x="1430709" y="536607"/>
+                </a:lnTo>
+                <a:lnTo>
+                  <a:pt x="1541050" y="514481"/>
+                </a:lnTo>
+                <a:lnTo>
+                  <a:pt x="1652805" y="492202"/>
+                </a:lnTo>
+                <a:lnTo>
+                  <a:pt x="1763708" y="469161"/>
+                </a:lnTo>
+                <a:lnTo>
+                  <a:pt x="1875795" y="444641"/>
+                </a:lnTo>
+                <a:lnTo>
+                  <a:pt x="1989128" y="418995"/>
+                </a:lnTo>
+                <a:lnTo>
+                  <a:pt x="2102476" y="393438"/>
+                </a:lnTo>
+                <a:lnTo>
+                  <a:pt x="2215549" y="366291"/>
+                </a:lnTo>
+                <a:lnTo>
+                  <a:pt x="2330490" y="337455"/>
+                </a:lnTo>
+                <a:lnTo>
+                  <a:pt x="2443333" y="308983"/>
+                </a:lnTo>
+                <a:lnTo>
+                  <a:pt x="2558014" y="278646"/>
+                </a:lnTo>
+                <a:lnTo>
+                  <a:pt x="2673621" y="247421"/>
+                </a:lnTo>
+                <a:lnTo>
+                  <a:pt x="2787008" y="215853"/>
+                </a:lnTo>
+                <a:lnTo>
+                  <a:pt x="2901442" y="182011"/>
+                </a:lnTo>
+                <a:lnTo>
+                  <a:pt x="3015722" y="147286"/>
+                </a:lnTo>
+                <a:lnTo>
+                  <a:pt x="3130018" y="112649"/>
+                </a:lnTo>
+                <a:lnTo>
+                  <a:pt x="3243551" y="75688"/>
+                </a:lnTo>
+                <a:lnTo>
+                  <a:pt x="3356992" y="38197"/>
+                </a:lnTo>
+                <a:lnTo>
+                  <a:pt x="3470310" y="0"/>
+                </a:lnTo>
+                <a:close/>
+              </a:path>
+            </a:pathLst>
+          </a:custGeom>
+          <a:solidFill>
+            <a:schemeClr val="bg1">
+              <a:alpha val="20000"/>
+            </a:schemeClr>
+          </a:solidFill>
+          <a:ln>
+            <a:noFill/>
+          </a:ln>
+        </p:spPr>
+        <p:txBody>
+          <a:bodyPr rtlCol="0" anchor="ctr"/>
+          <a:lstStyle/>
+          <a:p>
+            <a:pPr marL="0" marR="0" lvl="0" indent="0" algn="ctr" defTabSz="914400" rtl="0" eaLnBrk="1" fontAlgn="auto" latinLnBrk="0" hangingPunct="1">
+              <a:lnSpc>
+                <a:spcPct val="100000"/>
+              </a:lnSpc>
+              <a:spcBef>
+                <a:spcPts val="0"/>
+              </a:spcBef>
+              <a:spcAft>
+                <a:spcPts val="0"/>
+              </a:spcAft>
+              <a:buClrTx/>
+              <a:buSzTx/>
+              <a:buFontTx/>
+              <a:buNone/>
+              <a:tabLst/>
+              <a:defRPr/>
+            </a:pPr>
+            <a:endParaRPr kumimoji="0" lang="en-US" sz="1800" b="0" i="0" u="none" strike="noStrike" kern="1200" cap="none" spc="0" normalizeH="0" baseline="0" noProof="0">
+              <a:ln>
+                <a:noFill/>
+              </a:ln>
+              <a:solidFill>
+                <a:prstClr val="black"/>
+              </a:solidFill>
+              <a:effectLst/>
+              <a:uLnTx/>
+              <a:uFillTx/>
+              <a:latin typeface="Century Gothic" panose="020B0502020202020204"/>
+              <a:ea typeface="+mn-ea"/>
+              <a:cs typeface="+mn-cs"/>
+            </a:endParaRPr>
+          </a:p>
+        </p:txBody>
+      </p:sp>
+      <p:sp useBgFill="1">
+        <p:nvSpPr>
+          <p:cNvPr id="26" name="Freeform: Shape 25">
+            <a:extLst>
+              <a:ext uri="{FF2B5EF4-FFF2-40B4-BE49-F238E27FC236}">
+                <a16:creationId xmlns:a16="http://schemas.microsoft.com/office/drawing/2014/main" id="{6A681326-1C9D-44A3-A627-3871BDAE4127}"/>
+              </a:ext>
+              <a:ext uri="{C183D7F6-B498-43B3-948B-1728B52AA6E4}">
+                <adec:decorative xmlns:adec="http://schemas.microsoft.com/office/drawing/2017/decorative" val="1"/>
+              </a:ext>
+            </a:extLst>
+          </p:cNvPr>
+          <p:cNvSpPr>
+            <a:spLocks noGrp="1" noRot="1" noChangeAspect="1" noMove="1" noResize="1" noEditPoints="1" noAdjustHandles="1" noChangeArrowheads="1" noChangeShapeType="1" noTextEdit="1"/>
+          </p:cNvSpPr>
+          <p:nvPr>
+            <p:extLst>
+              <p:ext uri="{386F3935-93C4-4BCD-93E2-E3B085C9AB24}">
+                <p16:designElem xmlns:p16="http://schemas.microsoft.com/office/powerpoint/2015/main" val="1"/>
+              </p:ext>
+            </p:extLst>
+          </p:nvPr>
+        </p:nvSpPr>
+        <p:spPr bwMode="gray">
+          <a:xfrm>
+            <a:off x="1" y="1762067"/>
+            <a:ext cx="12192417" cy="5095933"/>
+          </a:xfrm>
+          <a:custGeom>
+            <a:avLst/>
+            <a:gdLst>
+              <a:gd name="connsiteX0" fmla="*/ 0 w 12192417"/>
+              <a:gd name="connsiteY0" fmla="*/ 0 h 5095933"/>
+              <a:gd name="connsiteX1" fmla="*/ 71931 w 12192417"/>
+              <a:gd name="connsiteY1" fmla="*/ 12261 h 5095933"/>
+              <a:gd name="connsiteX2" fmla="*/ 282848 w 12192417"/>
+              <a:gd name="connsiteY2" fmla="*/ 48343 h 5095933"/>
+              <a:gd name="connsiteX3" fmla="*/ 436463 w 12192417"/>
+              <a:gd name="connsiteY3" fmla="*/ 73565 h 5095933"/>
+              <a:gd name="connsiteX4" fmla="*/ 619338 w 12192417"/>
+              <a:gd name="connsiteY4" fmla="*/ 100188 h 5095933"/>
+              <a:gd name="connsiteX5" fmla="*/ 836350 w 12192417"/>
+              <a:gd name="connsiteY5" fmla="*/ 132066 h 5095933"/>
+              <a:gd name="connsiteX6" fmla="*/ 1076527 w 12192417"/>
+              <a:gd name="connsiteY6" fmla="*/ 165696 h 5095933"/>
+              <a:gd name="connsiteX7" fmla="*/ 1347183 w 12192417"/>
+              <a:gd name="connsiteY7" fmla="*/ 201077 h 5095933"/>
+              <a:gd name="connsiteX8" fmla="*/ 1642222 w 12192417"/>
+              <a:gd name="connsiteY8" fmla="*/ 238560 h 5095933"/>
+              <a:gd name="connsiteX9" fmla="*/ 1962863 w 12192417"/>
+              <a:gd name="connsiteY9" fmla="*/ 276043 h 5095933"/>
+              <a:gd name="connsiteX10" fmla="*/ 2304231 w 12192417"/>
+              <a:gd name="connsiteY10" fmla="*/ 314227 h 5095933"/>
+              <a:gd name="connsiteX11" fmla="*/ 2672420 w 12192417"/>
+              <a:gd name="connsiteY11" fmla="*/ 349608 h 5095933"/>
+              <a:gd name="connsiteX12" fmla="*/ 3057677 w 12192417"/>
+              <a:gd name="connsiteY12" fmla="*/ 383588 h 5095933"/>
+              <a:gd name="connsiteX13" fmla="*/ 3464880 w 12192417"/>
+              <a:gd name="connsiteY13" fmla="*/ 414415 h 5095933"/>
+              <a:gd name="connsiteX14" fmla="*/ 3889151 w 12192417"/>
+              <a:gd name="connsiteY14" fmla="*/ 443841 h 5095933"/>
+              <a:gd name="connsiteX15" fmla="*/ 4331709 w 12192417"/>
+              <a:gd name="connsiteY15" fmla="*/ 471515 h 5095933"/>
+              <a:gd name="connsiteX16" fmla="*/ 4558475 w 12192417"/>
+              <a:gd name="connsiteY16" fmla="*/ 481324 h 5095933"/>
+              <a:gd name="connsiteX17" fmla="*/ 4790117 w 12192417"/>
+              <a:gd name="connsiteY17" fmla="*/ 492183 h 5095933"/>
+              <a:gd name="connsiteX18" fmla="*/ 5025417 w 12192417"/>
+              <a:gd name="connsiteY18" fmla="*/ 502342 h 5095933"/>
+              <a:gd name="connsiteX19" fmla="*/ 5261936 w 12192417"/>
+              <a:gd name="connsiteY19" fmla="*/ 508998 h 5095933"/>
+              <a:gd name="connsiteX20" fmla="*/ 5503331 w 12192417"/>
+              <a:gd name="connsiteY20" fmla="*/ 514953 h 5095933"/>
+              <a:gd name="connsiteX21" fmla="*/ 5747166 w 12192417"/>
+              <a:gd name="connsiteY21" fmla="*/ 521259 h 5095933"/>
+              <a:gd name="connsiteX22" fmla="*/ 5995876 w 12192417"/>
+              <a:gd name="connsiteY22" fmla="*/ 525463 h 5095933"/>
+              <a:gd name="connsiteX23" fmla="*/ 6247025 w 12192417"/>
+              <a:gd name="connsiteY23" fmla="*/ 525463 h 5095933"/>
+              <a:gd name="connsiteX24" fmla="*/ 6500612 w 12192417"/>
+              <a:gd name="connsiteY24" fmla="*/ 527565 h 5095933"/>
+              <a:gd name="connsiteX25" fmla="*/ 6756638 w 12192417"/>
+              <a:gd name="connsiteY25" fmla="*/ 525463 h 5095933"/>
+              <a:gd name="connsiteX26" fmla="*/ 7016321 w 12192417"/>
+              <a:gd name="connsiteY26" fmla="*/ 521259 h 5095933"/>
+              <a:gd name="connsiteX27" fmla="*/ 7276004 w 12192417"/>
+              <a:gd name="connsiteY27" fmla="*/ 517406 h 5095933"/>
+              <a:gd name="connsiteX28" fmla="*/ 7539344 w 12192417"/>
+              <a:gd name="connsiteY28" fmla="*/ 508998 h 5095933"/>
+              <a:gd name="connsiteX29" fmla="*/ 7805123 w 12192417"/>
+              <a:gd name="connsiteY29" fmla="*/ 500241 h 5095933"/>
+              <a:gd name="connsiteX30" fmla="*/ 8070902 w 12192417"/>
+              <a:gd name="connsiteY30" fmla="*/ 490082 h 5095933"/>
+              <a:gd name="connsiteX31" fmla="*/ 8339120 w 12192417"/>
+              <a:gd name="connsiteY31" fmla="*/ 475719 h 5095933"/>
+              <a:gd name="connsiteX32" fmla="*/ 8609775 w 12192417"/>
+              <a:gd name="connsiteY32" fmla="*/ 458554 h 5095933"/>
+              <a:gd name="connsiteX33" fmla="*/ 8881650 w 12192417"/>
+              <a:gd name="connsiteY33" fmla="*/ 442089 h 5095933"/>
+              <a:gd name="connsiteX34" fmla="*/ 9153525 w 12192417"/>
+              <a:gd name="connsiteY34" fmla="*/ 421071 h 5095933"/>
+              <a:gd name="connsiteX35" fmla="*/ 9429057 w 12192417"/>
+              <a:gd name="connsiteY35" fmla="*/ 395849 h 5095933"/>
+              <a:gd name="connsiteX36" fmla="*/ 9700932 w 12192417"/>
+              <a:gd name="connsiteY36" fmla="*/ 370626 h 5095933"/>
+              <a:gd name="connsiteX37" fmla="*/ 9977683 w 12192417"/>
+              <a:gd name="connsiteY37" fmla="*/ 341551 h 5095933"/>
+              <a:gd name="connsiteX38" fmla="*/ 10255654 w 12192417"/>
+              <a:gd name="connsiteY38" fmla="*/ 309673 h 5095933"/>
+              <a:gd name="connsiteX39" fmla="*/ 10529967 w 12192417"/>
+              <a:gd name="connsiteY39" fmla="*/ 276043 h 5095933"/>
+              <a:gd name="connsiteX40" fmla="*/ 10807938 w 12192417"/>
+              <a:gd name="connsiteY40" fmla="*/ 236809 h 5095933"/>
+              <a:gd name="connsiteX41" fmla="*/ 11084689 w 12192417"/>
+              <a:gd name="connsiteY41" fmla="*/ 194772 h 5095933"/>
+              <a:gd name="connsiteX42" fmla="*/ 11362660 w 12192417"/>
+              <a:gd name="connsiteY42" fmla="*/ 153085 h 5095933"/>
+              <a:gd name="connsiteX43" fmla="*/ 11639411 w 12192417"/>
+              <a:gd name="connsiteY43" fmla="*/ 104392 h 5095933"/>
+              <a:gd name="connsiteX44" fmla="*/ 11914944 w 12192417"/>
+              <a:gd name="connsiteY44" fmla="*/ 54648 h 5095933"/>
+              <a:gd name="connsiteX45" fmla="*/ 12191695 w 12192417"/>
+              <a:gd name="connsiteY45" fmla="*/ 2452 h 5095933"/>
+              <a:gd name="connsiteX46" fmla="*/ 12191695 w 12192417"/>
+              <a:gd name="connsiteY46" fmla="*/ 2162231 h 5095933"/>
+              <a:gd name="connsiteX47" fmla="*/ 12192417 w 12192417"/>
+              <a:gd name="connsiteY47" fmla="*/ 2162231 h 5095933"/>
+              <a:gd name="connsiteX48" fmla="*/ 12192417 w 12192417"/>
+              <a:gd name="connsiteY48" fmla="*/ 5095933 h 5095933"/>
+              <a:gd name="connsiteX49" fmla="*/ 0 w 12192417"/>
+              <a:gd name="connsiteY49" fmla="*/ 5095933 h 5095933"/>
+              <a:gd name="connsiteX50" fmla="*/ 0 w 12192417"/>
+              <a:gd name="connsiteY50" fmla="*/ 2791958 h 5095933"/>
+              <a:gd name="connsiteX51" fmla="*/ 0 w 12192417"/>
+              <a:gd name="connsiteY51" fmla="*/ 2162231 h 5095933"/>
+            </a:gdLst>
+            <a:ahLst/>
+            <a:cxnLst>
+              <a:cxn ang="0">
+                <a:pos x="connsiteX0" y="connsiteY0"/>
+              </a:cxn>
+              <a:cxn ang="0">
+                <a:pos x="connsiteX1" y="connsiteY1"/>
+              </a:cxn>
+              <a:cxn ang="0">
+                <a:pos x="connsiteX2" y="connsiteY2"/>
+              </a:cxn>
+              <a:cxn ang="0">
+                <a:pos x="connsiteX3" y="connsiteY3"/>
+              </a:cxn>
+              <a:cxn ang="0">
+                <a:pos x="connsiteX4" y="connsiteY4"/>
+              </a:cxn>
+              <a:cxn ang="0">
+                <a:pos x="connsiteX5" y="connsiteY5"/>
+              </a:cxn>
+              <a:cxn ang="0">
+                <a:pos x="connsiteX6" y="connsiteY6"/>
+              </a:cxn>
+              <a:cxn ang="0">
+                <a:pos x="connsiteX7" y="connsiteY7"/>
+              </a:cxn>
+              <a:cxn ang="0">
+                <a:pos x="connsiteX8" y="connsiteY8"/>
+              </a:cxn>
+              <a:cxn ang="0">
+                <a:pos x="connsiteX9" y="connsiteY9"/>
+              </a:cxn>
+              <a:cxn ang="0">
+                <a:pos x="connsiteX10" y="connsiteY10"/>
+              </a:cxn>
+              <a:cxn ang="0">
+                <a:pos x="connsiteX11" y="connsiteY11"/>
+              </a:cxn>
+              <a:cxn ang="0">
+                <a:pos x="connsiteX12" y="connsiteY12"/>
+              </a:cxn>
+              <a:cxn ang="0">
+                <a:pos x="connsiteX13" y="connsiteY13"/>
+              </a:cxn>
+              <a:cxn ang="0">
+                <a:pos x="connsiteX14" y="connsiteY14"/>
+              </a:cxn>
+              <a:cxn ang="0">
+                <a:pos x="connsiteX15" y="connsiteY15"/>
+              </a:cxn>
+              <a:cxn ang="0">
+                <a:pos x="connsiteX16" y="connsiteY16"/>
+              </a:cxn>
+              <a:cxn ang="0">
+                <a:pos x="connsiteX17" y="connsiteY17"/>
+              </a:cxn>
+              <a:cxn ang="0">
+                <a:pos x="connsiteX18" y="connsiteY18"/>
+              </a:cxn>
+              <a:cxn ang="0">
+                <a:pos x="connsiteX19" y="connsiteY19"/>
+              </a:cxn>
+              <a:cxn ang="0">
+                <a:pos x="connsiteX20" y="connsiteY20"/>
+              </a:cxn>
+              <a:cxn ang="0">
+                <a:pos x="connsiteX21" y="connsiteY21"/>
+              </a:cxn>
+              <a:cxn ang="0">
+                <a:pos x="connsiteX22" y="connsiteY22"/>
+              </a:cxn>
+              <a:cxn ang="0">
+                <a:pos x="connsiteX23" y="connsiteY23"/>
+              </a:cxn>
+              <a:cxn ang="0">
+                <a:pos x="connsiteX24" y="connsiteY24"/>
+              </a:cxn>
+              <a:cxn ang="0">
+                <a:pos x="connsiteX25" y="connsiteY25"/>
+              </a:cxn>
+              <a:cxn ang="0">
+                <a:pos x="connsiteX26" y="connsiteY26"/>
+              </a:cxn>
+              <a:cxn ang="0">
+                <a:pos x="connsiteX27" y="connsiteY27"/>
+              </a:cxn>
+              <a:cxn ang="0">
+                <a:pos x="connsiteX28" y="connsiteY28"/>
+              </a:cxn>
+              <a:cxn ang="0">
+                <a:pos x="connsiteX29" y="connsiteY29"/>
+              </a:cxn>
+              <a:cxn ang="0">
+                <a:pos x="connsiteX30" y="connsiteY30"/>
+              </a:cxn>
+              <a:cxn ang="0">
+                <a:pos x="connsiteX31" y="connsiteY31"/>
+              </a:cxn>
+              <a:cxn ang="0">
+                <a:pos x="connsiteX32" y="connsiteY32"/>
+              </a:cxn>
+              <a:cxn ang="0">
+                <a:pos x="connsiteX33" y="connsiteY33"/>
+              </a:cxn>
+              <a:cxn ang="0">
+                <a:pos x="connsiteX34" y="connsiteY34"/>
+              </a:cxn>
+              <a:cxn ang="0">
+                <a:pos x="connsiteX35" y="connsiteY35"/>
+              </a:cxn>
+              <a:cxn ang="0">
+                <a:pos x="connsiteX36" y="connsiteY36"/>
+              </a:cxn>
+              <a:cxn ang="0">
+                <a:pos x="connsiteX37" y="connsiteY37"/>
+              </a:cxn>
+              <a:cxn ang="0">
+                <a:pos x="connsiteX38" y="connsiteY38"/>
+              </a:cxn>
+              <a:cxn ang="0">
+                <a:pos x="connsiteX39" y="connsiteY39"/>
+              </a:cxn>
+              <a:cxn ang="0">
+                <a:pos x="connsiteX40" y="connsiteY40"/>
+              </a:cxn>
+              <a:cxn ang="0">
+                <a:pos x="connsiteX41" y="connsiteY41"/>
+              </a:cxn>
+              <a:cxn ang="0">
+                <a:pos x="connsiteX42" y="connsiteY42"/>
+              </a:cxn>
+              <a:cxn ang="0">
+                <a:pos x="connsiteX43" y="connsiteY43"/>
+              </a:cxn>
+              <a:cxn ang="0">
+                <a:pos x="connsiteX44" y="connsiteY44"/>
+              </a:cxn>
+              <a:cxn ang="0">
+                <a:pos x="connsiteX45" y="connsiteY45"/>
+              </a:cxn>
+              <a:cxn ang="0">
+                <a:pos x="connsiteX46" y="connsiteY46"/>
+              </a:cxn>
+              <a:cxn ang="0">
+                <a:pos x="connsiteX47" y="connsiteY47"/>
+              </a:cxn>
+              <a:cxn ang="0">
+                <a:pos x="connsiteX48" y="connsiteY48"/>
+              </a:cxn>
+              <a:cxn ang="0">
+                <a:pos x="connsiteX49" y="connsiteY49"/>
+              </a:cxn>
+              <a:cxn ang="0">
+                <a:pos x="connsiteX50" y="connsiteY50"/>
+              </a:cxn>
+              <a:cxn ang="0">
+                <a:pos x="connsiteX51" y="connsiteY51"/>
+              </a:cxn>
+            </a:cxnLst>
+            <a:rect l="l" t="t" r="r" b="b"/>
+            <a:pathLst>
+              <a:path w="12192417" h="5095933">
+                <a:moveTo>
+                  <a:pt x="0" y="0"/>
+                </a:moveTo>
+                <a:lnTo>
+                  <a:pt x="71931" y="12261"/>
+                </a:lnTo>
+                <a:lnTo>
+                  <a:pt x="282848" y="48343"/>
+                </a:lnTo>
+                <a:lnTo>
+                  <a:pt x="436463" y="73565"/>
+                </a:lnTo>
+                <a:lnTo>
+                  <a:pt x="619338" y="100188"/>
+                </a:lnTo>
+                <a:lnTo>
+                  <a:pt x="836350" y="132066"/>
+                </a:lnTo>
+                <a:lnTo>
+                  <a:pt x="1076527" y="165696"/>
+                </a:lnTo>
+                <a:lnTo>
+                  <a:pt x="1347183" y="201077"/>
+                </a:lnTo>
+                <a:lnTo>
+                  <a:pt x="1642222" y="238560"/>
+                </a:lnTo>
+                <a:lnTo>
+                  <a:pt x="1962863" y="276043"/>
+                </a:lnTo>
+                <a:lnTo>
+                  <a:pt x="2304231" y="314227"/>
+                </a:lnTo>
+                <a:lnTo>
+                  <a:pt x="2672420" y="349608"/>
+                </a:lnTo>
+                <a:lnTo>
+                  <a:pt x="3057677" y="383588"/>
+                </a:lnTo>
+                <a:lnTo>
+                  <a:pt x="3464880" y="414415"/>
+                </a:lnTo>
+                <a:lnTo>
+                  <a:pt x="3889151" y="443841"/>
+                </a:lnTo>
+                <a:lnTo>
+                  <a:pt x="4331709" y="471515"/>
+                </a:lnTo>
+                <a:lnTo>
+                  <a:pt x="4558475" y="481324"/>
+                </a:lnTo>
+                <a:lnTo>
+                  <a:pt x="4790117" y="492183"/>
+                </a:lnTo>
+                <a:lnTo>
+                  <a:pt x="5025417" y="502342"/>
+                </a:lnTo>
+                <a:lnTo>
+                  <a:pt x="5261936" y="508998"/>
+                </a:lnTo>
+                <a:lnTo>
+                  <a:pt x="5503331" y="514953"/>
+                </a:lnTo>
+                <a:lnTo>
+                  <a:pt x="5747166" y="521259"/>
+                </a:lnTo>
+                <a:lnTo>
+                  <a:pt x="5995876" y="525463"/>
+                </a:lnTo>
+                <a:lnTo>
+                  <a:pt x="6247025" y="525463"/>
+                </a:lnTo>
+                <a:lnTo>
+                  <a:pt x="6500612" y="527565"/>
+                </a:lnTo>
+                <a:lnTo>
+                  <a:pt x="6756638" y="525463"/>
+                </a:lnTo>
+                <a:lnTo>
+                  <a:pt x="7016321" y="521259"/>
+                </a:lnTo>
+                <a:lnTo>
+                  <a:pt x="7276004" y="517406"/>
+                </a:lnTo>
+                <a:lnTo>
+                  <a:pt x="7539344" y="508998"/>
+                </a:lnTo>
+                <a:lnTo>
+                  <a:pt x="7805123" y="500241"/>
+                </a:lnTo>
+                <a:lnTo>
+                  <a:pt x="8070902" y="490082"/>
+                </a:lnTo>
+                <a:lnTo>
+                  <a:pt x="8339120" y="475719"/>
+                </a:lnTo>
+                <a:lnTo>
+                  <a:pt x="8609775" y="458554"/>
+                </a:lnTo>
+                <a:lnTo>
+                  <a:pt x="8881650" y="442089"/>
+                </a:lnTo>
+                <a:lnTo>
+                  <a:pt x="9153525" y="421071"/>
+                </a:lnTo>
+                <a:lnTo>
+                  <a:pt x="9429057" y="395849"/>
+                </a:lnTo>
+                <a:lnTo>
+                  <a:pt x="9700932" y="370626"/>
+                </a:lnTo>
+                <a:lnTo>
+                  <a:pt x="9977683" y="341551"/>
+                </a:lnTo>
+                <a:lnTo>
+                  <a:pt x="10255654" y="309673"/>
+                </a:lnTo>
+                <a:lnTo>
+                  <a:pt x="10529967" y="276043"/>
+                </a:lnTo>
+                <a:lnTo>
+                  <a:pt x="10807938" y="236809"/>
+                </a:lnTo>
+                <a:lnTo>
+                  <a:pt x="11084689" y="194772"/>
+                </a:lnTo>
+                <a:lnTo>
+                  <a:pt x="11362660" y="153085"/>
+                </a:lnTo>
+                <a:lnTo>
+                  <a:pt x="11639411" y="104392"/>
+                </a:lnTo>
+                <a:lnTo>
+                  <a:pt x="11914944" y="54648"/>
+                </a:lnTo>
+                <a:lnTo>
+                  <a:pt x="12191695" y="2452"/>
+                </a:lnTo>
+                <a:lnTo>
+                  <a:pt x="12191695" y="2162231"/>
+                </a:lnTo>
+                <a:lnTo>
+                  <a:pt x="12192417" y="2162231"/>
+                </a:lnTo>
+                <a:lnTo>
+                  <a:pt x="12192417" y="5095933"/>
+                </a:lnTo>
+                <a:lnTo>
+                  <a:pt x="0" y="5095933"/>
+                </a:lnTo>
+                <a:lnTo>
+                  <a:pt x="0" y="2791958"/>
+                </a:lnTo>
+                <a:lnTo>
+                  <a:pt x="0" y="2162231"/>
+                </a:lnTo>
+                <a:close/>
+              </a:path>
+            </a:pathLst>
+          </a:custGeom>
+          <a:ln>
+            <a:noFill/>
+          </a:ln>
+        </p:spPr>
+      </p:sp>
+      <p:sp>
+        <p:nvSpPr>
+          <p:cNvPr id="2" name="Title 1">
+            <a:extLst>
+              <a:ext uri="{FF2B5EF4-FFF2-40B4-BE49-F238E27FC236}">
+                <a16:creationId xmlns:a16="http://schemas.microsoft.com/office/drawing/2014/main" id="{4B122DE4-B229-4F46-8EF5-AF3EF6D7BA39}"/>
+              </a:ext>
+            </a:extLst>
+          </p:cNvPr>
+          <p:cNvSpPr>
+            <a:spLocks noGrp="1"/>
+          </p:cNvSpPr>
+          <p:nvPr>
+            <p:ph type="title"/>
+          </p:nvPr>
+        </p:nvSpPr>
+        <p:spPr>
+          <a:xfrm>
+            <a:off x="1103312" y="452718"/>
+            <a:ext cx="8947522" cy="1400530"/>
+          </a:xfrm>
+        </p:spPr>
+        <p:txBody>
+          <a:bodyPr vert="horz" lIns="91440" tIns="45720" rIns="91440" bIns="45720" rtlCol="0" anchor="ctr">
+            <a:normAutofit/>
+          </a:bodyPr>
+          <a:lstStyle/>
+          <a:p>
+            <a:r>
+              <a:rPr lang="en-US" sz="4200" b="0" i="0" kern="1200">
+                <a:solidFill>
+                  <a:srgbClr val="FFFFFF"/>
+                </a:solidFill>
+                <a:latin typeface="+mj-lt"/>
+                <a:ea typeface="+mj-ea"/>
+                <a:cs typeface="+mj-cs"/>
+              </a:rPr>
+              <a:t>Model Selection</a:t>
+            </a:r>
+            <a:endParaRPr lang="en-US" sz="4200" b="0" i="0" kern="1200" dirty="0">
+              <a:solidFill>
+                <a:srgbClr val="FFFFFF"/>
+              </a:solidFill>
+              <a:latin typeface="+mj-lt"/>
+              <a:ea typeface="+mj-ea"/>
+              <a:cs typeface="+mj-cs"/>
+            </a:endParaRPr>
+          </a:p>
+        </p:txBody>
+      </p:sp>
+      <p:sp>
+        <p:nvSpPr>
+          <p:cNvPr id="3" name="Vertical Text Placeholder 2">
+            <a:extLst>
+              <a:ext uri="{FF2B5EF4-FFF2-40B4-BE49-F238E27FC236}">
+                <a16:creationId xmlns:a16="http://schemas.microsoft.com/office/drawing/2014/main" id="{C3387D0A-E8B6-3C4C-87A6-E6B39D693450}"/>
+              </a:ext>
+            </a:extLst>
+          </p:cNvPr>
+          <p:cNvSpPr>
+            <a:spLocks noGrp="1"/>
+          </p:cNvSpPr>
+          <p:nvPr>
+            <p:ph type="body" orient="vert" idx="1"/>
+          </p:nvPr>
+        </p:nvSpPr>
+        <p:spPr>
+          <a:xfrm>
+            <a:off x="1103312" y="2314916"/>
+            <a:ext cx="9834764" cy="4213998"/>
+          </a:xfrm>
+        </p:spPr>
+        <p:txBody>
+          <a:bodyPr vert="horz" lIns="91440" tIns="45720" rIns="91440" bIns="45720" rtlCol="0">
+            <a:normAutofit fontScale="92500" lnSpcReduction="10000"/>
+          </a:bodyPr>
+          <a:lstStyle/>
+          <a:p>
+            <a:pPr>
+              <a:buClr>
+                <a:schemeClr val="tx2"/>
+              </a:buClr>
+            </a:pPr>
+            <a:r>
+              <a:rPr lang="en-US" sz="2400" dirty="0"/>
+              <a:t>Model comparing.</a:t>
+            </a:r>
+          </a:p>
+          <a:p>
+            <a:pPr marL="0" indent="0">
+              <a:buClr>
+                <a:schemeClr val="tx2"/>
+              </a:buClr>
+              <a:buNone/>
+            </a:pPr>
+            <a:r>
+              <a:rPr lang="en-US" sz="2400" dirty="0"/>
+              <a:t>    </a:t>
+            </a:r>
+            <a:r>
+              <a:rPr lang="en-US" sz="1600" dirty="0"/>
+              <a:t>In order to make model simple and easy to understand, we would only select two variable     from the result of stepwise model. Comparing the two following models:</a:t>
+            </a:r>
+          </a:p>
+          <a:p>
+            <a:pPr marL="0" indent="0">
+              <a:buClr>
+                <a:schemeClr val="tx2"/>
+              </a:buClr>
+              <a:buNone/>
+            </a:pPr>
+            <a:endParaRPr lang="en-US" sz="2400" dirty="0"/>
+          </a:p>
+          <a:p>
+            <a:pPr>
+              <a:buClr>
+                <a:schemeClr val="tx2"/>
+              </a:buClr>
+            </a:pPr>
+            <a:r>
+              <a:rPr lang="en-US" sz="1600" dirty="0"/>
+              <a:t>BodyFat = ABDOMEN + WEIGHT</a:t>
+            </a:r>
+          </a:p>
+          <a:p>
+            <a:pPr>
+              <a:buClr>
+                <a:schemeClr val="tx2"/>
+              </a:buClr>
+            </a:pPr>
+            <a:r>
+              <a:rPr lang="en-US" sz="1600" dirty="0"/>
+              <a:t>BodyFat = ABDOMEN + WRIST</a:t>
+            </a:r>
+          </a:p>
+          <a:p>
+            <a:pPr>
+              <a:buClr>
+                <a:schemeClr val="tx2"/>
+              </a:buClr>
+            </a:pPr>
+            <a:endParaRPr lang="en-US" sz="1600" dirty="0"/>
+          </a:p>
+          <a:p>
+            <a:pPr>
+              <a:buClr>
+                <a:schemeClr val="tx2"/>
+              </a:buClr>
+            </a:pPr>
+            <a:r>
+              <a:rPr lang="en-US" sz="1600" dirty="0"/>
+              <a:t>According to the R square and p=value of each variables, we select model with variable ABDOMEN and WEIGHT as final model.</a:t>
+            </a:r>
+          </a:p>
+          <a:p>
+            <a:pPr marL="0" indent="0">
+              <a:buClr>
+                <a:schemeClr val="tx2"/>
+              </a:buClr>
+              <a:buNone/>
+            </a:pPr>
+            <a:r>
+              <a:rPr lang="en-US" sz="1600" dirty="0"/>
+              <a:t>            </a:t>
+            </a:r>
+          </a:p>
+          <a:p>
+            <a:pPr marL="0" indent="0">
+              <a:buClr>
+                <a:schemeClr val="tx2"/>
+              </a:buClr>
+              <a:buNone/>
+            </a:pPr>
+            <a:endParaRPr lang="en-US" sz="1600" dirty="0"/>
+          </a:p>
+          <a:p>
+            <a:pPr marL="0" indent="0">
+              <a:buClr>
+                <a:schemeClr val="tx2"/>
+              </a:buClr>
+              <a:buNone/>
+            </a:pPr>
+            <a:r>
+              <a:rPr lang="en-US" sz="2400" dirty="0"/>
+              <a:t>                                </a:t>
+            </a:r>
+          </a:p>
+          <a:p>
+            <a:pPr marL="0" indent="0">
+              <a:buClr>
+                <a:schemeClr val="tx2"/>
+              </a:buClr>
+              <a:buNone/>
+            </a:pPr>
+            <a:endParaRPr lang="en-US" sz="2400" dirty="0"/>
+          </a:p>
+          <a:p>
+            <a:pPr marL="0" indent="0">
+              <a:buClr>
+                <a:schemeClr val="tx2"/>
+              </a:buClr>
+              <a:buNone/>
+            </a:pPr>
+            <a:endParaRPr lang="en-US" sz="2400" dirty="0"/>
+          </a:p>
+        </p:txBody>
+      </p:sp>
+    </p:spTree>
+    <p:extLst>
+      <p:ext uri="{BB962C8B-B14F-4D97-AF65-F5344CB8AC3E}">
+        <p14:creationId xmlns:p14="http://schemas.microsoft.com/office/powerpoint/2010/main" val="2984503371"/>
+      </p:ext>
+    </p:extLst>
+  </p:cSld>
+  <p:clrMapOvr>
+    <a:overrideClrMapping bg1="lt1" tx1="dk1" bg2="lt2" tx2="dk2" accent1="accent1" accent2="accent2" accent3="accent3" accent4="accent4" accent5="accent5" accent6="accent6" hlink="hlink" folHlink="folHlink"/>
+  </p:clrMapOvr>
+</p:sld>
+</file>
+
 <file path=ppt/theme/theme1.xml><?xml version="1.0" encoding="utf-8"?>
 <a:theme xmlns:a="http://schemas.openxmlformats.org/drawingml/2006/main" name="Ion">
   <a:themeElements>

--- a/Slides.pptx
+++ b/Slides.pptx
@@ -11,8 +11,6 @@
     <p:sldId id="261" r:id="rId5"/>
     <p:sldId id="260" r:id="rId6"/>
     <p:sldId id="262" r:id="rId7"/>
-    <p:sldId id="267" r:id="rId8"/>
-    <p:sldId id="268" r:id="rId9"/>
   </p:sldIdLst>
   <p:sldSz cx="12192000" cy="6858000"/>
   <p:notesSz cx="6858000" cy="9144000"/>
@@ -111,11 +109,6 @@
       </a:defRPr>
     </a:lvl9pPr>
   </p:defaultTextStyle>
-  <p:extLst>
-    <p:ext uri="{EFAFB233-063F-42B5-8137-9DF3F51BA10A}">
-      <p15:sldGuideLst xmlns:p15="http://schemas.microsoft.com/office/powerpoint/2012/main"/>
-    </p:ext>
-  </p:extLst>
 </p:presentation>
 </file>
 
@@ -305,7 +298,7 @@
           <a:p>
             <a:fld id="{460DE407-34CA-9745-A948-AAA7D8E966BF}" type="datetimeFigureOut">
               <a:rPr lang="en-US" smtClean="0"/>
-              <a:t>10/7/2019</a:t>
+              <a:t>10/6/19</a:t>
             </a:fld>
             <a:endParaRPr lang="en-US"/>
           </a:p>
@@ -580,7 +573,7 @@
           <a:p>
             <a:fld id="{460DE407-34CA-9745-A948-AAA7D8E966BF}" type="datetimeFigureOut">
               <a:rPr lang="en-US" smtClean="0"/>
-              <a:t>10/7/2019</a:t>
+              <a:t>10/6/19</a:t>
             </a:fld>
             <a:endParaRPr lang="en-US"/>
           </a:p>
@@ -774,7 +767,7 @@
           <a:p>
             <a:fld id="{460DE407-34CA-9745-A948-AAA7D8E966BF}" type="datetimeFigureOut">
               <a:rPr lang="en-US" smtClean="0"/>
-              <a:t>10/7/2019</a:t>
+              <a:t>10/6/19</a:t>
             </a:fld>
             <a:endParaRPr lang="en-US"/>
           </a:p>
@@ -1047,7 +1040,7 @@
           <a:p>
             <a:fld id="{460DE407-34CA-9745-A948-AAA7D8E966BF}" type="datetimeFigureOut">
               <a:rPr lang="en-US" smtClean="0"/>
-              <a:t>10/7/2019</a:t>
+              <a:t>10/6/19</a:t>
             </a:fld>
             <a:endParaRPr lang="en-US"/>
           </a:p>
@@ -1388,7 +1381,7 @@
           <a:p>
             <a:fld id="{460DE407-34CA-9745-A948-AAA7D8E966BF}" type="datetimeFigureOut">
               <a:rPr lang="en-US" smtClean="0"/>
-              <a:t>10/7/2019</a:t>
+              <a:t>10/6/19</a:t>
             </a:fld>
             <a:endParaRPr lang="en-US"/>
           </a:p>
@@ -2011,7 +2004,7 @@
           <a:p>
             <a:fld id="{460DE407-34CA-9745-A948-AAA7D8E966BF}" type="datetimeFigureOut">
               <a:rPr lang="en-US" smtClean="0"/>
-              <a:t>10/7/2019</a:t>
+              <a:t>10/6/19</a:t>
             </a:fld>
             <a:endParaRPr lang="en-US"/>
           </a:p>
@@ -2871,7 +2864,7 @@
           <a:p>
             <a:fld id="{460DE407-34CA-9745-A948-AAA7D8E966BF}" type="datetimeFigureOut">
               <a:rPr lang="en-US" smtClean="0"/>
-              <a:t>10/7/2019</a:t>
+              <a:t>10/6/19</a:t>
             </a:fld>
             <a:endParaRPr lang="en-US"/>
           </a:p>
@@ -3041,7 +3034,7 @@
           <a:p>
             <a:fld id="{460DE407-34CA-9745-A948-AAA7D8E966BF}" type="datetimeFigureOut">
               <a:rPr lang="en-US" smtClean="0"/>
-              <a:t>10/7/2019</a:t>
+              <a:t>10/6/19</a:t>
             </a:fld>
             <a:endParaRPr lang="en-US"/>
           </a:p>
@@ -3221,7 +3214,7 @@
           <a:p>
             <a:fld id="{460DE407-34CA-9745-A948-AAA7D8E966BF}" type="datetimeFigureOut">
               <a:rPr lang="en-US" smtClean="0"/>
-              <a:t>10/7/2019</a:t>
+              <a:t>10/6/19</a:t>
             </a:fld>
             <a:endParaRPr lang="en-US"/>
           </a:p>
@@ -3391,7 +3384,7 @@
           <a:p>
             <a:fld id="{460DE407-34CA-9745-A948-AAA7D8E966BF}" type="datetimeFigureOut">
               <a:rPr lang="en-US" smtClean="0"/>
-              <a:t>10/7/2019</a:t>
+              <a:t>10/6/19</a:t>
             </a:fld>
             <a:endParaRPr lang="en-US"/>
           </a:p>
@@ -3638,7 +3631,7 @@
           <a:p>
             <a:fld id="{460DE407-34CA-9745-A948-AAA7D8E966BF}" type="datetimeFigureOut">
               <a:rPr lang="en-US" smtClean="0"/>
-              <a:t>10/7/2019</a:t>
+              <a:t>10/6/19</a:t>
             </a:fld>
             <a:endParaRPr lang="en-US"/>
           </a:p>
@@ -3930,7 +3923,7 @@
           <a:p>
             <a:fld id="{460DE407-34CA-9745-A948-AAA7D8E966BF}" type="datetimeFigureOut">
               <a:rPr lang="en-US" smtClean="0"/>
-              <a:t>10/7/2019</a:t>
+              <a:t>10/6/19</a:t>
             </a:fld>
             <a:endParaRPr lang="en-US"/>
           </a:p>
@@ -4374,7 +4367,7 @@
           <a:p>
             <a:fld id="{460DE407-34CA-9745-A948-AAA7D8E966BF}" type="datetimeFigureOut">
               <a:rPr lang="en-US" smtClean="0"/>
-              <a:t>10/7/2019</a:t>
+              <a:t>10/6/19</a:t>
             </a:fld>
             <a:endParaRPr lang="en-US"/>
           </a:p>
@@ -4492,7 +4485,7 @@
           <a:p>
             <a:fld id="{460DE407-34CA-9745-A948-AAA7D8E966BF}" type="datetimeFigureOut">
               <a:rPr lang="en-US" smtClean="0"/>
-              <a:t>10/7/2019</a:t>
+              <a:t>10/6/19</a:t>
             </a:fld>
             <a:endParaRPr lang="en-US"/>
           </a:p>
@@ -4587,7 +4580,7 @@
           <a:p>
             <a:fld id="{460DE407-34CA-9745-A948-AAA7D8E966BF}" type="datetimeFigureOut">
               <a:rPr lang="en-US" smtClean="0"/>
-              <a:t>10/7/2019</a:t>
+              <a:t>10/6/19</a:t>
             </a:fld>
             <a:endParaRPr lang="en-US"/>
           </a:p>
@@ -4866,7 +4859,7 @@
           <a:p>
             <a:fld id="{460DE407-34CA-9745-A948-AAA7D8E966BF}" type="datetimeFigureOut">
               <a:rPr lang="en-US" smtClean="0"/>
-              <a:t>10/7/2019</a:t>
+              <a:t>10/6/19</a:t>
             </a:fld>
             <a:endParaRPr lang="en-US"/>
           </a:p>
@@ -5141,7 +5134,7 @@
           <a:p>
             <a:fld id="{460DE407-34CA-9745-A948-AAA7D8E966BF}" type="datetimeFigureOut">
               <a:rPr lang="en-US" smtClean="0"/>
-              <a:t>10/7/2019</a:t>
+              <a:t>10/6/19</a:t>
             </a:fld>
             <a:endParaRPr lang="en-US"/>
           </a:p>
@@ -5570,7 +5563,7 @@
           <a:p>
             <a:fld id="{460DE407-34CA-9745-A948-AAA7D8E966BF}" type="datetimeFigureOut">
               <a:rPr lang="en-US" smtClean="0"/>
-              <a:t>10/7/2019</a:t>
+              <a:t>10/6/19</a:t>
             </a:fld>
             <a:endParaRPr lang="en-US"/>
           </a:p>
@@ -15011,3106 +15004,6 @@
 </p:sld>
 </file>
 
-<file path=ppt/slides/slide7.xml><?xml version="1.0" encoding="utf-8"?>
-<p:sld xmlns:a="http://schemas.openxmlformats.org/drawingml/2006/main" xmlns:r="http://schemas.openxmlformats.org/officeDocument/2006/relationships" xmlns:p="http://schemas.openxmlformats.org/presentationml/2006/main">
-  <p:cSld>
-    <p:bg>
-      <p:bgPr>
-        <a:solidFill>
-          <a:schemeClr val="bg1"/>
-        </a:solidFill>
-        <a:effectLst/>
-      </p:bgPr>
-    </p:bg>
-    <p:spTree>
-      <p:nvGrpSpPr>
-        <p:cNvPr id="1" name=""/>
-        <p:cNvGrpSpPr/>
-        <p:nvPr/>
-      </p:nvGrpSpPr>
-      <p:grpSpPr>
-        <a:xfrm>
-          <a:off x="0" y="0"/>
-          <a:ext cx="0" cy="0"/>
-          <a:chOff x="0" y="0"/>
-          <a:chExt cx="0" cy="0"/>
-        </a:xfrm>
-      </p:grpSpPr>
-      <p:pic>
-        <p:nvPicPr>
-          <p:cNvPr id="8" name="Picture 7">
-            <a:extLst>
-              <a:ext uri="{FF2B5EF4-FFF2-40B4-BE49-F238E27FC236}">
-                <a16:creationId xmlns:a16="http://schemas.microsoft.com/office/drawing/2014/main" id="{91B28F63-CF00-448F-B141-FE33C33B1891}"/>
-              </a:ext>
-              <a:ext uri="{C183D7F6-B498-43B3-948B-1728B52AA6E4}">
-                <adec:decorative xmlns:adec="http://schemas.microsoft.com/office/drawing/2017/decorative" val="1"/>
-              </a:ext>
-            </a:extLst>
-          </p:cNvPr>
-          <p:cNvPicPr>
-            <a:picLocks noGrp="1" noRot="1" noChangeAspect="1" noMove="1" noResize="1" noEditPoints="1" noAdjustHandles="1" noChangeArrowheads="1" noChangeShapeType="1" noCrop="1"/>
-          </p:cNvPicPr>
-          <p:nvPr>
-            <p:extLst>
-              <p:ext uri="{386F3935-93C4-4BCD-93E2-E3B085C9AB24}">
-                <p16:designElem xmlns:p16="http://schemas.microsoft.com/office/powerpoint/2015/main" val="1"/>
-              </p:ext>
-            </p:extLst>
-          </p:nvPr>
-        </p:nvPicPr>
-        <p:blipFill rotWithShape="1">
-          <a:blip r:embed="rId2">
-            <a:extLst>
-              <a:ext uri="{28A0092B-C50C-407E-A947-70E740481C1C}">
-                <a14:useLocalDpi xmlns:a14="http://schemas.microsoft.com/office/drawing/2010/main" val="0"/>
-              </a:ext>
-            </a:extLst>
-          </a:blip>
-          <a:srcRect l="3613"/>
-          <a:stretch/>
-        </p:blipFill>
-        <p:spPr>
-          <a:xfrm>
-            <a:off x="0" y="2669685"/>
-            <a:ext cx="4037012" cy="4188315"/>
-          </a:xfrm>
-          <a:prstGeom prst="rect">
-            <a:avLst/>
-          </a:prstGeom>
-        </p:spPr>
-      </p:pic>
-      <p:pic>
-        <p:nvPicPr>
-          <p:cNvPr id="10" name="Picture 9">
-            <a:extLst>
-              <a:ext uri="{FF2B5EF4-FFF2-40B4-BE49-F238E27FC236}">
-                <a16:creationId xmlns:a16="http://schemas.microsoft.com/office/drawing/2014/main" id="{2AE609E2-8522-44E4-9077-980E5BCF3E14}"/>
-              </a:ext>
-              <a:ext uri="{C183D7F6-B498-43B3-948B-1728B52AA6E4}">
-                <adec:decorative xmlns:adec="http://schemas.microsoft.com/office/drawing/2017/decorative" val="1"/>
-              </a:ext>
-            </a:extLst>
-          </p:cNvPr>
-          <p:cNvPicPr>
-            <a:picLocks noGrp="1" noRot="1" noChangeAspect="1" noMove="1" noResize="1" noEditPoints="1" noAdjustHandles="1" noChangeArrowheads="1" noChangeShapeType="1" noCrop="1"/>
-          </p:cNvPicPr>
-          <p:nvPr>
-            <p:extLst>
-              <p:ext uri="{386F3935-93C4-4BCD-93E2-E3B085C9AB24}">
-                <p16:designElem xmlns:p16="http://schemas.microsoft.com/office/powerpoint/2015/main" val="1"/>
-              </p:ext>
-            </p:extLst>
-          </p:nvPr>
-        </p:nvPicPr>
-        <p:blipFill rotWithShape="1">
-          <a:blip r:embed="rId3">
-            <a:extLst>
-              <a:ext uri="{28A0092B-C50C-407E-A947-70E740481C1C}">
-                <a14:useLocalDpi xmlns:a14="http://schemas.microsoft.com/office/drawing/2010/main" val="0"/>
-              </a:ext>
-            </a:extLst>
-          </a:blip>
-          <a:srcRect l="35640"/>
-          <a:stretch/>
-        </p:blipFill>
-        <p:spPr>
-          <a:xfrm>
-            <a:off x="0" y="2892347"/>
-            <a:ext cx="1522412" cy="2365453"/>
-          </a:xfrm>
-          <a:prstGeom prst="rect">
-            <a:avLst/>
-          </a:prstGeom>
-        </p:spPr>
-      </p:pic>
-      <p:sp>
-        <p:nvSpPr>
-          <p:cNvPr id="12" name="Oval 11">
-            <a:extLst>
-              <a:ext uri="{FF2B5EF4-FFF2-40B4-BE49-F238E27FC236}">
-                <a16:creationId xmlns:a16="http://schemas.microsoft.com/office/drawing/2014/main" id="{4FA533C5-33E3-4611-AF9F-72811D8B26A6}"/>
-              </a:ext>
-              <a:ext uri="{C183D7F6-B498-43B3-948B-1728B52AA6E4}">
-                <adec:decorative xmlns:adec="http://schemas.microsoft.com/office/drawing/2017/decorative" val="1"/>
-              </a:ext>
-            </a:extLst>
-          </p:cNvPr>
-          <p:cNvSpPr>
-            <a:spLocks noGrp="1" noRot="1" noChangeAspect="1" noMove="1" noResize="1" noEditPoints="1" noAdjustHandles="1" noChangeArrowheads="1" noChangeShapeType="1" noTextEdit="1"/>
-          </p:cNvSpPr>
-          <p:nvPr>
-            <p:extLst>
-              <p:ext uri="{386F3935-93C4-4BCD-93E2-E3B085C9AB24}">
-                <p16:designElem xmlns:p16="http://schemas.microsoft.com/office/powerpoint/2015/main" val="1"/>
-              </p:ext>
-            </p:extLst>
-          </p:nvPr>
-        </p:nvSpPr>
-        <p:spPr>
-          <a:xfrm>
-            <a:off x="8609012" y="1676400"/>
-            <a:ext cx="2819400" cy="2819400"/>
-          </a:xfrm>
-          <a:prstGeom prst="ellipse">
-            <a:avLst/>
-          </a:prstGeom>
-          <a:gradFill flip="none" rotWithShape="1">
-            <a:gsLst>
-              <a:gs pos="0">
-                <a:schemeClr val="bg2">
-                  <a:lumMod val="60000"/>
-                  <a:lumOff val="40000"/>
-                  <a:alpha val="7000"/>
-                </a:schemeClr>
-              </a:gs>
-              <a:gs pos="69000">
-                <a:schemeClr val="bg2">
-                  <a:lumMod val="60000"/>
-                  <a:lumOff val="40000"/>
-                  <a:alpha val="0"/>
-                </a:schemeClr>
-              </a:gs>
-              <a:gs pos="36000">
-                <a:schemeClr val="bg2">
-                  <a:lumMod val="60000"/>
-                  <a:lumOff val="40000"/>
-                  <a:alpha val="6000"/>
-                </a:schemeClr>
-              </a:gs>
-            </a:gsLst>
-            <a:path path="circle">
-              <a:fillToRect l="50000" t="50000" r="50000" b="50000"/>
-            </a:path>
-            <a:tileRect/>
-          </a:gradFill>
-          <a:ln>
-            <a:noFill/>
-          </a:ln>
-          <a:effectLst/>
-        </p:spPr>
-        <p:style>
-          <a:lnRef idx="1">
-            <a:schemeClr val="accent1"/>
-          </a:lnRef>
-          <a:fillRef idx="3">
-            <a:schemeClr val="accent1"/>
-          </a:fillRef>
-          <a:effectRef idx="2">
-            <a:schemeClr val="accent1"/>
-          </a:effectRef>
-          <a:fontRef idx="minor">
-            <a:schemeClr val="lt1"/>
-          </a:fontRef>
-        </p:style>
-      </p:sp>
-      <p:pic>
-        <p:nvPicPr>
-          <p:cNvPr id="14" name="Picture 13">
-            <a:extLst>
-              <a:ext uri="{FF2B5EF4-FFF2-40B4-BE49-F238E27FC236}">
-                <a16:creationId xmlns:a16="http://schemas.microsoft.com/office/drawing/2014/main" id="{8949AD42-25FD-4C3D-9EEE-B7FEC5809988}"/>
-              </a:ext>
-              <a:ext uri="{C183D7F6-B498-43B3-948B-1728B52AA6E4}">
-                <adec:decorative xmlns:adec="http://schemas.microsoft.com/office/drawing/2017/decorative" val="1"/>
-              </a:ext>
-            </a:extLst>
-          </p:cNvPr>
-          <p:cNvPicPr>
-            <a:picLocks noGrp="1" noRot="1" noChangeAspect="1" noMove="1" noResize="1" noEditPoints="1" noAdjustHandles="1" noChangeArrowheads="1" noChangeShapeType="1" noCrop="1"/>
-          </p:cNvPicPr>
-          <p:nvPr>
-            <p:extLst>
-              <p:ext uri="{386F3935-93C4-4BCD-93E2-E3B085C9AB24}">
-                <p16:designElem xmlns:p16="http://schemas.microsoft.com/office/powerpoint/2015/main" val="1"/>
-              </p:ext>
-            </p:extLst>
-          </p:nvPr>
-        </p:nvPicPr>
-        <p:blipFill rotWithShape="1">
-          <a:blip r:embed="rId4">
-            <a:extLst>
-              <a:ext uri="{28A0092B-C50C-407E-A947-70E740481C1C}">
-                <a14:useLocalDpi xmlns:a14="http://schemas.microsoft.com/office/drawing/2010/main" val="0"/>
-              </a:ext>
-            </a:extLst>
-          </a:blip>
-          <a:srcRect t="28813"/>
-          <a:stretch/>
-        </p:blipFill>
-        <p:spPr>
-          <a:xfrm>
-            <a:off x="7999412" y="0"/>
-            <a:ext cx="1603387" cy="1141407"/>
-          </a:xfrm>
-          <a:prstGeom prst="rect">
-            <a:avLst/>
-          </a:prstGeom>
-        </p:spPr>
-      </p:pic>
-      <p:pic>
-        <p:nvPicPr>
-          <p:cNvPr id="16" name="Picture 15">
-            <a:extLst>
-              <a:ext uri="{FF2B5EF4-FFF2-40B4-BE49-F238E27FC236}">
-                <a16:creationId xmlns:a16="http://schemas.microsoft.com/office/drawing/2014/main" id="{6AC7D913-60B7-4603-881B-831DA5D3A940}"/>
-              </a:ext>
-              <a:ext uri="{C183D7F6-B498-43B3-948B-1728B52AA6E4}">
-                <adec:decorative xmlns:adec="http://schemas.microsoft.com/office/drawing/2017/decorative" val="1"/>
-              </a:ext>
-            </a:extLst>
-          </p:cNvPr>
-          <p:cNvPicPr>
-            <a:picLocks noGrp="1" noRot="1" noChangeAspect="1" noMove="1" noResize="1" noEditPoints="1" noAdjustHandles="1" noChangeArrowheads="1" noChangeShapeType="1" noCrop="1"/>
-          </p:cNvPicPr>
-          <p:nvPr>
-            <p:extLst>
-              <p:ext uri="{386F3935-93C4-4BCD-93E2-E3B085C9AB24}">
-                <p16:designElem xmlns:p16="http://schemas.microsoft.com/office/powerpoint/2015/main" val="1"/>
-              </p:ext>
-            </p:extLst>
-          </p:nvPr>
-        </p:nvPicPr>
-        <p:blipFill rotWithShape="1">
-          <a:blip r:embed="rId5">
-            <a:extLst>
-              <a:ext uri="{28A0092B-C50C-407E-A947-70E740481C1C}">
-                <a14:useLocalDpi xmlns:a14="http://schemas.microsoft.com/office/drawing/2010/main" val="0"/>
-              </a:ext>
-            </a:extLst>
-          </a:blip>
-          <a:srcRect b="23320"/>
-          <a:stretch/>
-        </p:blipFill>
-        <p:spPr>
-          <a:xfrm>
-            <a:off x="8605878" y="6096000"/>
-            <a:ext cx="993734" cy="762000"/>
-          </a:xfrm>
-          <a:prstGeom prst="rect">
-            <a:avLst/>
-          </a:prstGeom>
-        </p:spPr>
-      </p:pic>
-      <p:sp>
-        <p:nvSpPr>
-          <p:cNvPr id="18" name="Rectangle 17">
-            <a:extLst>
-              <a:ext uri="{FF2B5EF4-FFF2-40B4-BE49-F238E27FC236}">
-                <a16:creationId xmlns:a16="http://schemas.microsoft.com/office/drawing/2014/main" id="{87F0FDC4-AD8C-47D9-9131-623C98ADB0AE}"/>
-              </a:ext>
-              <a:ext uri="{C183D7F6-B498-43B3-948B-1728B52AA6E4}">
-                <adec:decorative xmlns:adec="http://schemas.microsoft.com/office/drawing/2017/decorative" val="1"/>
-              </a:ext>
-            </a:extLst>
-          </p:cNvPr>
-          <p:cNvSpPr>
-            <a:spLocks noGrp="1" noRot="1" noChangeAspect="1" noMove="1" noResize="1" noEditPoints="1" noAdjustHandles="1" noChangeArrowheads="1" noChangeShapeType="1" noTextEdit="1"/>
-          </p:cNvSpPr>
-          <p:nvPr>
-            <p:extLst>
-              <p:ext uri="{386F3935-93C4-4BCD-93E2-E3B085C9AB24}">
-                <p16:designElem xmlns:p16="http://schemas.microsoft.com/office/powerpoint/2015/main" val="1"/>
-              </p:ext>
-            </p:extLst>
-          </p:nvPr>
-        </p:nvSpPr>
-        <p:spPr>
-          <a:xfrm>
-            <a:off x="10437812" y="0"/>
-            <a:ext cx="685800" cy="1143000"/>
-          </a:xfrm>
-          <a:prstGeom prst="rect">
-            <a:avLst/>
-          </a:prstGeom>
-          <a:solidFill>
-            <a:schemeClr val="accent1"/>
-          </a:solidFill>
-          <a:ln>
-            <a:noFill/>
-          </a:ln>
-        </p:spPr>
-        <p:style>
-          <a:lnRef idx="1">
-            <a:schemeClr val="accent1"/>
-          </a:lnRef>
-          <a:fillRef idx="3">
-            <a:schemeClr val="accent1"/>
-          </a:fillRef>
-          <a:effectRef idx="2">
-            <a:schemeClr val="accent1"/>
-          </a:effectRef>
-          <a:fontRef idx="minor">
-            <a:schemeClr val="lt1"/>
-          </a:fontRef>
-        </p:style>
-      </p:sp>
-      <p:sp>
-        <p:nvSpPr>
-          <p:cNvPr id="20" name="Rectangle 19">
-            <a:extLst>
-              <a:ext uri="{FF2B5EF4-FFF2-40B4-BE49-F238E27FC236}">
-                <a16:creationId xmlns:a16="http://schemas.microsoft.com/office/drawing/2014/main" id="{74CD14DB-BB81-479F-A1FC-1C75640E9F84}"/>
-              </a:ext>
-              <a:ext uri="{C183D7F6-B498-43B3-948B-1728B52AA6E4}">
-                <adec:decorative xmlns:adec="http://schemas.microsoft.com/office/drawing/2017/decorative" val="1"/>
-              </a:ext>
-            </a:extLst>
-          </p:cNvPr>
-          <p:cNvSpPr>
-            <a:spLocks noGrp="1" noRot="1" noChangeAspect="1" noMove="1" noResize="1" noEditPoints="1" noAdjustHandles="1" noChangeArrowheads="1" noChangeShapeType="1" noTextEdit="1"/>
-          </p:cNvSpPr>
-          <p:nvPr>
-            <p:extLst>
-              <p:ext uri="{386F3935-93C4-4BCD-93E2-E3B085C9AB24}">
-                <p16:designElem xmlns:p16="http://schemas.microsoft.com/office/powerpoint/2015/main" val="1"/>
-              </p:ext>
-            </p:extLst>
-          </p:nvPr>
-        </p:nvSpPr>
-        <p:spPr>
-          <a:xfrm>
-            <a:off x="0" y="0"/>
-            <a:ext cx="12192000" cy="6858000"/>
-          </a:xfrm>
-          <a:prstGeom prst="rect">
-            <a:avLst/>
-          </a:prstGeom>
-          <a:ln>
-            <a:noFill/>
-          </a:ln>
-        </p:spPr>
-        <p:style>
-          <a:lnRef idx="2">
-            <a:schemeClr val="accent1">
-              <a:shade val="50000"/>
-            </a:schemeClr>
-          </a:lnRef>
-          <a:fillRef idx="1003">
-            <a:schemeClr val="dk2"/>
-          </a:fillRef>
-          <a:effectRef idx="0">
-            <a:schemeClr val="accent1"/>
-          </a:effectRef>
-          <a:fontRef idx="minor">
-            <a:schemeClr val="lt1"/>
-          </a:fontRef>
-        </p:style>
-        <p:txBody>
-          <a:bodyPr rtlCol="0" anchor="ctr"/>
-          <a:lstStyle/>
-          <a:p>
-            <a:pPr marL="0" marR="0" lvl="0" indent="0" algn="ctr" defTabSz="914400" rtl="0" eaLnBrk="1" fontAlgn="auto" latinLnBrk="0" hangingPunct="1">
-              <a:lnSpc>
-                <a:spcPct val="100000"/>
-              </a:lnSpc>
-              <a:spcBef>
-                <a:spcPts val="0"/>
-              </a:spcBef>
-              <a:spcAft>
-                <a:spcPts val="0"/>
-              </a:spcAft>
-              <a:buClrTx/>
-              <a:buSzTx/>
-              <a:buFontTx/>
-              <a:buNone/>
-              <a:tabLst/>
-              <a:defRPr/>
-            </a:pPr>
-            <a:endParaRPr kumimoji="0" lang="en-US" sz="1800" b="0" i="0" u="none" strike="noStrike" kern="1200" cap="none" spc="0" normalizeH="0" baseline="0" noProof="0">
-              <a:ln>
-                <a:noFill/>
-              </a:ln>
-              <a:solidFill>
-                <a:prstClr val="white"/>
-              </a:solidFill>
-              <a:effectLst/>
-              <a:uLnTx/>
-              <a:uFillTx/>
-              <a:latin typeface="Century Gothic" panose="020B0502020202020204"/>
-              <a:ea typeface="+mn-ea"/>
-              <a:cs typeface="+mn-cs"/>
-            </a:endParaRPr>
-          </a:p>
-        </p:txBody>
-      </p:sp>
-      <p:sp>
-        <p:nvSpPr>
-          <p:cNvPr id="22" name="Rectangle 21">
-            <a:extLst>
-              <a:ext uri="{FF2B5EF4-FFF2-40B4-BE49-F238E27FC236}">
-                <a16:creationId xmlns:a16="http://schemas.microsoft.com/office/drawing/2014/main" id="{C943A91B-7CA7-4592-A975-73B1BF8C4C74}"/>
-              </a:ext>
-              <a:ext uri="{C183D7F6-B498-43B3-948B-1728B52AA6E4}">
-                <adec:decorative xmlns:adec="http://schemas.microsoft.com/office/drawing/2017/decorative" val="1"/>
-              </a:ext>
-            </a:extLst>
-          </p:cNvPr>
-          <p:cNvSpPr>
-            <a:spLocks noGrp="1" noRot="1" noChangeAspect="1" noMove="1" noResize="1" noEditPoints="1" noAdjustHandles="1" noChangeArrowheads="1" noChangeShapeType="1" noTextEdit="1"/>
-          </p:cNvSpPr>
-          <p:nvPr>
-            <p:extLst>
-              <p:ext uri="{386F3935-93C4-4BCD-93E2-E3B085C9AB24}">
-                <p16:designElem xmlns:p16="http://schemas.microsoft.com/office/powerpoint/2015/main" val="1"/>
-              </p:ext>
-            </p:extLst>
-          </p:nvPr>
-        </p:nvSpPr>
-        <p:spPr>
-          <a:xfrm>
-            <a:off x="10437812" y="0"/>
-            <a:ext cx="685800" cy="1143000"/>
-          </a:xfrm>
-          <a:prstGeom prst="rect">
-            <a:avLst/>
-          </a:prstGeom>
-          <a:solidFill>
-            <a:schemeClr val="accent1"/>
-          </a:solidFill>
-          <a:ln>
-            <a:noFill/>
-          </a:ln>
-        </p:spPr>
-        <p:style>
-          <a:lnRef idx="1">
-            <a:schemeClr val="accent1"/>
-          </a:lnRef>
-          <a:fillRef idx="3">
-            <a:schemeClr val="accent1"/>
-          </a:fillRef>
-          <a:effectRef idx="2">
-            <a:schemeClr val="accent1"/>
-          </a:effectRef>
-          <a:fontRef idx="minor">
-            <a:schemeClr val="lt1"/>
-          </a:fontRef>
-        </p:style>
-      </p:sp>
-      <p:sp>
-        <p:nvSpPr>
-          <p:cNvPr id="24" name="Freeform 7">
-            <a:extLst>
-              <a:ext uri="{FF2B5EF4-FFF2-40B4-BE49-F238E27FC236}">
-                <a16:creationId xmlns:a16="http://schemas.microsoft.com/office/drawing/2014/main" id="{EC471314-E46A-414B-8D91-74880E84F187}"/>
-              </a:ext>
-              <a:ext uri="{C183D7F6-B498-43B3-948B-1728B52AA6E4}">
-                <adec:decorative xmlns:adec="http://schemas.microsoft.com/office/drawing/2017/decorative" val="1"/>
-              </a:ext>
-            </a:extLst>
-          </p:cNvPr>
-          <p:cNvSpPr>
-            <a:spLocks noGrp="1" noRot="1" noChangeAspect="1" noMove="1" noResize="1" noEditPoints="1" noAdjustHandles="1" noChangeArrowheads="1" noChangeShapeType="1" noTextEdit="1"/>
-          </p:cNvSpPr>
-          <p:nvPr>
-            <p:extLst>
-              <p:ext uri="{386F3935-93C4-4BCD-93E2-E3B085C9AB24}">
-                <p16:designElem xmlns:p16="http://schemas.microsoft.com/office/powerpoint/2015/main" val="1"/>
-              </p:ext>
-            </p:extLst>
-          </p:nvPr>
-        </p:nvSpPr>
-        <p:spPr>
-          <a:xfrm>
-            <a:off x="8719939" y="1460230"/>
-            <a:ext cx="3472060" cy="825932"/>
-          </a:xfrm>
-          <a:custGeom>
-            <a:avLst/>
-            <a:gdLst>
-              <a:gd name="connsiteX0" fmla="*/ 3470310 w 3472060"/>
-              <a:gd name="connsiteY0" fmla="*/ 0 h 825932"/>
-              <a:gd name="connsiteX1" fmla="*/ 3472060 w 3472060"/>
-              <a:gd name="connsiteY1" fmla="*/ 12850 h 825932"/>
-              <a:gd name="connsiteX2" fmla="*/ 3472060 w 3472060"/>
-              <a:gd name="connsiteY2" fmla="*/ 480529 h 825932"/>
-              <a:gd name="connsiteX3" fmla="*/ 3363699 w 3472060"/>
-              <a:gd name="connsiteY3" fmla="*/ 498471 h 825932"/>
-              <a:gd name="connsiteX4" fmla="*/ 42060 w 3472060"/>
-              <a:gd name="connsiteY4" fmla="*/ 824486 h 825932"/>
-              <a:gd name="connsiteX5" fmla="*/ 0 w 3472060"/>
-              <a:gd name="connsiteY5" fmla="*/ 758452 h 825932"/>
-              <a:gd name="connsiteX6" fmla="*/ 188014 w 3472060"/>
-              <a:gd name="connsiteY6" fmla="*/ 735602 h 825932"/>
-              <a:gd name="connsiteX7" fmla="*/ 284087 w 3472060"/>
-              <a:gd name="connsiteY7" fmla="*/ 722590 h 825932"/>
-              <a:gd name="connsiteX8" fmla="*/ 382288 w 3472060"/>
-              <a:gd name="connsiteY8" fmla="*/ 709392 h 825932"/>
-              <a:gd name="connsiteX9" fmla="*/ 481858 w 3472060"/>
-              <a:gd name="connsiteY9" fmla="*/ 695774 h 825932"/>
-              <a:gd name="connsiteX10" fmla="*/ 581897 w 3472060"/>
-              <a:gd name="connsiteY10" fmla="*/ 680711 h 825932"/>
-              <a:gd name="connsiteX11" fmla="*/ 683670 w 3472060"/>
-              <a:gd name="connsiteY11" fmla="*/ 665256 h 825932"/>
-              <a:gd name="connsiteX12" fmla="*/ 787206 w 3472060"/>
-              <a:gd name="connsiteY12" fmla="*/ 649587 h 825932"/>
-              <a:gd name="connsiteX13" fmla="*/ 892019 w 3472060"/>
-              <a:gd name="connsiteY13" fmla="*/ 632968 h 825932"/>
-              <a:gd name="connsiteX14" fmla="*/ 997620 w 3472060"/>
-              <a:gd name="connsiteY14" fmla="*/ 614667 h 825932"/>
-              <a:gd name="connsiteX15" fmla="*/ 1104727 w 3472060"/>
-              <a:gd name="connsiteY15" fmla="*/ 596741 h 825932"/>
-              <a:gd name="connsiteX16" fmla="*/ 1212669 w 3472060"/>
-              <a:gd name="connsiteY16" fmla="*/ 577397 h 825932"/>
-              <a:gd name="connsiteX17" fmla="*/ 1321506 w 3472060"/>
-              <a:gd name="connsiteY17" fmla="*/ 556988 h 825932"/>
-              <a:gd name="connsiteX18" fmla="*/ 1430709 w 3472060"/>
-              <a:gd name="connsiteY18" fmla="*/ 536607 h 825932"/>
-              <a:gd name="connsiteX19" fmla="*/ 1541050 w 3472060"/>
-              <a:gd name="connsiteY19" fmla="*/ 514481 h 825932"/>
-              <a:gd name="connsiteX20" fmla="*/ 1652805 w 3472060"/>
-              <a:gd name="connsiteY20" fmla="*/ 492202 h 825932"/>
-              <a:gd name="connsiteX21" fmla="*/ 1763708 w 3472060"/>
-              <a:gd name="connsiteY21" fmla="*/ 469161 h 825932"/>
-              <a:gd name="connsiteX22" fmla="*/ 1875795 w 3472060"/>
-              <a:gd name="connsiteY22" fmla="*/ 444641 h 825932"/>
-              <a:gd name="connsiteX23" fmla="*/ 1989128 w 3472060"/>
-              <a:gd name="connsiteY23" fmla="*/ 418995 h 825932"/>
-              <a:gd name="connsiteX24" fmla="*/ 2102476 w 3472060"/>
-              <a:gd name="connsiteY24" fmla="*/ 393438 h 825932"/>
-              <a:gd name="connsiteX25" fmla="*/ 2215549 w 3472060"/>
-              <a:gd name="connsiteY25" fmla="*/ 366291 h 825932"/>
-              <a:gd name="connsiteX26" fmla="*/ 2330490 w 3472060"/>
-              <a:gd name="connsiteY26" fmla="*/ 337455 h 825932"/>
-              <a:gd name="connsiteX27" fmla="*/ 2443333 w 3472060"/>
-              <a:gd name="connsiteY27" fmla="*/ 308983 h 825932"/>
-              <a:gd name="connsiteX28" fmla="*/ 2558014 w 3472060"/>
-              <a:gd name="connsiteY28" fmla="*/ 278646 h 825932"/>
-              <a:gd name="connsiteX29" fmla="*/ 2673621 w 3472060"/>
-              <a:gd name="connsiteY29" fmla="*/ 247421 h 825932"/>
-              <a:gd name="connsiteX30" fmla="*/ 2787008 w 3472060"/>
-              <a:gd name="connsiteY30" fmla="*/ 215853 h 825932"/>
-              <a:gd name="connsiteX31" fmla="*/ 2901442 w 3472060"/>
-              <a:gd name="connsiteY31" fmla="*/ 182011 h 825932"/>
-              <a:gd name="connsiteX32" fmla="*/ 3015722 w 3472060"/>
-              <a:gd name="connsiteY32" fmla="*/ 147286 h 825932"/>
-              <a:gd name="connsiteX33" fmla="*/ 3130018 w 3472060"/>
-              <a:gd name="connsiteY33" fmla="*/ 112649 h 825932"/>
-              <a:gd name="connsiteX34" fmla="*/ 3243551 w 3472060"/>
-              <a:gd name="connsiteY34" fmla="*/ 75688 h 825932"/>
-              <a:gd name="connsiteX35" fmla="*/ 3356992 w 3472060"/>
-              <a:gd name="connsiteY35" fmla="*/ 38197 h 825932"/>
-              <a:gd name="connsiteX36" fmla="*/ 3470310 w 3472060"/>
-              <a:gd name="connsiteY36" fmla="*/ 0 h 825932"/>
-            </a:gdLst>
-            <a:ahLst/>
-            <a:cxnLst>
-              <a:cxn ang="0">
-                <a:pos x="connsiteX0" y="connsiteY0"/>
-              </a:cxn>
-              <a:cxn ang="0">
-                <a:pos x="connsiteX1" y="connsiteY1"/>
-              </a:cxn>
-              <a:cxn ang="0">
-                <a:pos x="connsiteX2" y="connsiteY2"/>
-              </a:cxn>
-              <a:cxn ang="0">
-                <a:pos x="connsiteX3" y="connsiteY3"/>
-              </a:cxn>
-              <a:cxn ang="0">
-                <a:pos x="connsiteX4" y="connsiteY4"/>
-              </a:cxn>
-              <a:cxn ang="0">
-                <a:pos x="connsiteX5" y="connsiteY5"/>
-              </a:cxn>
-              <a:cxn ang="0">
-                <a:pos x="connsiteX6" y="connsiteY6"/>
-              </a:cxn>
-              <a:cxn ang="0">
-                <a:pos x="connsiteX7" y="connsiteY7"/>
-              </a:cxn>
-              <a:cxn ang="0">
-                <a:pos x="connsiteX8" y="connsiteY8"/>
-              </a:cxn>
-              <a:cxn ang="0">
-                <a:pos x="connsiteX9" y="connsiteY9"/>
-              </a:cxn>
-              <a:cxn ang="0">
-                <a:pos x="connsiteX10" y="connsiteY10"/>
-              </a:cxn>
-              <a:cxn ang="0">
-                <a:pos x="connsiteX11" y="connsiteY11"/>
-              </a:cxn>
-              <a:cxn ang="0">
-                <a:pos x="connsiteX12" y="connsiteY12"/>
-              </a:cxn>
-              <a:cxn ang="0">
-                <a:pos x="connsiteX13" y="connsiteY13"/>
-              </a:cxn>
-              <a:cxn ang="0">
-                <a:pos x="connsiteX14" y="connsiteY14"/>
-              </a:cxn>
-              <a:cxn ang="0">
-                <a:pos x="connsiteX15" y="connsiteY15"/>
-              </a:cxn>
-              <a:cxn ang="0">
-                <a:pos x="connsiteX16" y="connsiteY16"/>
-              </a:cxn>
-              <a:cxn ang="0">
-                <a:pos x="connsiteX17" y="connsiteY17"/>
-              </a:cxn>
-              <a:cxn ang="0">
-                <a:pos x="connsiteX18" y="connsiteY18"/>
-              </a:cxn>
-              <a:cxn ang="0">
-                <a:pos x="connsiteX19" y="connsiteY19"/>
-              </a:cxn>
-              <a:cxn ang="0">
-                <a:pos x="connsiteX20" y="connsiteY20"/>
-              </a:cxn>
-              <a:cxn ang="0">
-                <a:pos x="connsiteX21" y="connsiteY21"/>
-              </a:cxn>
-              <a:cxn ang="0">
-                <a:pos x="connsiteX22" y="connsiteY22"/>
-              </a:cxn>
-              <a:cxn ang="0">
-                <a:pos x="connsiteX23" y="connsiteY23"/>
-              </a:cxn>
-              <a:cxn ang="0">
-                <a:pos x="connsiteX24" y="connsiteY24"/>
-              </a:cxn>
-              <a:cxn ang="0">
-                <a:pos x="connsiteX25" y="connsiteY25"/>
-              </a:cxn>
-              <a:cxn ang="0">
-                <a:pos x="connsiteX26" y="connsiteY26"/>
-              </a:cxn>
-              <a:cxn ang="0">
-                <a:pos x="connsiteX27" y="connsiteY27"/>
-              </a:cxn>
-              <a:cxn ang="0">
-                <a:pos x="connsiteX28" y="connsiteY28"/>
-              </a:cxn>
-              <a:cxn ang="0">
-                <a:pos x="connsiteX29" y="connsiteY29"/>
-              </a:cxn>
-              <a:cxn ang="0">
-                <a:pos x="connsiteX30" y="connsiteY30"/>
-              </a:cxn>
-              <a:cxn ang="0">
-                <a:pos x="connsiteX31" y="connsiteY31"/>
-              </a:cxn>
-              <a:cxn ang="0">
-                <a:pos x="connsiteX32" y="connsiteY32"/>
-              </a:cxn>
-              <a:cxn ang="0">
-                <a:pos x="connsiteX33" y="connsiteY33"/>
-              </a:cxn>
-              <a:cxn ang="0">
-                <a:pos x="connsiteX34" y="connsiteY34"/>
-              </a:cxn>
-              <a:cxn ang="0">
-                <a:pos x="connsiteX35" y="connsiteY35"/>
-              </a:cxn>
-              <a:cxn ang="0">
-                <a:pos x="connsiteX36" y="connsiteY36"/>
-              </a:cxn>
-            </a:cxnLst>
-            <a:rect l="l" t="t" r="r" b="b"/>
-            <a:pathLst>
-              <a:path w="3472060" h="825932">
-                <a:moveTo>
-                  <a:pt x="3470310" y="0"/>
-                </a:moveTo>
-                <a:lnTo>
-                  <a:pt x="3472060" y="12850"/>
-                </a:lnTo>
-                <a:lnTo>
-                  <a:pt x="3472060" y="480529"/>
-                </a:lnTo>
-                <a:lnTo>
-                  <a:pt x="3363699" y="498471"/>
-                </a:lnTo>
-                <a:cubicBezTo>
-                  <a:pt x="2435623" y="645518"/>
-                  <a:pt x="603076" y="844866"/>
-                  <a:pt x="42060" y="824486"/>
-                </a:cubicBezTo>
-                <a:cubicBezTo>
-                  <a:pt x="28151" y="802425"/>
-                  <a:pt x="13909" y="780513"/>
-                  <a:pt x="0" y="758452"/>
-                </a:cubicBezTo>
-                <a:lnTo>
-                  <a:pt x="188014" y="735602"/>
-                </a:lnTo>
-                <a:lnTo>
-                  <a:pt x="284087" y="722590"/>
-                </a:lnTo>
-                <a:lnTo>
-                  <a:pt x="382288" y="709392"/>
-                </a:lnTo>
-                <a:lnTo>
-                  <a:pt x="481858" y="695774"/>
-                </a:lnTo>
-                <a:lnTo>
-                  <a:pt x="581897" y="680711"/>
-                </a:lnTo>
-                <a:lnTo>
-                  <a:pt x="683670" y="665256"/>
-                </a:lnTo>
-                <a:lnTo>
-                  <a:pt x="787206" y="649587"/>
-                </a:lnTo>
-                <a:lnTo>
-                  <a:pt x="892019" y="632968"/>
-                </a:lnTo>
-                <a:lnTo>
-                  <a:pt x="997620" y="614667"/>
-                </a:lnTo>
-                <a:lnTo>
-                  <a:pt x="1104727" y="596741"/>
-                </a:lnTo>
-                <a:lnTo>
-                  <a:pt x="1212669" y="577397"/>
-                </a:lnTo>
-                <a:lnTo>
-                  <a:pt x="1321506" y="556988"/>
-                </a:lnTo>
-                <a:lnTo>
-                  <a:pt x="1430709" y="536607"/>
-                </a:lnTo>
-                <a:lnTo>
-                  <a:pt x="1541050" y="514481"/>
-                </a:lnTo>
-                <a:lnTo>
-                  <a:pt x="1652805" y="492202"/>
-                </a:lnTo>
-                <a:lnTo>
-                  <a:pt x="1763708" y="469161"/>
-                </a:lnTo>
-                <a:lnTo>
-                  <a:pt x="1875795" y="444641"/>
-                </a:lnTo>
-                <a:lnTo>
-                  <a:pt x="1989128" y="418995"/>
-                </a:lnTo>
-                <a:lnTo>
-                  <a:pt x="2102476" y="393438"/>
-                </a:lnTo>
-                <a:lnTo>
-                  <a:pt x="2215549" y="366291"/>
-                </a:lnTo>
-                <a:lnTo>
-                  <a:pt x="2330490" y="337455"/>
-                </a:lnTo>
-                <a:lnTo>
-                  <a:pt x="2443333" y="308983"/>
-                </a:lnTo>
-                <a:lnTo>
-                  <a:pt x="2558014" y="278646"/>
-                </a:lnTo>
-                <a:lnTo>
-                  <a:pt x="2673621" y="247421"/>
-                </a:lnTo>
-                <a:lnTo>
-                  <a:pt x="2787008" y="215853"/>
-                </a:lnTo>
-                <a:lnTo>
-                  <a:pt x="2901442" y="182011"/>
-                </a:lnTo>
-                <a:lnTo>
-                  <a:pt x="3015722" y="147286"/>
-                </a:lnTo>
-                <a:lnTo>
-                  <a:pt x="3130018" y="112649"/>
-                </a:lnTo>
-                <a:lnTo>
-                  <a:pt x="3243551" y="75688"/>
-                </a:lnTo>
-                <a:lnTo>
-                  <a:pt x="3356992" y="38197"/>
-                </a:lnTo>
-                <a:lnTo>
-                  <a:pt x="3470310" y="0"/>
-                </a:lnTo>
-                <a:close/>
-              </a:path>
-            </a:pathLst>
-          </a:custGeom>
-          <a:solidFill>
-            <a:schemeClr val="bg1">
-              <a:alpha val="20000"/>
-            </a:schemeClr>
-          </a:solidFill>
-          <a:ln>
-            <a:noFill/>
-          </a:ln>
-        </p:spPr>
-        <p:txBody>
-          <a:bodyPr rtlCol="0" anchor="ctr"/>
-          <a:lstStyle/>
-          <a:p>
-            <a:pPr marL="0" marR="0" lvl="0" indent="0" algn="ctr" defTabSz="914400" rtl="0" eaLnBrk="1" fontAlgn="auto" latinLnBrk="0" hangingPunct="1">
-              <a:lnSpc>
-                <a:spcPct val="100000"/>
-              </a:lnSpc>
-              <a:spcBef>
-                <a:spcPts val="0"/>
-              </a:spcBef>
-              <a:spcAft>
-                <a:spcPts val="0"/>
-              </a:spcAft>
-              <a:buClrTx/>
-              <a:buSzTx/>
-              <a:buFontTx/>
-              <a:buNone/>
-              <a:tabLst/>
-              <a:defRPr/>
-            </a:pPr>
-            <a:endParaRPr kumimoji="0" lang="en-US" sz="1800" b="0" i="0" u="none" strike="noStrike" kern="1200" cap="none" spc="0" normalizeH="0" baseline="0" noProof="0">
-              <a:ln>
-                <a:noFill/>
-              </a:ln>
-              <a:solidFill>
-                <a:prstClr val="black"/>
-              </a:solidFill>
-              <a:effectLst/>
-              <a:uLnTx/>
-              <a:uFillTx/>
-              <a:latin typeface="Century Gothic" panose="020B0502020202020204"/>
-              <a:ea typeface="+mn-ea"/>
-              <a:cs typeface="+mn-cs"/>
-            </a:endParaRPr>
-          </a:p>
-        </p:txBody>
-      </p:sp>
-      <p:sp useBgFill="1">
-        <p:nvSpPr>
-          <p:cNvPr id="26" name="Freeform: Shape 25">
-            <a:extLst>
-              <a:ext uri="{FF2B5EF4-FFF2-40B4-BE49-F238E27FC236}">
-                <a16:creationId xmlns:a16="http://schemas.microsoft.com/office/drawing/2014/main" id="{6A681326-1C9D-44A3-A627-3871BDAE4127}"/>
-              </a:ext>
-              <a:ext uri="{C183D7F6-B498-43B3-948B-1728B52AA6E4}">
-                <adec:decorative xmlns:adec="http://schemas.microsoft.com/office/drawing/2017/decorative" val="1"/>
-              </a:ext>
-            </a:extLst>
-          </p:cNvPr>
-          <p:cNvSpPr>
-            <a:spLocks noGrp="1" noRot="1" noChangeAspect="1" noMove="1" noResize="1" noEditPoints="1" noAdjustHandles="1" noChangeArrowheads="1" noChangeShapeType="1" noTextEdit="1"/>
-          </p:cNvSpPr>
-          <p:nvPr>
-            <p:extLst>
-              <p:ext uri="{386F3935-93C4-4BCD-93E2-E3B085C9AB24}">
-                <p16:designElem xmlns:p16="http://schemas.microsoft.com/office/powerpoint/2015/main" val="1"/>
-              </p:ext>
-            </p:extLst>
-          </p:nvPr>
-        </p:nvSpPr>
-        <p:spPr bwMode="gray">
-          <a:xfrm>
-            <a:off x="1" y="1762067"/>
-            <a:ext cx="12192417" cy="5095933"/>
-          </a:xfrm>
-          <a:custGeom>
-            <a:avLst/>
-            <a:gdLst>
-              <a:gd name="connsiteX0" fmla="*/ 0 w 12192417"/>
-              <a:gd name="connsiteY0" fmla="*/ 0 h 5095933"/>
-              <a:gd name="connsiteX1" fmla="*/ 71931 w 12192417"/>
-              <a:gd name="connsiteY1" fmla="*/ 12261 h 5095933"/>
-              <a:gd name="connsiteX2" fmla="*/ 282848 w 12192417"/>
-              <a:gd name="connsiteY2" fmla="*/ 48343 h 5095933"/>
-              <a:gd name="connsiteX3" fmla="*/ 436463 w 12192417"/>
-              <a:gd name="connsiteY3" fmla="*/ 73565 h 5095933"/>
-              <a:gd name="connsiteX4" fmla="*/ 619338 w 12192417"/>
-              <a:gd name="connsiteY4" fmla="*/ 100188 h 5095933"/>
-              <a:gd name="connsiteX5" fmla="*/ 836350 w 12192417"/>
-              <a:gd name="connsiteY5" fmla="*/ 132066 h 5095933"/>
-              <a:gd name="connsiteX6" fmla="*/ 1076527 w 12192417"/>
-              <a:gd name="connsiteY6" fmla="*/ 165696 h 5095933"/>
-              <a:gd name="connsiteX7" fmla="*/ 1347183 w 12192417"/>
-              <a:gd name="connsiteY7" fmla="*/ 201077 h 5095933"/>
-              <a:gd name="connsiteX8" fmla="*/ 1642222 w 12192417"/>
-              <a:gd name="connsiteY8" fmla="*/ 238560 h 5095933"/>
-              <a:gd name="connsiteX9" fmla="*/ 1962863 w 12192417"/>
-              <a:gd name="connsiteY9" fmla="*/ 276043 h 5095933"/>
-              <a:gd name="connsiteX10" fmla="*/ 2304231 w 12192417"/>
-              <a:gd name="connsiteY10" fmla="*/ 314227 h 5095933"/>
-              <a:gd name="connsiteX11" fmla="*/ 2672420 w 12192417"/>
-              <a:gd name="connsiteY11" fmla="*/ 349608 h 5095933"/>
-              <a:gd name="connsiteX12" fmla="*/ 3057677 w 12192417"/>
-              <a:gd name="connsiteY12" fmla="*/ 383588 h 5095933"/>
-              <a:gd name="connsiteX13" fmla="*/ 3464880 w 12192417"/>
-              <a:gd name="connsiteY13" fmla="*/ 414415 h 5095933"/>
-              <a:gd name="connsiteX14" fmla="*/ 3889151 w 12192417"/>
-              <a:gd name="connsiteY14" fmla="*/ 443841 h 5095933"/>
-              <a:gd name="connsiteX15" fmla="*/ 4331709 w 12192417"/>
-              <a:gd name="connsiteY15" fmla="*/ 471515 h 5095933"/>
-              <a:gd name="connsiteX16" fmla="*/ 4558475 w 12192417"/>
-              <a:gd name="connsiteY16" fmla="*/ 481324 h 5095933"/>
-              <a:gd name="connsiteX17" fmla="*/ 4790117 w 12192417"/>
-              <a:gd name="connsiteY17" fmla="*/ 492183 h 5095933"/>
-              <a:gd name="connsiteX18" fmla="*/ 5025417 w 12192417"/>
-              <a:gd name="connsiteY18" fmla="*/ 502342 h 5095933"/>
-              <a:gd name="connsiteX19" fmla="*/ 5261936 w 12192417"/>
-              <a:gd name="connsiteY19" fmla="*/ 508998 h 5095933"/>
-              <a:gd name="connsiteX20" fmla="*/ 5503331 w 12192417"/>
-              <a:gd name="connsiteY20" fmla="*/ 514953 h 5095933"/>
-              <a:gd name="connsiteX21" fmla="*/ 5747166 w 12192417"/>
-              <a:gd name="connsiteY21" fmla="*/ 521259 h 5095933"/>
-              <a:gd name="connsiteX22" fmla="*/ 5995876 w 12192417"/>
-              <a:gd name="connsiteY22" fmla="*/ 525463 h 5095933"/>
-              <a:gd name="connsiteX23" fmla="*/ 6247025 w 12192417"/>
-              <a:gd name="connsiteY23" fmla="*/ 525463 h 5095933"/>
-              <a:gd name="connsiteX24" fmla="*/ 6500612 w 12192417"/>
-              <a:gd name="connsiteY24" fmla="*/ 527565 h 5095933"/>
-              <a:gd name="connsiteX25" fmla="*/ 6756638 w 12192417"/>
-              <a:gd name="connsiteY25" fmla="*/ 525463 h 5095933"/>
-              <a:gd name="connsiteX26" fmla="*/ 7016321 w 12192417"/>
-              <a:gd name="connsiteY26" fmla="*/ 521259 h 5095933"/>
-              <a:gd name="connsiteX27" fmla="*/ 7276004 w 12192417"/>
-              <a:gd name="connsiteY27" fmla="*/ 517406 h 5095933"/>
-              <a:gd name="connsiteX28" fmla="*/ 7539344 w 12192417"/>
-              <a:gd name="connsiteY28" fmla="*/ 508998 h 5095933"/>
-              <a:gd name="connsiteX29" fmla="*/ 7805123 w 12192417"/>
-              <a:gd name="connsiteY29" fmla="*/ 500241 h 5095933"/>
-              <a:gd name="connsiteX30" fmla="*/ 8070902 w 12192417"/>
-              <a:gd name="connsiteY30" fmla="*/ 490082 h 5095933"/>
-              <a:gd name="connsiteX31" fmla="*/ 8339120 w 12192417"/>
-              <a:gd name="connsiteY31" fmla="*/ 475719 h 5095933"/>
-              <a:gd name="connsiteX32" fmla="*/ 8609775 w 12192417"/>
-              <a:gd name="connsiteY32" fmla="*/ 458554 h 5095933"/>
-              <a:gd name="connsiteX33" fmla="*/ 8881650 w 12192417"/>
-              <a:gd name="connsiteY33" fmla="*/ 442089 h 5095933"/>
-              <a:gd name="connsiteX34" fmla="*/ 9153525 w 12192417"/>
-              <a:gd name="connsiteY34" fmla="*/ 421071 h 5095933"/>
-              <a:gd name="connsiteX35" fmla="*/ 9429057 w 12192417"/>
-              <a:gd name="connsiteY35" fmla="*/ 395849 h 5095933"/>
-              <a:gd name="connsiteX36" fmla="*/ 9700932 w 12192417"/>
-              <a:gd name="connsiteY36" fmla="*/ 370626 h 5095933"/>
-              <a:gd name="connsiteX37" fmla="*/ 9977683 w 12192417"/>
-              <a:gd name="connsiteY37" fmla="*/ 341551 h 5095933"/>
-              <a:gd name="connsiteX38" fmla="*/ 10255654 w 12192417"/>
-              <a:gd name="connsiteY38" fmla="*/ 309673 h 5095933"/>
-              <a:gd name="connsiteX39" fmla="*/ 10529967 w 12192417"/>
-              <a:gd name="connsiteY39" fmla="*/ 276043 h 5095933"/>
-              <a:gd name="connsiteX40" fmla="*/ 10807938 w 12192417"/>
-              <a:gd name="connsiteY40" fmla="*/ 236809 h 5095933"/>
-              <a:gd name="connsiteX41" fmla="*/ 11084689 w 12192417"/>
-              <a:gd name="connsiteY41" fmla="*/ 194772 h 5095933"/>
-              <a:gd name="connsiteX42" fmla="*/ 11362660 w 12192417"/>
-              <a:gd name="connsiteY42" fmla="*/ 153085 h 5095933"/>
-              <a:gd name="connsiteX43" fmla="*/ 11639411 w 12192417"/>
-              <a:gd name="connsiteY43" fmla="*/ 104392 h 5095933"/>
-              <a:gd name="connsiteX44" fmla="*/ 11914944 w 12192417"/>
-              <a:gd name="connsiteY44" fmla="*/ 54648 h 5095933"/>
-              <a:gd name="connsiteX45" fmla="*/ 12191695 w 12192417"/>
-              <a:gd name="connsiteY45" fmla="*/ 2452 h 5095933"/>
-              <a:gd name="connsiteX46" fmla="*/ 12191695 w 12192417"/>
-              <a:gd name="connsiteY46" fmla="*/ 2162231 h 5095933"/>
-              <a:gd name="connsiteX47" fmla="*/ 12192417 w 12192417"/>
-              <a:gd name="connsiteY47" fmla="*/ 2162231 h 5095933"/>
-              <a:gd name="connsiteX48" fmla="*/ 12192417 w 12192417"/>
-              <a:gd name="connsiteY48" fmla="*/ 5095933 h 5095933"/>
-              <a:gd name="connsiteX49" fmla="*/ 0 w 12192417"/>
-              <a:gd name="connsiteY49" fmla="*/ 5095933 h 5095933"/>
-              <a:gd name="connsiteX50" fmla="*/ 0 w 12192417"/>
-              <a:gd name="connsiteY50" fmla="*/ 2791958 h 5095933"/>
-              <a:gd name="connsiteX51" fmla="*/ 0 w 12192417"/>
-              <a:gd name="connsiteY51" fmla="*/ 2162231 h 5095933"/>
-            </a:gdLst>
-            <a:ahLst/>
-            <a:cxnLst>
-              <a:cxn ang="0">
-                <a:pos x="connsiteX0" y="connsiteY0"/>
-              </a:cxn>
-              <a:cxn ang="0">
-                <a:pos x="connsiteX1" y="connsiteY1"/>
-              </a:cxn>
-              <a:cxn ang="0">
-                <a:pos x="connsiteX2" y="connsiteY2"/>
-              </a:cxn>
-              <a:cxn ang="0">
-                <a:pos x="connsiteX3" y="connsiteY3"/>
-              </a:cxn>
-              <a:cxn ang="0">
-                <a:pos x="connsiteX4" y="connsiteY4"/>
-              </a:cxn>
-              <a:cxn ang="0">
-                <a:pos x="connsiteX5" y="connsiteY5"/>
-              </a:cxn>
-              <a:cxn ang="0">
-                <a:pos x="connsiteX6" y="connsiteY6"/>
-              </a:cxn>
-              <a:cxn ang="0">
-                <a:pos x="connsiteX7" y="connsiteY7"/>
-              </a:cxn>
-              <a:cxn ang="0">
-                <a:pos x="connsiteX8" y="connsiteY8"/>
-              </a:cxn>
-              <a:cxn ang="0">
-                <a:pos x="connsiteX9" y="connsiteY9"/>
-              </a:cxn>
-              <a:cxn ang="0">
-                <a:pos x="connsiteX10" y="connsiteY10"/>
-              </a:cxn>
-              <a:cxn ang="0">
-                <a:pos x="connsiteX11" y="connsiteY11"/>
-              </a:cxn>
-              <a:cxn ang="0">
-                <a:pos x="connsiteX12" y="connsiteY12"/>
-              </a:cxn>
-              <a:cxn ang="0">
-                <a:pos x="connsiteX13" y="connsiteY13"/>
-              </a:cxn>
-              <a:cxn ang="0">
-                <a:pos x="connsiteX14" y="connsiteY14"/>
-              </a:cxn>
-              <a:cxn ang="0">
-                <a:pos x="connsiteX15" y="connsiteY15"/>
-              </a:cxn>
-              <a:cxn ang="0">
-                <a:pos x="connsiteX16" y="connsiteY16"/>
-              </a:cxn>
-              <a:cxn ang="0">
-                <a:pos x="connsiteX17" y="connsiteY17"/>
-              </a:cxn>
-              <a:cxn ang="0">
-                <a:pos x="connsiteX18" y="connsiteY18"/>
-              </a:cxn>
-              <a:cxn ang="0">
-                <a:pos x="connsiteX19" y="connsiteY19"/>
-              </a:cxn>
-              <a:cxn ang="0">
-                <a:pos x="connsiteX20" y="connsiteY20"/>
-              </a:cxn>
-              <a:cxn ang="0">
-                <a:pos x="connsiteX21" y="connsiteY21"/>
-              </a:cxn>
-              <a:cxn ang="0">
-                <a:pos x="connsiteX22" y="connsiteY22"/>
-              </a:cxn>
-              <a:cxn ang="0">
-                <a:pos x="connsiteX23" y="connsiteY23"/>
-              </a:cxn>
-              <a:cxn ang="0">
-                <a:pos x="connsiteX24" y="connsiteY24"/>
-              </a:cxn>
-              <a:cxn ang="0">
-                <a:pos x="connsiteX25" y="connsiteY25"/>
-              </a:cxn>
-              <a:cxn ang="0">
-                <a:pos x="connsiteX26" y="connsiteY26"/>
-              </a:cxn>
-              <a:cxn ang="0">
-                <a:pos x="connsiteX27" y="connsiteY27"/>
-              </a:cxn>
-              <a:cxn ang="0">
-                <a:pos x="connsiteX28" y="connsiteY28"/>
-              </a:cxn>
-              <a:cxn ang="0">
-                <a:pos x="connsiteX29" y="connsiteY29"/>
-              </a:cxn>
-              <a:cxn ang="0">
-                <a:pos x="connsiteX30" y="connsiteY30"/>
-              </a:cxn>
-              <a:cxn ang="0">
-                <a:pos x="connsiteX31" y="connsiteY31"/>
-              </a:cxn>
-              <a:cxn ang="0">
-                <a:pos x="connsiteX32" y="connsiteY32"/>
-              </a:cxn>
-              <a:cxn ang="0">
-                <a:pos x="connsiteX33" y="connsiteY33"/>
-              </a:cxn>
-              <a:cxn ang="0">
-                <a:pos x="connsiteX34" y="connsiteY34"/>
-              </a:cxn>
-              <a:cxn ang="0">
-                <a:pos x="connsiteX35" y="connsiteY35"/>
-              </a:cxn>
-              <a:cxn ang="0">
-                <a:pos x="connsiteX36" y="connsiteY36"/>
-              </a:cxn>
-              <a:cxn ang="0">
-                <a:pos x="connsiteX37" y="connsiteY37"/>
-              </a:cxn>
-              <a:cxn ang="0">
-                <a:pos x="connsiteX38" y="connsiteY38"/>
-              </a:cxn>
-              <a:cxn ang="0">
-                <a:pos x="connsiteX39" y="connsiteY39"/>
-              </a:cxn>
-              <a:cxn ang="0">
-                <a:pos x="connsiteX40" y="connsiteY40"/>
-              </a:cxn>
-              <a:cxn ang="0">
-                <a:pos x="connsiteX41" y="connsiteY41"/>
-              </a:cxn>
-              <a:cxn ang="0">
-                <a:pos x="connsiteX42" y="connsiteY42"/>
-              </a:cxn>
-              <a:cxn ang="0">
-                <a:pos x="connsiteX43" y="connsiteY43"/>
-              </a:cxn>
-              <a:cxn ang="0">
-                <a:pos x="connsiteX44" y="connsiteY44"/>
-              </a:cxn>
-              <a:cxn ang="0">
-                <a:pos x="connsiteX45" y="connsiteY45"/>
-              </a:cxn>
-              <a:cxn ang="0">
-                <a:pos x="connsiteX46" y="connsiteY46"/>
-              </a:cxn>
-              <a:cxn ang="0">
-                <a:pos x="connsiteX47" y="connsiteY47"/>
-              </a:cxn>
-              <a:cxn ang="0">
-                <a:pos x="connsiteX48" y="connsiteY48"/>
-              </a:cxn>
-              <a:cxn ang="0">
-                <a:pos x="connsiteX49" y="connsiteY49"/>
-              </a:cxn>
-              <a:cxn ang="0">
-                <a:pos x="connsiteX50" y="connsiteY50"/>
-              </a:cxn>
-              <a:cxn ang="0">
-                <a:pos x="connsiteX51" y="connsiteY51"/>
-              </a:cxn>
-            </a:cxnLst>
-            <a:rect l="l" t="t" r="r" b="b"/>
-            <a:pathLst>
-              <a:path w="12192417" h="5095933">
-                <a:moveTo>
-                  <a:pt x="0" y="0"/>
-                </a:moveTo>
-                <a:lnTo>
-                  <a:pt x="71931" y="12261"/>
-                </a:lnTo>
-                <a:lnTo>
-                  <a:pt x="282848" y="48343"/>
-                </a:lnTo>
-                <a:lnTo>
-                  <a:pt x="436463" y="73565"/>
-                </a:lnTo>
-                <a:lnTo>
-                  <a:pt x="619338" y="100188"/>
-                </a:lnTo>
-                <a:lnTo>
-                  <a:pt x="836350" y="132066"/>
-                </a:lnTo>
-                <a:lnTo>
-                  <a:pt x="1076527" y="165696"/>
-                </a:lnTo>
-                <a:lnTo>
-                  <a:pt x="1347183" y="201077"/>
-                </a:lnTo>
-                <a:lnTo>
-                  <a:pt x="1642222" y="238560"/>
-                </a:lnTo>
-                <a:lnTo>
-                  <a:pt x="1962863" y="276043"/>
-                </a:lnTo>
-                <a:lnTo>
-                  <a:pt x="2304231" y="314227"/>
-                </a:lnTo>
-                <a:lnTo>
-                  <a:pt x="2672420" y="349608"/>
-                </a:lnTo>
-                <a:lnTo>
-                  <a:pt x="3057677" y="383588"/>
-                </a:lnTo>
-                <a:lnTo>
-                  <a:pt x="3464880" y="414415"/>
-                </a:lnTo>
-                <a:lnTo>
-                  <a:pt x="3889151" y="443841"/>
-                </a:lnTo>
-                <a:lnTo>
-                  <a:pt x="4331709" y="471515"/>
-                </a:lnTo>
-                <a:lnTo>
-                  <a:pt x="4558475" y="481324"/>
-                </a:lnTo>
-                <a:lnTo>
-                  <a:pt x="4790117" y="492183"/>
-                </a:lnTo>
-                <a:lnTo>
-                  <a:pt x="5025417" y="502342"/>
-                </a:lnTo>
-                <a:lnTo>
-                  <a:pt x="5261936" y="508998"/>
-                </a:lnTo>
-                <a:lnTo>
-                  <a:pt x="5503331" y="514953"/>
-                </a:lnTo>
-                <a:lnTo>
-                  <a:pt x="5747166" y="521259"/>
-                </a:lnTo>
-                <a:lnTo>
-                  <a:pt x="5995876" y="525463"/>
-                </a:lnTo>
-                <a:lnTo>
-                  <a:pt x="6247025" y="525463"/>
-                </a:lnTo>
-                <a:lnTo>
-                  <a:pt x="6500612" y="527565"/>
-                </a:lnTo>
-                <a:lnTo>
-                  <a:pt x="6756638" y="525463"/>
-                </a:lnTo>
-                <a:lnTo>
-                  <a:pt x="7016321" y="521259"/>
-                </a:lnTo>
-                <a:lnTo>
-                  <a:pt x="7276004" y="517406"/>
-                </a:lnTo>
-                <a:lnTo>
-                  <a:pt x="7539344" y="508998"/>
-                </a:lnTo>
-                <a:lnTo>
-                  <a:pt x="7805123" y="500241"/>
-                </a:lnTo>
-                <a:lnTo>
-                  <a:pt x="8070902" y="490082"/>
-                </a:lnTo>
-                <a:lnTo>
-                  <a:pt x="8339120" y="475719"/>
-                </a:lnTo>
-                <a:lnTo>
-                  <a:pt x="8609775" y="458554"/>
-                </a:lnTo>
-                <a:lnTo>
-                  <a:pt x="8881650" y="442089"/>
-                </a:lnTo>
-                <a:lnTo>
-                  <a:pt x="9153525" y="421071"/>
-                </a:lnTo>
-                <a:lnTo>
-                  <a:pt x="9429057" y="395849"/>
-                </a:lnTo>
-                <a:lnTo>
-                  <a:pt x="9700932" y="370626"/>
-                </a:lnTo>
-                <a:lnTo>
-                  <a:pt x="9977683" y="341551"/>
-                </a:lnTo>
-                <a:lnTo>
-                  <a:pt x="10255654" y="309673"/>
-                </a:lnTo>
-                <a:lnTo>
-                  <a:pt x="10529967" y="276043"/>
-                </a:lnTo>
-                <a:lnTo>
-                  <a:pt x="10807938" y="236809"/>
-                </a:lnTo>
-                <a:lnTo>
-                  <a:pt x="11084689" y="194772"/>
-                </a:lnTo>
-                <a:lnTo>
-                  <a:pt x="11362660" y="153085"/>
-                </a:lnTo>
-                <a:lnTo>
-                  <a:pt x="11639411" y="104392"/>
-                </a:lnTo>
-                <a:lnTo>
-                  <a:pt x="11914944" y="54648"/>
-                </a:lnTo>
-                <a:lnTo>
-                  <a:pt x="12191695" y="2452"/>
-                </a:lnTo>
-                <a:lnTo>
-                  <a:pt x="12191695" y="2162231"/>
-                </a:lnTo>
-                <a:lnTo>
-                  <a:pt x="12192417" y="2162231"/>
-                </a:lnTo>
-                <a:lnTo>
-                  <a:pt x="12192417" y="5095933"/>
-                </a:lnTo>
-                <a:lnTo>
-                  <a:pt x="0" y="5095933"/>
-                </a:lnTo>
-                <a:lnTo>
-                  <a:pt x="0" y="2791958"/>
-                </a:lnTo>
-                <a:lnTo>
-                  <a:pt x="0" y="2162231"/>
-                </a:lnTo>
-                <a:close/>
-              </a:path>
-            </a:pathLst>
-          </a:custGeom>
-          <a:ln>
-            <a:noFill/>
-          </a:ln>
-        </p:spPr>
-      </p:sp>
-      <p:sp>
-        <p:nvSpPr>
-          <p:cNvPr id="2" name="Title 1">
-            <a:extLst>
-              <a:ext uri="{FF2B5EF4-FFF2-40B4-BE49-F238E27FC236}">
-                <a16:creationId xmlns:a16="http://schemas.microsoft.com/office/drawing/2014/main" id="{4B122DE4-B229-4F46-8EF5-AF3EF6D7BA39}"/>
-              </a:ext>
-            </a:extLst>
-          </p:cNvPr>
-          <p:cNvSpPr>
-            <a:spLocks noGrp="1"/>
-          </p:cNvSpPr>
-          <p:nvPr>
-            <p:ph type="title"/>
-          </p:nvPr>
-        </p:nvSpPr>
-        <p:spPr>
-          <a:xfrm>
-            <a:off x="1103312" y="452718"/>
-            <a:ext cx="8947522" cy="1400530"/>
-          </a:xfrm>
-        </p:spPr>
-        <p:txBody>
-          <a:bodyPr vert="horz" lIns="91440" tIns="45720" rIns="91440" bIns="45720" rtlCol="0" anchor="ctr">
-            <a:normAutofit/>
-          </a:bodyPr>
-          <a:lstStyle/>
-          <a:p>
-            <a:r>
-              <a:rPr lang="en-US" altLang="zh-CN" sz="4200" b="0" i="0" kern="1200" dirty="0">
-                <a:solidFill>
-                  <a:srgbClr val="FFFFFF"/>
-                </a:solidFill>
-                <a:latin typeface="+mj-lt"/>
-                <a:ea typeface="+mj-ea"/>
-                <a:cs typeface="+mj-cs"/>
-              </a:rPr>
-              <a:t>Model Selection</a:t>
-            </a:r>
-            <a:endParaRPr lang="en-US" sz="4200" b="0" i="0" kern="1200" dirty="0">
-              <a:solidFill>
-                <a:srgbClr val="FFFFFF"/>
-              </a:solidFill>
-              <a:latin typeface="+mj-lt"/>
-              <a:ea typeface="+mj-ea"/>
-              <a:cs typeface="+mj-cs"/>
-            </a:endParaRPr>
-          </a:p>
-        </p:txBody>
-      </p:sp>
-      <p:sp>
-        <p:nvSpPr>
-          <p:cNvPr id="3" name="Vertical Text Placeholder 2">
-            <a:extLst>
-              <a:ext uri="{FF2B5EF4-FFF2-40B4-BE49-F238E27FC236}">
-                <a16:creationId xmlns:a16="http://schemas.microsoft.com/office/drawing/2014/main" id="{C3387D0A-E8B6-3C4C-87A6-E6B39D693450}"/>
-              </a:ext>
-            </a:extLst>
-          </p:cNvPr>
-          <p:cNvSpPr>
-            <a:spLocks noGrp="1"/>
-          </p:cNvSpPr>
-          <p:nvPr>
-            <p:ph type="body" orient="vert" idx="1"/>
-          </p:nvPr>
-        </p:nvSpPr>
-        <p:spPr>
-          <a:xfrm>
-            <a:off x="1103312" y="2073595"/>
-            <a:ext cx="9834764" cy="4546940"/>
-          </a:xfrm>
-        </p:spPr>
-        <p:txBody>
-          <a:bodyPr vert="horz" lIns="91440" tIns="45720" rIns="91440" bIns="45720" rtlCol="0">
-            <a:normAutofit/>
-          </a:bodyPr>
-          <a:lstStyle/>
-          <a:p>
-            <a:pPr>
-              <a:buClr>
-                <a:schemeClr val="tx2"/>
-              </a:buClr>
-            </a:pPr>
-            <a:r>
-              <a:rPr lang="en-US" sz="2400" dirty="0"/>
-              <a:t>Forward regression</a:t>
-            </a:r>
-          </a:p>
-          <a:p>
-            <a:pPr marL="0" indent="0">
-              <a:buClr>
-                <a:schemeClr val="tx2"/>
-              </a:buClr>
-              <a:buNone/>
-            </a:pPr>
-            <a:r>
-              <a:rPr lang="en-US" sz="1600" dirty="0"/>
-              <a:t>       ABDOMEN, WEIGHT and WRIST are significant variables in forward regression</a:t>
-            </a:r>
-          </a:p>
-          <a:p>
-            <a:pPr marL="0" indent="0">
-              <a:buClr>
-                <a:schemeClr val="tx2"/>
-              </a:buClr>
-              <a:buNone/>
-            </a:pPr>
-            <a:endParaRPr lang="en-US" sz="2400" dirty="0"/>
-          </a:p>
-          <a:p>
-            <a:pPr>
-              <a:buClr>
-                <a:schemeClr val="tx2"/>
-              </a:buClr>
-            </a:pPr>
-            <a:endParaRPr lang="en-US" sz="2400" dirty="0"/>
-          </a:p>
-          <a:p>
-            <a:pPr>
-              <a:buClr>
-                <a:schemeClr val="tx2"/>
-              </a:buClr>
-            </a:pPr>
-            <a:endParaRPr lang="en-US" sz="2400" dirty="0"/>
-          </a:p>
-          <a:p>
-            <a:pPr>
-              <a:buClr>
-                <a:schemeClr val="tx2"/>
-              </a:buClr>
-            </a:pPr>
-            <a:r>
-              <a:rPr lang="en-US" sz="2400" dirty="0"/>
-              <a:t>Backward regression </a:t>
-            </a:r>
-          </a:p>
-          <a:p>
-            <a:pPr marL="0" indent="0">
-              <a:buClr>
-                <a:schemeClr val="tx2"/>
-              </a:buClr>
-              <a:buNone/>
-            </a:pPr>
-            <a:r>
-              <a:rPr lang="en-US" sz="1600" dirty="0"/>
-              <a:t>       ABDOMEN, WRIST are significant variables in backward regression</a:t>
-            </a:r>
-            <a:endParaRPr lang="en-US" sz="2400" dirty="0"/>
-          </a:p>
-        </p:txBody>
-      </p:sp>
-      <p:pic>
-        <p:nvPicPr>
-          <p:cNvPr id="4" name="Picture 3">
-            <a:extLst>
-              <a:ext uri="{FF2B5EF4-FFF2-40B4-BE49-F238E27FC236}">
-                <a16:creationId xmlns:a16="http://schemas.microsoft.com/office/drawing/2014/main" id="{CADB1EF8-67BE-44E2-96BC-05C5018EE897}"/>
-              </a:ext>
-            </a:extLst>
-          </p:cNvPr>
-          <p:cNvPicPr>
-            <a:picLocks noChangeAspect="1"/>
-          </p:cNvPicPr>
-          <p:nvPr/>
-        </p:nvPicPr>
-        <p:blipFill>
-          <a:blip r:embed="rId6"/>
-          <a:stretch>
-            <a:fillRect/>
-          </a:stretch>
-        </p:blipFill>
-        <p:spPr>
-          <a:xfrm>
-            <a:off x="3149157" y="2903474"/>
-            <a:ext cx="5192613" cy="1493468"/>
-          </a:xfrm>
-          <a:prstGeom prst="rect">
-            <a:avLst/>
-          </a:prstGeom>
-        </p:spPr>
-      </p:pic>
-      <p:pic>
-        <p:nvPicPr>
-          <p:cNvPr id="5" name="Picture 4">
-            <a:extLst>
-              <a:ext uri="{FF2B5EF4-FFF2-40B4-BE49-F238E27FC236}">
-                <a16:creationId xmlns:a16="http://schemas.microsoft.com/office/drawing/2014/main" id="{798CF9DF-2A97-4A2D-9131-D4E9A9EE2F71}"/>
-              </a:ext>
-            </a:extLst>
-          </p:cNvPr>
-          <p:cNvPicPr>
-            <a:picLocks noChangeAspect="1"/>
-          </p:cNvPicPr>
-          <p:nvPr/>
-        </p:nvPicPr>
-        <p:blipFill>
-          <a:blip r:embed="rId7"/>
-          <a:stretch>
-            <a:fillRect/>
-          </a:stretch>
-        </p:blipFill>
-        <p:spPr>
-          <a:xfrm>
-            <a:off x="3031836" y="5257800"/>
-            <a:ext cx="5434272" cy="1399113"/>
-          </a:xfrm>
-          <a:prstGeom prst="rect">
-            <a:avLst/>
-          </a:prstGeom>
-        </p:spPr>
-      </p:pic>
-    </p:spTree>
-    <p:extLst>
-      <p:ext uri="{BB962C8B-B14F-4D97-AF65-F5344CB8AC3E}">
-        <p14:creationId xmlns:p14="http://schemas.microsoft.com/office/powerpoint/2010/main" val="114972281"/>
-      </p:ext>
-    </p:extLst>
-  </p:cSld>
-  <p:clrMapOvr>
-    <a:overrideClrMapping bg1="lt1" tx1="dk1" bg2="lt2" tx2="dk2" accent1="accent1" accent2="accent2" accent3="accent3" accent4="accent4" accent5="accent5" accent6="accent6" hlink="hlink" folHlink="folHlink"/>
-  </p:clrMapOvr>
-</p:sld>
-</file>
-
-<file path=ppt/slides/slide8.xml><?xml version="1.0" encoding="utf-8"?>
-<p:sld xmlns:a="http://schemas.openxmlformats.org/drawingml/2006/main" xmlns:r="http://schemas.openxmlformats.org/officeDocument/2006/relationships" xmlns:p="http://schemas.openxmlformats.org/presentationml/2006/main">
-  <p:cSld>
-    <p:bg>
-      <p:bgPr>
-        <a:solidFill>
-          <a:schemeClr val="bg1"/>
-        </a:solidFill>
-        <a:effectLst/>
-      </p:bgPr>
-    </p:bg>
-    <p:spTree>
-      <p:nvGrpSpPr>
-        <p:cNvPr id="1" name=""/>
-        <p:cNvGrpSpPr/>
-        <p:nvPr/>
-      </p:nvGrpSpPr>
-      <p:grpSpPr>
-        <a:xfrm>
-          <a:off x="0" y="0"/>
-          <a:ext cx="0" cy="0"/>
-          <a:chOff x="0" y="0"/>
-          <a:chExt cx="0" cy="0"/>
-        </a:xfrm>
-      </p:grpSpPr>
-      <p:pic>
-        <p:nvPicPr>
-          <p:cNvPr id="8" name="Picture 7">
-            <a:extLst>
-              <a:ext uri="{FF2B5EF4-FFF2-40B4-BE49-F238E27FC236}">
-                <a16:creationId xmlns:a16="http://schemas.microsoft.com/office/drawing/2014/main" id="{91B28F63-CF00-448F-B141-FE33C33B1891}"/>
-              </a:ext>
-              <a:ext uri="{C183D7F6-B498-43B3-948B-1728B52AA6E4}">
-                <adec:decorative xmlns:adec="http://schemas.microsoft.com/office/drawing/2017/decorative" val="1"/>
-              </a:ext>
-            </a:extLst>
-          </p:cNvPr>
-          <p:cNvPicPr>
-            <a:picLocks noGrp="1" noRot="1" noChangeAspect="1" noMove="1" noResize="1" noEditPoints="1" noAdjustHandles="1" noChangeArrowheads="1" noChangeShapeType="1" noCrop="1"/>
-          </p:cNvPicPr>
-          <p:nvPr>
-            <p:extLst>
-              <p:ext uri="{386F3935-93C4-4BCD-93E2-E3B085C9AB24}">
-                <p16:designElem xmlns:p16="http://schemas.microsoft.com/office/powerpoint/2015/main" val="1"/>
-              </p:ext>
-            </p:extLst>
-          </p:nvPr>
-        </p:nvPicPr>
-        <p:blipFill rotWithShape="1">
-          <a:blip r:embed="rId2">
-            <a:extLst>
-              <a:ext uri="{28A0092B-C50C-407E-A947-70E740481C1C}">
-                <a14:useLocalDpi xmlns:a14="http://schemas.microsoft.com/office/drawing/2010/main" val="0"/>
-              </a:ext>
-            </a:extLst>
-          </a:blip>
-          <a:srcRect l="3613"/>
-          <a:stretch/>
-        </p:blipFill>
-        <p:spPr>
-          <a:xfrm>
-            <a:off x="0" y="2669685"/>
-            <a:ext cx="4037012" cy="4188315"/>
-          </a:xfrm>
-          <a:prstGeom prst="rect">
-            <a:avLst/>
-          </a:prstGeom>
-        </p:spPr>
-      </p:pic>
-      <p:pic>
-        <p:nvPicPr>
-          <p:cNvPr id="10" name="Picture 9">
-            <a:extLst>
-              <a:ext uri="{FF2B5EF4-FFF2-40B4-BE49-F238E27FC236}">
-                <a16:creationId xmlns:a16="http://schemas.microsoft.com/office/drawing/2014/main" id="{2AE609E2-8522-44E4-9077-980E5BCF3E14}"/>
-              </a:ext>
-              <a:ext uri="{C183D7F6-B498-43B3-948B-1728B52AA6E4}">
-                <adec:decorative xmlns:adec="http://schemas.microsoft.com/office/drawing/2017/decorative" val="1"/>
-              </a:ext>
-            </a:extLst>
-          </p:cNvPr>
-          <p:cNvPicPr>
-            <a:picLocks noGrp="1" noRot="1" noChangeAspect="1" noMove="1" noResize="1" noEditPoints="1" noAdjustHandles="1" noChangeArrowheads="1" noChangeShapeType="1" noCrop="1"/>
-          </p:cNvPicPr>
-          <p:nvPr>
-            <p:extLst>
-              <p:ext uri="{386F3935-93C4-4BCD-93E2-E3B085C9AB24}">
-                <p16:designElem xmlns:p16="http://schemas.microsoft.com/office/powerpoint/2015/main" val="1"/>
-              </p:ext>
-            </p:extLst>
-          </p:nvPr>
-        </p:nvPicPr>
-        <p:blipFill rotWithShape="1">
-          <a:blip r:embed="rId3">
-            <a:extLst>
-              <a:ext uri="{28A0092B-C50C-407E-A947-70E740481C1C}">
-                <a14:useLocalDpi xmlns:a14="http://schemas.microsoft.com/office/drawing/2010/main" val="0"/>
-              </a:ext>
-            </a:extLst>
-          </a:blip>
-          <a:srcRect l="35640"/>
-          <a:stretch/>
-        </p:blipFill>
-        <p:spPr>
-          <a:xfrm>
-            <a:off x="0" y="2892347"/>
-            <a:ext cx="1522412" cy="2365453"/>
-          </a:xfrm>
-          <a:prstGeom prst="rect">
-            <a:avLst/>
-          </a:prstGeom>
-        </p:spPr>
-      </p:pic>
-      <p:sp>
-        <p:nvSpPr>
-          <p:cNvPr id="12" name="Oval 11">
-            <a:extLst>
-              <a:ext uri="{FF2B5EF4-FFF2-40B4-BE49-F238E27FC236}">
-                <a16:creationId xmlns:a16="http://schemas.microsoft.com/office/drawing/2014/main" id="{4FA533C5-33E3-4611-AF9F-72811D8B26A6}"/>
-              </a:ext>
-              <a:ext uri="{C183D7F6-B498-43B3-948B-1728B52AA6E4}">
-                <adec:decorative xmlns:adec="http://schemas.microsoft.com/office/drawing/2017/decorative" val="1"/>
-              </a:ext>
-            </a:extLst>
-          </p:cNvPr>
-          <p:cNvSpPr>
-            <a:spLocks noGrp="1" noRot="1" noChangeAspect="1" noMove="1" noResize="1" noEditPoints="1" noAdjustHandles="1" noChangeArrowheads="1" noChangeShapeType="1" noTextEdit="1"/>
-          </p:cNvSpPr>
-          <p:nvPr>
-            <p:extLst>
-              <p:ext uri="{386F3935-93C4-4BCD-93E2-E3B085C9AB24}">
-                <p16:designElem xmlns:p16="http://schemas.microsoft.com/office/powerpoint/2015/main" val="1"/>
-              </p:ext>
-            </p:extLst>
-          </p:nvPr>
-        </p:nvSpPr>
-        <p:spPr>
-          <a:xfrm>
-            <a:off x="8609012" y="1676400"/>
-            <a:ext cx="2819400" cy="2819400"/>
-          </a:xfrm>
-          <a:prstGeom prst="ellipse">
-            <a:avLst/>
-          </a:prstGeom>
-          <a:gradFill flip="none" rotWithShape="1">
-            <a:gsLst>
-              <a:gs pos="0">
-                <a:schemeClr val="bg2">
-                  <a:lumMod val="60000"/>
-                  <a:lumOff val="40000"/>
-                  <a:alpha val="7000"/>
-                </a:schemeClr>
-              </a:gs>
-              <a:gs pos="69000">
-                <a:schemeClr val="bg2">
-                  <a:lumMod val="60000"/>
-                  <a:lumOff val="40000"/>
-                  <a:alpha val="0"/>
-                </a:schemeClr>
-              </a:gs>
-              <a:gs pos="36000">
-                <a:schemeClr val="bg2">
-                  <a:lumMod val="60000"/>
-                  <a:lumOff val="40000"/>
-                  <a:alpha val="6000"/>
-                </a:schemeClr>
-              </a:gs>
-            </a:gsLst>
-            <a:path path="circle">
-              <a:fillToRect l="50000" t="50000" r="50000" b="50000"/>
-            </a:path>
-            <a:tileRect/>
-          </a:gradFill>
-          <a:ln>
-            <a:noFill/>
-          </a:ln>
-          <a:effectLst/>
-        </p:spPr>
-        <p:style>
-          <a:lnRef idx="1">
-            <a:schemeClr val="accent1"/>
-          </a:lnRef>
-          <a:fillRef idx="3">
-            <a:schemeClr val="accent1"/>
-          </a:fillRef>
-          <a:effectRef idx="2">
-            <a:schemeClr val="accent1"/>
-          </a:effectRef>
-          <a:fontRef idx="minor">
-            <a:schemeClr val="lt1"/>
-          </a:fontRef>
-        </p:style>
-      </p:sp>
-      <p:pic>
-        <p:nvPicPr>
-          <p:cNvPr id="14" name="Picture 13">
-            <a:extLst>
-              <a:ext uri="{FF2B5EF4-FFF2-40B4-BE49-F238E27FC236}">
-                <a16:creationId xmlns:a16="http://schemas.microsoft.com/office/drawing/2014/main" id="{8949AD42-25FD-4C3D-9EEE-B7FEC5809988}"/>
-              </a:ext>
-              <a:ext uri="{C183D7F6-B498-43B3-948B-1728B52AA6E4}">
-                <adec:decorative xmlns:adec="http://schemas.microsoft.com/office/drawing/2017/decorative" val="1"/>
-              </a:ext>
-            </a:extLst>
-          </p:cNvPr>
-          <p:cNvPicPr>
-            <a:picLocks noGrp="1" noRot="1" noChangeAspect="1" noMove="1" noResize="1" noEditPoints="1" noAdjustHandles="1" noChangeArrowheads="1" noChangeShapeType="1" noCrop="1"/>
-          </p:cNvPicPr>
-          <p:nvPr>
-            <p:extLst>
-              <p:ext uri="{386F3935-93C4-4BCD-93E2-E3B085C9AB24}">
-                <p16:designElem xmlns:p16="http://schemas.microsoft.com/office/powerpoint/2015/main" val="1"/>
-              </p:ext>
-            </p:extLst>
-          </p:nvPr>
-        </p:nvPicPr>
-        <p:blipFill rotWithShape="1">
-          <a:blip r:embed="rId4">
-            <a:extLst>
-              <a:ext uri="{28A0092B-C50C-407E-A947-70E740481C1C}">
-                <a14:useLocalDpi xmlns:a14="http://schemas.microsoft.com/office/drawing/2010/main" val="0"/>
-              </a:ext>
-            </a:extLst>
-          </a:blip>
-          <a:srcRect t="28813"/>
-          <a:stretch/>
-        </p:blipFill>
-        <p:spPr>
-          <a:xfrm>
-            <a:off x="7999412" y="0"/>
-            <a:ext cx="1603387" cy="1141407"/>
-          </a:xfrm>
-          <a:prstGeom prst="rect">
-            <a:avLst/>
-          </a:prstGeom>
-        </p:spPr>
-      </p:pic>
-      <p:pic>
-        <p:nvPicPr>
-          <p:cNvPr id="16" name="Picture 15">
-            <a:extLst>
-              <a:ext uri="{FF2B5EF4-FFF2-40B4-BE49-F238E27FC236}">
-                <a16:creationId xmlns:a16="http://schemas.microsoft.com/office/drawing/2014/main" id="{6AC7D913-60B7-4603-881B-831DA5D3A940}"/>
-              </a:ext>
-              <a:ext uri="{C183D7F6-B498-43B3-948B-1728B52AA6E4}">
-                <adec:decorative xmlns:adec="http://schemas.microsoft.com/office/drawing/2017/decorative" val="1"/>
-              </a:ext>
-            </a:extLst>
-          </p:cNvPr>
-          <p:cNvPicPr>
-            <a:picLocks noGrp="1" noRot="1" noChangeAspect="1" noMove="1" noResize="1" noEditPoints="1" noAdjustHandles="1" noChangeArrowheads="1" noChangeShapeType="1" noCrop="1"/>
-          </p:cNvPicPr>
-          <p:nvPr>
-            <p:extLst>
-              <p:ext uri="{386F3935-93C4-4BCD-93E2-E3B085C9AB24}">
-                <p16:designElem xmlns:p16="http://schemas.microsoft.com/office/powerpoint/2015/main" val="1"/>
-              </p:ext>
-            </p:extLst>
-          </p:nvPr>
-        </p:nvPicPr>
-        <p:blipFill rotWithShape="1">
-          <a:blip r:embed="rId5">
-            <a:extLst>
-              <a:ext uri="{28A0092B-C50C-407E-A947-70E740481C1C}">
-                <a14:useLocalDpi xmlns:a14="http://schemas.microsoft.com/office/drawing/2010/main" val="0"/>
-              </a:ext>
-            </a:extLst>
-          </a:blip>
-          <a:srcRect b="23320"/>
-          <a:stretch/>
-        </p:blipFill>
-        <p:spPr>
-          <a:xfrm>
-            <a:off x="8605878" y="6096000"/>
-            <a:ext cx="993734" cy="762000"/>
-          </a:xfrm>
-          <a:prstGeom prst="rect">
-            <a:avLst/>
-          </a:prstGeom>
-        </p:spPr>
-      </p:pic>
-      <p:sp>
-        <p:nvSpPr>
-          <p:cNvPr id="18" name="Rectangle 17">
-            <a:extLst>
-              <a:ext uri="{FF2B5EF4-FFF2-40B4-BE49-F238E27FC236}">
-                <a16:creationId xmlns:a16="http://schemas.microsoft.com/office/drawing/2014/main" id="{87F0FDC4-AD8C-47D9-9131-623C98ADB0AE}"/>
-              </a:ext>
-              <a:ext uri="{C183D7F6-B498-43B3-948B-1728B52AA6E4}">
-                <adec:decorative xmlns:adec="http://schemas.microsoft.com/office/drawing/2017/decorative" val="1"/>
-              </a:ext>
-            </a:extLst>
-          </p:cNvPr>
-          <p:cNvSpPr>
-            <a:spLocks noGrp="1" noRot="1" noChangeAspect="1" noMove="1" noResize="1" noEditPoints="1" noAdjustHandles="1" noChangeArrowheads="1" noChangeShapeType="1" noTextEdit="1"/>
-          </p:cNvSpPr>
-          <p:nvPr>
-            <p:extLst>
-              <p:ext uri="{386F3935-93C4-4BCD-93E2-E3B085C9AB24}">
-                <p16:designElem xmlns:p16="http://schemas.microsoft.com/office/powerpoint/2015/main" val="1"/>
-              </p:ext>
-            </p:extLst>
-          </p:nvPr>
-        </p:nvSpPr>
-        <p:spPr>
-          <a:xfrm>
-            <a:off x="10437812" y="0"/>
-            <a:ext cx="685800" cy="1143000"/>
-          </a:xfrm>
-          <a:prstGeom prst="rect">
-            <a:avLst/>
-          </a:prstGeom>
-          <a:solidFill>
-            <a:schemeClr val="accent1"/>
-          </a:solidFill>
-          <a:ln>
-            <a:noFill/>
-          </a:ln>
-        </p:spPr>
-        <p:style>
-          <a:lnRef idx="1">
-            <a:schemeClr val="accent1"/>
-          </a:lnRef>
-          <a:fillRef idx="3">
-            <a:schemeClr val="accent1"/>
-          </a:fillRef>
-          <a:effectRef idx="2">
-            <a:schemeClr val="accent1"/>
-          </a:effectRef>
-          <a:fontRef idx="minor">
-            <a:schemeClr val="lt1"/>
-          </a:fontRef>
-        </p:style>
-      </p:sp>
-      <p:sp>
-        <p:nvSpPr>
-          <p:cNvPr id="20" name="Rectangle 19">
-            <a:extLst>
-              <a:ext uri="{FF2B5EF4-FFF2-40B4-BE49-F238E27FC236}">
-                <a16:creationId xmlns:a16="http://schemas.microsoft.com/office/drawing/2014/main" id="{74CD14DB-BB81-479F-A1FC-1C75640E9F84}"/>
-              </a:ext>
-              <a:ext uri="{C183D7F6-B498-43B3-948B-1728B52AA6E4}">
-                <adec:decorative xmlns:adec="http://schemas.microsoft.com/office/drawing/2017/decorative" val="1"/>
-              </a:ext>
-            </a:extLst>
-          </p:cNvPr>
-          <p:cNvSpPr>
-            <a:spLocks noGrp="1" noRot="1" noChangeAspect="1" noMove="1" noResize="1" noEditPoints="1" noAdjustHandles="1" noChangeArrowheads="1" noChangeShapeType="1" noTextEdit="1"/>
-          </p:cNvSpPr>
-          <p:nvPr>
-            <p:extLst>
-              <p:ext uri="{386F3935-93C4-4BCD-93E2-E3B085C9AB24}">
-                <p16:designElem xmlns:p16="http://schemas.microsoft.com/office/powerpoint/2015/main" val="1"/>
-              </p:ext>
-            </p:extLst>
-          </p:nvPr>
-        </p:nvSpPr>
-        <p:spPr>
-          <a:xfrm>
-            <a:off x="0" y="0"/>
-            <a:ext cx="12192000" cy="6858000"/>
-          </a:xfrm>
-          <a:prstGeom prst="rect">
-            <a:avLst/>
-          </a:prstGeom>
-          <a:ln>
-            <a:noFill/>
-          </a:ln>
-        </p:spPr>
-        <p:style>
-          <a:lnRef idx="2">
-            <a:schemeClr val="accent1">
-              <a:shade val="50000"/>
-            </a:schemeClr>
-          </a:lnRef>
-          <a:fillRef idx="1003">
-            <a:schemeClr val="dk2"/>
-          </a:fillRef>
-          <a:effectRef idx="0">
-            <a:schemeClr val="accent1"/>
-          </a:effectRef>
-          <a:fontRef idx="minor">
-            <a:schemeClr val="lt1"/>
-          </a:fontRef>
-        </p:style>
-        <p:txBody>
-          <a:bodyPr rtlCol="0" anchor="ctr"/>
-          <a:lstStyle/>
-          <a:p>
-            <a:pPr marL="0" marR="0" lvl="0" indent="0" algn="ctr" defTabSz="914400" rtl="0" eaLnBrk="1" fontAlgn="auto" latinLnBrk="0" hangingPunct="1">
-              <a:lnSpc>
-                <a:spcPct val="100000"/>
-              </a:lnSpc>
-              <a:spcBef>
-                <a:spcPts val="0"/>
-              </a:spcBef>
-              <a:spcAft>
-                <a:spcPts val="0"/>
-              </a:spcAft>
-              <a:buClrTx/>
-              <a:buSzTx/>
-              <a:buFontTx/>
-              <a:buNone/>
-              <a:tabLst/>
-              <a:defRPr/>
-            </a:pPr>
-            <a:endParaRPr kumimoji="0" lang="en-US" sz="1800" b="0" i="0" u="none" strike="noStrike" kern="1200" cap="none" spc="0" normalizeH="0" baseline="0" noProof="0">
-              <a:ln>
-                <a:noFill/>
-              </a:ln>
-              <a:solidFill>
-                <a:prstClr val="white"/>
-              </a:solidFill>
-              <a:effectLst/>
-              <a:uLnTx/>
-              <a:uFillTx/>
-              <a:latin typeface="Century Gothic" panose="020B0502020202020204"/>
-              <a:ea typeface="+mn-ea"/>
-              <a:cs typeface="+mn-cs"/>
-            </a:endParaRPr>
-          </a:p>
-        </p:txBody>
-      </p:sp>
-      <p:sp>
-        <p:nvSpPr>
-          <p:cNvPr id="22" name="Rectangle 21">
-            <a:extLst>
-              <a:ext uri="{FF2B5EF4-FFF2-40B4-BE49-F238E27FC236}">
-                <a16:creationId xmlns:a16="http://schemas.microsoft.com/office/drawing/2014/main" id="{C943A91B-7CA7-4592-A975-73B1BF8C4C74}"/>
-              </a:ext>
-              <a:ext uri="{C183D7F6-B498-43B3-948B-1728B52AA6E4}">
-                <adec:decorative xmlns:adec="http://schemas.microsoft.com/office/drawing/2017/decorative" val="1"/>
-              </a:ext>
-            </a:extLst>
-          </p:cNvPr>
-          <p:cNvSpPr>
-            <a:spLocks noGrp="1" noRot="1" noChangeAspect="1" noMove="1" noResize="1" noEditPoints="1" noAdjustHandles="1" noChangeArrowheads="1" noChangeShapeType="1" noTextEdit="1"/>
-          </p:cNvSpPr>
-          <p:nvPr>
-            <p:extLst>
-              <p:ext uri="{386F3935-93C4-4BCD-93E2-E3B085C9AB24}">
-                <p16:designElem xmlns:p16="http://schemas.microsoft.com/office/powerpoint/2015/main" val="1"/>
-              </p:ext>
-            </p:extLst>
-          </p:nvPr>
-        </p:nvSpPr>
-        <p:spPr>
-          <a:xfrm>
-            <a:off x="10437812" y="0"/>
-            <a:ext cx="685800" cy="1143000"/>
-          </a:xfrm>
-          <a:prstGeom prst="rect">
-            <a:avLst/>
-          </a:prstGeom>
-          <a:solidFill>
-            <a:schemeClr val="accent1"/>
-          </a:solidFill>
-          <a:ln>
-            <a:noFill/>
-          </a:ln>
-        </p:spPr>
-        <p:style>
-          <a:lnRef idx="1">
-            <a:schemeClr val="accent1"/>
-          </a:lnRef>
-          <a:fillRef idx="3">
-            <a:schemeClr val="accent1"/>
-          </a:fillRef>
-          <a:effectRef idx="2">
-            <a:schemeClr val="accent1"/>
-          </a:effectRef>
-          <a:fontRef idx="minor">
-            <a:schemeClr val="lt1"/>
-          </a:fontRef>
-        </p:style>
-      </p:sp>
-      <p:sp>
-        <p:nvSpPr>
-          <p:cNvPr id="24" name="Freeform 7">
-            <a:extLst>
-              <a:ext uri="{FF2B5EF4-FFF2-40B4-BE49-F238E27FC236}">
-                <a16:creationId xmlns:a16="http://schemas.microsoft.com/office/drawing/2014/main" id="{EC471314-E46A-414B-8D91-74880E84F187}"/>
-              </a:ext>
-              <a:ext uri="{C183D7F6-B498-43B3-948B-1728B52AA6E4}">
-                <adec:decorative xmlns:adec="http://schemas.microsoft.com/office/drawing/2017/decorative" val="1"/>
-              </a:ext>
-            </a:extLst>
-          </p:cNvPr>
-          <p:cNvSpPr>
-            <a:spLocks noGrp="1" noRot="1" noChangeAspect="1" noMove="1" noResize="1" noEditPoints="1" noAdjustHandles="1" noChangeArrowheads="1" noChangeShapeType="1" noTextEdit="1"/>
-          </p:cNvSpPr>
-          <p:nvPr>
-            <p:extLst>
-              <p:ext uri="{386F3935-93C4-4BCD-93E2-E3B085C9AB24}">
-                <p16:designElem xmlns:p16="http://schemas.microsoft.com/office/powerpoint/2015/main" val="1"/>
-              </p:ext>
-            </p:extLst>
-          </p:nvPr>
-        </p:nvSpPr>
-        <p:spPr>
-          <a:xfrm>
-            <a:off x="8719939" y="1460230"/>
-            <a:ext cx="3472060" cy="825932"/>
-          </a:xfrm>
-          <a:custGeom>
-            <a:avLst/>
-            <a:gdLst>
-              <a:gd name="connsiteX0" fmla="*/ 3470310 w 3472060"/>
-              <a:gd name="connsiteY0" fmla="*/ 0 h 825932"/>
-              <a:gd name="connsiteX1" fmla="*/ 3472060 w 3472060"/>
-              <a:gd name="connsiteY1" fmla="*/ 12850 h 825932"/>
-              <a:gd name="connsiteX2" fmla="*/ 3472060 w 3472060"/>
-              <a:gd name="connsiteY2" fmla="*/ 480529 h 825932"/>
-              <a:gd name="connsiteX3" fmla="*/ 3363699 w 3472060"/>
-              <a:gd name="connsiteY3" fmla="*/ 498471 h 825932"/>
-              <a:gd name="connsiteX4" fmla="*/ 42060 w 3472060"/>
-              <a:gd name="connsiteY4" fmla="*/ 824486 h 825932"/>
-              <a:gd name="connsiteX5" fmla="*/ 0 w 3472060"/>
-              <a:gd name="connsiteY5" fmla="*/ 758452 h 825932"/>
-              <a:gd name="connsiteX6" fmla="*/ 188014 w 3472060"/>
-              <a:gd name="connsiteY6" fmla="*/ 735602 h 825932"/>
-              <a:gd name="connsiteX7" fmla="*/ 284087 w 3472060"/>
-              <a:gd name="connsiteY7" fmla="*/ 722590 h 825932"/>
-              <a:gd name="connsiteX8" fmla="*/ 382288 w 3472060"/>
-              <a:gd name="connsiteY8" fmla="*/ 709392 h 825932"/>
-              <a:gd name="connsiteX9" fmla="*/ 481858 w 3472060"/>
-              <a:gd name="connsiteY9" fmla="*/ 695774 h 825932"/>
-              <a:gd name="connsiteX10" fmla="*/ 581897 w 3472060"/>
-              <a:gd name="connsiteY10" fmla="*/ 680711 h 825932"/>
-              <a:gd name="connsiteX11" fmla="*/ 683670 w 3472060"/>
-              <a:gd name="connsiteY11" fmla="*/ 665256 h 825932"/>
-              <a:gd name="connsiteX12" fmla="*/ 787206 w 3472060"/>
-              <a:gd name="connsiteY12" fmla="*/ 649587 h 825932"/>
-              <a:gd name="connsiteX13" fmla="*/ 892019 w 3472060"/>
-              <a:gd name="connsiteY13" fmla="*/ 632968 h 825932"/>
-              <a:gd name="connsiteX14" fmla="*/ 997620 w 3472060"/>
-              <a:gd name="connsiteY14" fmla="*/ 614667 h 825932"/>
-              <a:gd name="connsiteX15" fmla="*/ 1104727 w 3472060"/>
-              <a:gd name="connsiteY15" fmla="*/ 596741 h 825932"/>
-              <a:gd name="connsiteX16" fmla="*/ 1212669 w 3472060"/>
-              <a:gd name="connsiteY16" fmla="*/ 577397 h 825932"/>
-              <a:gd name="connsiteX17" fmla="*/ 1321506 w 3472060"/>
-              <a:gd name="connsiteY17" fmla="*/ 556988 h 825932"/>
-              <a:gd name="connsiteX18" fmla="*/ 1430709 w 3472060"/>
-              <a:gd name="connsiteY18" fmla="*/ 536607 h 825932"/>
-              <a:gd name="connsiteX19" fmla="*/ 1541050 w 3472060"/>
-              <a:gd name="connsiteY19" fmla="*/ 514481 h 825932"/>
-              <a:gd name="connsiteX20" fmla="*/ 1652805 w 3472060"/>
-              <a:gd name="connsiteY20" fmla="*/ 492202 h 825932"/>
-              <a:gd name="connsiteX21" fmla="*/ 1763708 w 3472060"/>
-              <a:gd name="connsiteY21" fmla="*/ 469161 h 825932"/>
-              <a:gd name="connsiteX22" fmla="*/ 1875795 w 3472060"/>
-              <a:gd name="connsiteY22" fmla="*/ 444641 h 825932"/>
-              <a:gd name="connsiteX23" fmla="*/ 1989128 w 3472060"/>
-              <a:gd name="connsiteY23" fmla="*/ 418995 h 825932"/>
-              <a:gd name="connsiteX24" fmla="*/ 2102476 w 3472060"/>
-              <a:gd name="connsiteY24" fmla="*/ 393438 h 825932"/>
-              <a:gd name="connsiteX25" fmla="*/ 2215549 w 3472060"/>
-              <a:gd name="connsiteY25" fmla="*/ 366291 h 825932"/>
-              <a:gd name="connsiteX26" fmla="*/ 2330490 w 3472060"/>
-              <a:gd name="connsiteY26" fmla="*/ 337455 h 825932"/>
-              <a:gd name="connsiteX27" fmla="*/ 2443333 w 3472060"/>
-              <a:gd name="connsiteY27" fmla="*/ 308983 h 825932"/>
-              <a:gd name="connsiteX28" fmla="*/ 2558014 w 3472060"/>
-              <a:gd name="connsiteY28" fmla="*/ 278646 h 825932"/>
-              <a:gd name="connsiteX29" fmla="*/ 2673621 w 3472060"/>
-              <a:gd name="connsiteY29" fmla="*/ 247421 h 825932"/>
-              <a:gd name="connsiteX30" fmla="*/ 2787008 w 3472060"/>
-              <a:gd name="connsiteY30" fmla="*/ 215853 h 825932"/>
-              <a:gd name="connsiteX31" fmla="*/ 2901442 w 3472060"/>
-              <a:gd name="connsiteY31" fmla="*/ 182011 h 825932"/>
-              <a:gd name="connsiteX32" fmla="*/ 3015722 w 3472060"/>
-              <a:gd name="connsiteY32" fmla="*/ 147286 h 825932"/>
-              <a:gd name="connsiteX33" fmla="*/ 3130018 w 3472060"/>
-              <a:gd name="connsiteY33" fmla="*/ 112649 h 825932"/>
-              <a:gd name="connsiteX34" fmla="*/ 3243551 w 3472060"/>
-              <a:gd name="connsiteY34" fmla="*/ 75688 h 825932"/>
-              <a:gd name="connsiteX35" fmla="*/ 3356992 w 3472060"/>
-              <a:gd name="connsiteY35" fmla="*/ 38197 h 825932"/>
-              <a:gd name="connsiteX36" fmla="*/ 3470310 w 3472060"/>
-              <a:gd name="connsiteY36" fmla="*/ 0 h 825932"/>
-            </a:gdLst>
-            <a:ahLst/>
-            <a:cxnLst>
-              <a:cxn ang="0">
-                <a:pos x="connsiteX0" y="connsiteY0"/>
-              </a:cxn>
-              <a:cxn ang="0">
-                <a:pos x="connsiteX1" y="connsiteY1"/>
-              </a:cxn>
-              <a:cxn ang="0">
-                <a:pos x="connsiteX2" y="connsiteY2"/>
-              </a:cxn>
-              <a:cxn ang="0">
-                <a:pos x="connsiteX3" y="connsiteY3"/>
-              </a:cxn>
-              <a:cxn ang="0">
-                <a:pos x="connsiteX4" y="connsiteY4"/>
-              </a:cxn>
-              <a:cxn ang="0">
-                <a:pos x="connsiteX5" y="connsiteY5"/>
-              </a:cxn>
-              <a:cxn ang="0">
-                <a:pos x="connsiteX6" y="connsiteY6"/>
-              </a:cxn>
-              <a:cxn ang="0">
-                <a:pos x="connsiteX7" y="connsiteY7"/>
-              </a:cxn>
-              <a:cxn ang="0">
-                <a:pos x="connsiteX8" y="connsiteY8"/>
-              </a:cxn>
-              <a:cxn ang="0">
-                <a:pos x="connsiteX9" y="connsiteY9"/>
-              </a:cxn>
-              <a:cxn ang="0">
-                <a:pos x="connsiteX10" y="connsiteY10"/>
-              </a:cxn>
-              <a:cxn ang="0">
-                <a:pos x="connsiteX11" y="connsiteY11"/>
-              </a:cxn>
-              <a:cxn ang="0">
-                <a:pos x="connsiteX12" y="connsiteY12"/>
-              </a:cxn>
-              <a:cxn ang="0">
-                <a:pos x="connsiteX13" y="connsiteY13"/>
-              </a:cxn>
-              <a:cxn ang="0">
-                <a:pos x="connsiteX14" y="connsiteY14"/>
-              </a:cxn>
-              <a:cxn ang="0">
-                <a:pos x="connsiteX15" y="connsiteY15"/>
-              </a:cxn>
-              <a:cxn ang="0">
-                <a:pos x="connsiteX16" y="connsiteY16"/>
-              </a:cxn>
-              <a:cxn ang="0">
-                <a:pos x="connsiteX17" y="connsiteY17"/>
-              </a:cxn>
-              <a:cxn ang="0">
-                <a:pos x="connsiteX18" y="connsiteY18"/>
-              </a:cxn>
-              <a:cxn ang="0">
-                <a:pos x="connsiteX19" y="connsiteY19"/>
-              </a:cxn>
-              <a:cxn ang="0">
-                <a:pos x="connsiteX20" y="connsiteY20"/>
-              </a:cxn>
-              <a:cxn ang="0">
-                <a:pos x="connsiteX21" y="connsiteY21"/>
-              </a:cxn>
-              <a:cxn ang="0">
-                <a:pos x="connsiteX22" y="connsiteY22"/>
-              </a:cxn>
-              <a:cxn ang="0">
-                <a:pos x="connsiteX23" y="connsiteY23"/>
-              </a:cxn>
-              <a:cxn ang="0">
-                <a:pos x="connsiteX24" y="connsiteY24"/>
-              </a:cxn>
-              <a:cxn ang="0">
-                <a:pos x="connsiteX25" y="connsiteY25"/>
-              </a:cxn>
-              <a:cxn ang="0">
-                <a:pos x="connsiteX26" y="connsiteY26"/>
-              </a:cxn>
-              <a:cxn ang="0">
-                <a:pos x="connsiteX27" y="connsiteY27"/>
-              </a:cxn>
-              <a:cxn ang="0">
-                <a:pos x="connsiteX28" y="connsiteY28"/>
-              </a:cxn>
-              <a:cxn ang="0">
-                <a:pos x="connsiteX29" y="connsiteY29"/>
-              </a:cxn>
-              <a:cxn ang="0">
-                <a:pos x="connsiteX30" y="connsiteY30"/>
-              </a:cxn>
-              <a:cxn ang="0">
-                <a:pos x="connsiteX31" y="connsiteY31"/>
-              </a:cxn>
-              <a:cxn ang="0">
-                <a:pos x="connsiteX32" y="connsiteY32"/>
-              </a:cxn>
-              <a:cxn ang="0">
-                <a:pos x="connsiteX33" y="connsiteY33"/>
-              </a:cxn>
-              <a:cxn ang="0">
-                <a:pos x="connsiteX34" y="connsiteY34"/>
-              </a:cxn>
-              <a:cxn ang="0">
-                <a:pos x="connsiteX35" y="connsiteY35"/>
-              </a:cxn>
-              <a:cxn ang="0">
-                <a:pos x="connsiteX36" y="connsiteY36"/>
-              </a:cxn>
-            </a:cxnLst>
-            <a:rect l="l" t="t" r="r" b="b"/>
-            <a:pathLst>
-              <a:path w="3472060" h="825932">
-                <a:moveTo>
-                  <a:pt x="3470310" y="0"/>
-                </a:moveTo>
-                <a:lnTo>
-                  <a:pt x="3472060" y="12850"/>
-                </a:lnTo>
-                <a:lnTo>
-                  <a:pt x="3472060" y="480529"/>
-                </a:lnTo>
-                <a:lnTo>
-                  <a:pt x="3363699" y="498471"/>
-                </a:lnTo>
-                <a:cubicBezTo>
-                  <a:pt x="2435623" y="645518"/>
-                  <a:pt x="603076" y="844866"/>
-                  <a:pt x="42060" y="824486"/>
-                </a:cubicBezTo>
-                <a:cubicBezTo>
-                  <a:pt x="28151" y="802425"/>
-                  <a:pt x="13909" y="780513"/>
-                  <a:pt x="0" y="758452"/>
-                </a:cubicBezTo>
-                <a:lnTo>
-                  <a:pt x="188014" y="735602"/>
-                </a:lnTo>
-                <a:lnTo>
-                  <a:pt x="284087" y="722590"/>
-                </a:lnTo>
-                <a:lnTo>
-                  <a:pt x="382288" y="709392"/>
-                </a:lnTo>
-                <a:lnTo>
-                  <a:pt x="481858" y="695774"/>
-                </a:lnTo>
-                <a:lnTo>
-                  <a:pt x="581897" y="680711"/>
-                </a:lnTo>
-                <a:lnTo>
-                  <a:pt x="683670" y="665256"/>
-                </a:lnTo>
-                <a:lnTo>
-                  <a:pt x="787206" y="649587"/>
-                </a:lnTo>
-                <a:lnTo>
-                  <a:pt x="892019" y="632968"/>
-                </a:lnTo>
-                <a:lnTo>
-                  <a:pt x="997620" y="614667"/>
-                </a:lnTo>
-                <a:lnTo>
-                  <a:pt x="1104727" y="596741"/>
-                </a:lnTo>
-                <a:lnTo>
-                  <a:pt x="1212669" y="577397"/>
-                </a:lnTo>
-                <a:lnTo>
-                  <a:pt x="1321506" y="556988"/>
-                </a:lnTo>
-                <a:lnTo>
-                  <a:pt x="1430709" y="536607"/>
-                </a:lnTo>
-                <a:lnTo>
-                  <a:pt x="1541050" y="514481"/>
-                </a:lnTo>
-                <a:lnTo>
-                  <a:pt x="1652805" y="492202"/>
-                </a:lnTo>
-                <a:lnTo>
-                  <a:pt x="1763708" y="469161"/>
-                </a:lnTo>
-                <a:lnTo>
-                  <a:pt x="1875795" y="444641"/>
-                </a:lnTo>
-                <a:lnTo>
-                  <a:pt x="1989128" y="418995"/>
-                </a:lnTo>
-                <a:lnTo>
-                  <a:pt x="2102476" y="393438"/>
-                </a:lnTo>
-                <a:lnTo>
-                  <a:pt x="2215549" y="366291"/>
-                </a:lnTo>
-                <a:lnTo>
-                  <a:pt x="2330490" y="337455"/>
-                </a:lnTo>
-                <a:lnTo>
-                  <a:pt x="2443333" y="308983"/>
-                </a:lnTo>
-                <a:lnTo>
-                  <a:pt x="2558014" y="278646"/>
-                </a:lnTo>
-                <a:lnTo>
-                  <a:pt x="2673621" y="247421"/>
-                </a:lnTo>
-                <a:lnTo>
-                  <a:pt x="2787008" y="215853"/>
-                </a:lnTo>
-                <a:lnTo>
-                  <a:pt x="2901442" y="182011"/>
-                </a:lnTo>
-                <a:lnTo>
-                  <a:pt x="3015722" y="147286"/>
-                </a:lnTo>
-                <a:lnTo>
-                  <a:pt x="3130018" y="112649"/>
-                </a:lnTo>
-                <a:lnTo>
-                  <a:pt x="3243551" y="75688"/>
-                </a:lnTo>
-                <a:lnTo>
-                  <a:pt x="3356992" y="38197"/>
-                </a:lnTo>
-                <a:lnTo>
-                  <a:pt x="3470310" y="0"/>
-                </a:lnTo>
-                <a:close/>
-              </a:path>
-            </a:pathLst>
-          </a:custGeom>
-          <a:solidFill>
-            <a:schemeClr val="bg1">
-              <a:alpha val="20000"/>
-            </a:schemeClr>
-          </a:solidFill>
-          <a:ln>
-            <a:noFill/>
-          </a:ln>
-        </p:spPr>
-        <p:txBody>
-          <a:bodyPr rtlCol="0" anchor="ctr"/>
-          <a:lstStyle/>
-          <a:p>
-            <a:pPr marL="0" marR="0" lvl="0" indent="0" algn="ctr" defTabSz="914400" rtl="0" eaLnBrk="1" fontAlgn="auto" latinLnBrk="0" hangingPunct="1">
-              <a:lnSpc>
-                <a:spcPct val="100000"/>
-              </a:lnSpc>
-              <a:spcBef>
-                <a:spcPts val="0"/>
-              </a:spcBef>
-              <a:spcAft>
-                <a:spcPts val="0"/>
-              </a:spcAft>
-              <a:buClrTx/>
-              <a:buSzTx/>
-              <a:buFontTx/>
-              <a:buNone/>
-              <a:tabLst/>
-              <a:defRPr/>
-            </a:pPr>
-            <a:endParaRPr kumimoji="0" lang="en-US" sz="1800" b="0" i="0" u="none" strike="noStrike" kern="1200" cap="none" spc="0" normalizeH="0" baseline="0" noProof="0">
-              <a:ln>
-                <a:noFill/>
-              </a:ln>
-              <a:solidFill>
-                <a:prstClr val="black"/>
-              </a:solidFill>
-              <a:effectLst/>
-              <a:uLnTx/>
-              <a:uFillTx/>
-              <a:latin typeface="Century Gothic" panose="020B0502020202020204"/>
-              <a:ea typeface="+mn-ea"/>
-              <a:cs typeface="+mn-cs"/>
-            </a:endParaRPr>
-          </a:p>
-        </p:txBody>
-      </p:sp>
-      <p:sp useBgFill="1">
-        <p:nvSpPr>
-          <p:cNvPr id="26" name="Freeform: Shape 25">
-            <a:extLst>
-              <a:ext uri="{FF2B5EF4-FFF2-40B4-BE49-F238E27FC236}">
-                <a16:creationId xmlns:a16="http://schemas.microsoft.com/office/drawing/2014/main" id="{6A681326-1C9D-44A3-A627-3871BDAE4127}"/>
-              </a:ext>
-              <a:ext uri="{C183D7F6-B498-43B3-948B-1728B52AA6E4}">
-                <adec:decorative xmlns:adec="http://schemas.microsoft.com/office/drawing/2017/decorative" val="1"/>
-              </a:ext>
-            </a:extLst>
-          </p:cNvPr>
-          <p:cNvSpPr>
-            <a:spLocks noGrp="1" noRot="1" noChangeAspect="1" noMove="1" noResize="1" noEditPoints="1" noAdjustHandles="1" noChangeArrowheads="1" noChangeShapeType="1" noTextEdit="1"/>
-          </p:cNvSpPr>
-          <p:nvPr>
-            <p:extLst>
-              <p:ext uri="{386F3935-93C4-4BCD-93E2-E3B085C9AB24}">
-                <p16:designElem xmlns:p16="http://schemas.microsoft.com/office/powerpoint/2015/main" val="1"/>
-              </p:ext>
-            </p:extLst>
-          </p:nvPr>
-        </p:nvSpPr>
-        <p:spPr bwMode="gray">
-          <a:xfrm>
-            <a:off x="1" y="1762067"/>
-            <a:ext cx="12192417" cy="5095933"/>
-          </a:xfrm>
-          <a:custGeom>
-            <a:avLst/>
-            <a:gdLst>
-              <a:gd name="connsiteX0" fmla="*/ 0 w 12192417"/>
-              <a:gd name="connsiteY0" fmla="*/ 0 h 5095933"/>
-              <a:gd name="connsiteX1" fmla="*/ 71931 w 12192417"/>
-              <a:gd name="connsiteY1" fmla="*/ 12261 h 5095933"/>
-              <a:gd name="connsiteX2" fmla="*/ 282848 w 12192417"/>
-              <a:gd name="connsiteY2" fmla="*/ 48343 h 5095933"/>
-              <a:gd name="connsiteX3" fmla="*/ 436463 w 12192417"/>
-              <a:gd name="connsiteY3" fmla="*/ 73565 h 5095933"/>
-              <a:gd name="connsiteX4" fmla="*/ 619338 w 12192417"/>
-              <a:gd name="connsiteY4" fmla="*/ 100188 h 5095933"/>
-              <a:gd name="connsiteX5" fmla="*/ 836350 w 12192417"/>
-              <a:gd name="connsiteY5" fmla="*/ 132066 h 5095933"/>
-              <a:gd name="connsiteX6" fmla="*/ 1076527 w 12192417"/>
-              <a:gd name="connsiteY6" fmla="*/ 165696 h 5095933"/>
-              <a:gd name="connsiteX7" fmla="*/ 1347183 w 12192417"/>
-              <a:gd name="connsiteY7" fmla="*/ 201077 h 5095933"/>
-              <a:gd name="connsiteX8" fmla="*/ 1642222 w 12192417"/>
-              <a:gd name="connsiteY8" fmla="*/ 238560 h 5095933"/>
-              <a:gd name="connsiteX9" fmla="*/ 1962863 w 12192417"/>
-              <a:gd name="connsiteY9" fmla="*/ 276043 h 5095933"/>
-              <a:gd name="connsiteX10" fmla="*/ 2304231 w 12192417"/>
-              <a:gd name="connsiteY10" fmla="*/ 314227 h 5095933"/>
-              <a:gd name="connsiteX11" fmla="*/ 2672420 w 12192417"/>
-              <a:gd name="connsiteY11" fmla="*/ 349608 h 5095933"/>
-              <a:gd name="connsiteX12" fmla="*/ 3057677 w 12192417"/>
-              <a:gd name="connsiteY12" fmla="*/ 383588 h 5095933"/>
-              <a:gd name="connsiteX13" fmla="*/ 3464880 w 12192417"/>
-              <a:gd name="connsiteY13" fmla="*/ 414415 h 5095933"/>
-              <a:gd name="connsiteX14" fmla="*/ 3889151 w 12192417"/>
-              <a:gd name="connsiteY14" fmla="*/ 443841 h 5095933"/>
-              <a:gd name="connsiteX15" fmla="*/ 4331709 w 12192417"/>
-              <a:gd name="connsiteY15" fmla="*/ 471515 h 5095933"/>
-              <a:gd name="connsiteX16" fmla="*/ 4558475 w 12192417"/>
-              <a:gd name="connsiteY16" fmla="*/ 481324 h 5095933"/>
-              <a:gd name="connsiteX17" fmla="*/ 4790117 w 12192417"/>
-              <a:gd name="connsiteY17" fmla="*/ 492183 h 5095933"/>
-              <a:gd name="connsiteX18" fmla="*/ 5025417 w 12192417"/>
-              <a:gd name="connsiteY18" fmla="*/ 502342 h 5095933"/>
-              <a:gd name="connsiteX19" fmla="*/ 5261936 w 12192417"/>
-              <a:gd name="connsiteY19" fmla="*/ 508998 h 5095933"/>
-              <a:gd name="connsiteX20" fmla="*/ 5503331 w 12192417"/>
-              <a:gd name="connsiteY20" fmla="*/ 514953 h 5095933"/>
-              <a:gd name="connsiteX21" fmla="*/ 5747166 w 12192417"/>
-              <a:gd name="connsiteY21" fmla="*/ 521259 h 5095933"/>
-              <a:gd name="connsiteX22" fmla="*/ 5995876 w 12192417"/>
-              <a:gd name="connsiteY22" fmla="*/ 525463 h 5095933"/>
-              <a:gd name="connsiteX23" fmla="*/ 6247025 w 12192417"/>
-              <a:gd name="connsiteY23" fmla="*/ 525463 h 5095933"/>
-              <a:gd name="connsiteX24" fmla="*/ 6500612 w 12192417"/>
-              <a:gd name="connsiteY24" fmla="*/ 527565 h 5095933"/>
-              <a:gd name="connsiteX25" fmla="*/ 6756638 w 12192417"/>
-              <a:gd name="connsiteY25" fmla="*/ 525463 h 5095933"/>
-              <a:gd name="connsiteX26" fmla="*/ 7016321 w 12192417"/>
-              <a:gd name="connsiteY26" fmla="*/ 521259 h 5095933"/>
-              <a:gd name="connsiteX27" fmla="*/ 7276004 w 12192417"/>
-              <a:gd name="connsiteY27" fmla="*/ 517406 h 5095933"/>
-              <a:gd name="connsiteX28" fmla="*/ 7539344 w 12192417"/>
-              <a:gd name="connsiteY28" fmla="*/ 508998 h 5095933"/>
-              <a:gd name="connsiteX29" fmla="*/ 7805123 w 12192417"/>
-              <a:gd name="connsiteY29" fmla="*/ 500241 h 5095933"/>
-              <a:gd name="connsiteX30" fmla="*/ 8070902 w 12192417"/>
-              <a:gd name="connsiteY30" fmla="*/ 490082 h 5095933"/>
-              <a:gd name="connsiteX31" fmla="*/ 8339120 w 12192417"/>
-              <a:gd name="connsiteY31" fmla="*/ 475719 h 5095933"/>
-              <a:gd name="connsiteX32" fmla="*/ 8609775 w 12192417"/>
-              <a:gd name="connsiteY32" fmla="*/ 458554 h 5095933"/>
-              <a:gd name="connsiteX33" fmla="*/ 8881650 w 12192417"/>
-              <a:gd name="connsiteY33" fmla="*/ 442089 h 5095933"/>
-              <a:gd name="connsiteX34" fmla="*/ 9153525 w 12192417"/>
-              <a:gd name="connsiteY34" fmla="*/ 421071 h 5095933"/>
-              <a:gd name="connsiteX35" fmla="*/ 9429057 w 12192417"/>
-              <a:gd name="connsiteY35" fmla="*/ 395849 h 5095933"/>
-              <a:gd name="connsiteX36" fmla="*/ 9700932 w 12192417"/>
-              <a:gd name="connsiteY36" fmla="*/ 370626 h 5095933"/>
-              <a:gd name="connsiteX37" fmla="*/ 9977683 w 12192417"/>
-              <a:gd name="connsiteY37" fmla="*/ 341551 h 5095933"/>
-              <a:gd name="connsiteX38" fmla="*/ 10255654 w 12192417"/>
-              <a:gd name="connsiteY38" fmla="*/ 309673 h 5095933"/>
-              <a:gd name="connsiteX39" fmla="*/ 10529967 w 12192417"/>
-              <a:gd name="connsiteY39" fmla="*/ 276043 h 5095933"/>
-              <a:gd name="connsiteX40" fmla="*/ 10807938 w 12192417"/>
-              <a:gd name="connsiteY40" fmla="*/ 236809 h 5095933"/>
-              <a:gd name="connsiteX41" fmla="*/ 11084689 w 12192417"/>
-              <a:gd name="connsiteY41" fmla="*/ 194772 h 5095933"/>
-              <a:gd name="connsiteX42" fmla="*/ 11362660 w 12192417"/>
-              <a:gd name="connsiteY42" fmla="*/ 153085 h 5095933"/>
-              <a:gd name="connsiteX43" fmla="*/ 11639411 w 12192417"/>
-              <a:gd name="connsiteY43" fmla="*/ 104392 h 5095933"/>
-              <a:gd name="connsiteX44" fmla="*/ 11914944 w 12192417"/>
-              <a:gd name="connsiteY44" fmla="*/ 54648 h 5095933"/>
-              <a:gd name="connsiteX45" fmla="*/ 12191695 w 12192417"/>
-              <a:gd name="connsiteY45" fmla="*/ 2452 h 5095933"/>
-              <a:gd name="connsiteX46" fmla="*/ 12191695 w 12192417"/>
-              <a:gd name="connsiteY46" fmla="*/ 2162231 h 5095933"/>
-              <a:gd name="connsiteX47" fmla="*/ 12192417 w 12192417"/>
-              <a:gd name="connsiteY47" fmla="*/ 2162231 h 5095933"/>
-              <a:gd name="connsiteX48" fmla="*/ 12192417 w 12192417"/>
-              <a:gd name="connsiteY48" fmla="*/ 5095933 h 5095933"/>
-              <a:gd name="connsiteX49" fmla="*/ 0 w 12192417"/>
-              <a:gd name="connsiteY49" fmla="*/ 5095933 h 5095933"/>
-              <a:gd name="connsiteX50" fmla="*/ 0 w 12192417"/>
-              <a:gd name="connsiteY50" fmla="*/ 2791958 h 5095933"/>
-              <a:gd name="connsiteX51" fmla="*/ 0 w 12192417"/>
-              <a:gd name="connsiteY51" fmla="*/ 2162231 h 5095933"/>
-            </a:gdLst>
-            <a:ahLst/>
-            <a:cxnLst>
-              <a:cxn ang="0">
-                <a:pos x="connsiteX0" y="connsiteY0"/>
-              </a:cxn>
-              <a:cxn ang="0">
-                <a:pos x="connsiteX1" y="connsiteY1"/>
-              </a:cxn>
-              <a:cxn ang="0">
-                <a:pos x="connsiteX2" y="connsiteY2"/>
-              </a:cxn>
-              <a:cxn ang="0">
-                <a:pos x="connsiteX3" y="connsiteY3"/>
-              </a:cxn>
-              <a:cxn ang="0">
-                <a:pos x="connsiteX4" y="connsiteY4"/>
-              </a:cxn>
-              <a:cxn ang="0">
-                <a:pos x="connsiteX5" y="connsiteY5"/>
-              </a:cxn>
-              <a:cxn ang="0">
-                <a:pos x="connsiteX6" y="connsiteY6"/>
-              </a:cxn>
-              <a:cxn ang="0">
-                <a:pos x="connsiteX7" y="connsiteY7"/>
-              </a:cxn>
-              <a:cxn ang="0">
-                <a:pos x="connsiteX8" y="connsiteY8"/>
-              </a:cxn>
-              <a:cxn ang="0">
-                <a:pos x="connsiteX9" y="connsiteY9"/>
-              </a:cxn>
-              <a:cxn ang="0">
-                <a:pos x="connsiteX10" y="connsiteY10"/>
-              </a:cxn>
-              <a:cxn ang="0">
-                <a:pos x="connsiteX11" y="connsiteY11"/>
-              </a:cxn>
-              <a:cxn ang="0">
-                <a:pos x="connsiteX12" y="connsiteY12"/>
-              </a:cxn>
-              <a:cxn ang="0">
-                <a:pos x="connsiteX13" y="connsiteY13"/>
-              </a:cxn>
-              <a:cxn ang="0">
-                <a:pos x="connsiteX14" y="connsiteY14"/>
-              </a:cxn>
-              <a:cxn ang="0">
-                <a:pos x="connsiteX15" y="connsiteY15"/>
-              </a:cxn>
-              <a:cxn ang="0">
-                <a:pos x="connsiteX16" y="connsiteY16"/>
-              </a:cxn>
-              <a:cxn ang="0">
-                <a:pos x="connsiteX17" y="connsiteY17"/>
-              </a:cxn>
-              <a:cxn ang="0">
-                <a:pos x="connsiteX18" y="connsiteY18"/>
-              </a:cxn>
-              <a:cxn ang="0">
-                <a:pos x="connsiteX19" y="connsiteY19"/>
-              </a:cxn>
-              <a:cxn ang="0">
-                <a:pos x="connsiteX20" y="connsiteY20"/>
-              </a:cxn>
-              <a:cxn ang="0">
-                <a:pos x="connsiteX21" y="connsiteY21"/>
-              </a:cxn>
-              <a:cxn ang="0">
-                <a:pos x="connsiteX22" y="connsiteY22"/>
-              </a:cxn>
-              <a:cxn ang="0">
-                <a:pos x="connsiteX23" y="connsiteY23"/>
-              </a:cxn>
-              <a:cxn ang="0">
-                <a:pos x="connsiteX24" y="connsiteY24"/>
-              </a:cxn>
-              <a:cxn ang="0">
-                <a:pos x="connsiteX25" y="connsiteY25"/>
-              </a:cxn>
-              <a:cxn ang="0">
-                <a:pos x="connsiteX26" y="connsiteY26"/>
-              </a:cxn>
-              <a:cxn ang="0">
-                <a:pos x="connsiteX27" y="connsiteY27"/>
-              </a:cxn>
-              <a:cxn ang="0">
-                <a:pos x="connsiteX28" y="connsiteY28"/>
-              </a:cxn>
-              <a:cxn ang="0">
-                <a:pos x="connsiteX29" y="connsiteY29"/>
-              </a:cxn>
-              <a:cxn ang="0">
-                <a:pos x="connsiteX30" y="connsiteY30"/>
-              </a:cxn>
-              <a:cxn ang="0">
-                <a:pos x="connsiteX31" y="connsiteY31"/>
-              </a:cxn>
-              <a:cxn ang="0">
-                <a:pos x="connsiteX32" y="connsiteY32"/>
-              </a:cxn>
-              <a:cxn ang="0">
-                <a:pos x="connsiteX33" y="connsiteY33"/>
-              </a:cxn>
-              <a:cxn ang="0">
-                <a:pos x="connsiteX34" y="connsiteY34"/>
-              </a:cxn>
-              <a:cxn ang="0">
-                <a:pos x="connsiteX35" y="connsiteY35"/>
-              </a:cxn>
-              <a:cxn ang="0">
-                <a:pos x="connsiteX36" y="connsiteY36"/>
-              </a:cxn>
-              <a:cxn ang="0">
-                <a:pos x="connsiteX37" y="connsiteY37"/>
-              </a:cxn>
-              <a:cxn ang="0">
-                <a:pos x="connsiteX38" y="connsiteY38"/>
-              </a:cxn>
-              <a:cxn ang="0">
-                <a:pos x="connsiteX39" y="connsiteY39"/>
-              </a:cxn>
-              <a:cxn ang="0">
-                <a:pos x="connsiteX40" y="connsiteY40"/>
-              </a:cxn>
-              <a:cxn ang="0">
-                <a:pos x="connsiteX41" y="connsiteY41"/>
-              </a:cxn>
-              <a:cxn ang="0">
-                <a:pos x="connsiteX42" y="connsiteY42"/>
-              </a:cxn>
-              <a:cxn ang="0">
-                <a:pos x="connsiteX43" y="connsiteY43"/>
-              </a:cxn>
-              <a:cxn ang="0">
-                <a:pos x="connsiteX44" y="connsiteY44"/>
-              </a:cxn>
-              <a:cxn ang="0">
-                <a:pos x="connsiteX45" y="connsiteY45"/>
-              </a:cxn>
-              <a:cxn ang="0">
-                <a:pos x="connsiteX46" y="connsiteY46"/>
-              </a:cxn>
-              <a:cxn ang="0">
-                <a:pos x="connsiteX47" y="connsiteY47"/>
-              </a:cxn>
-              <a:cxn ang="0">
-                <a:pos x="connsiteX48" y="connsiteY48"/>
-              </a:cxn>
-              <a:cxn ang="0">
-                <a:pos x="connsiteX49" y="connsiteY49"/>
-              </a:cxn>
-              <a:cxn ang="0">
-                <a:pos x="connsiteX50" y="connsiteY50"/>
-              </a:cxn>
-              <a:cxn ang="0">
-                <a:pos x="connsiteX51" y="connsiteY51"/>
-              </a:cxn>
-            </a:cxnLst>
-            <a:rect l="l" t="t" r="r" b="b"/>
-            <a:pathLst>
-              <a:path w="12192417" h="5095933">
-                <a:moveTo>
-                  <a:pt x="0" y="0"/>
-                </a:moveTo>
-                <a:lnTo>
-                  <a:pt x="71931" y="12261"/>
-                </a:lnTo>
-                <a:lnTo>
-                  <a:pt x="282848" y="48343"/>
-                </a:lnTo>
-                <a:lnTo>
-                  <a:pt x="436463" y="73565"/>
-                </a:lnTo>
-                <a:lnTo>
-                  <a:pt x="619338" y="100188"/>
-                </a:lnTo>
-                <a:lnTo>
-                  <a:pt x="836350" y="132066"/>
-                </a:lnTo>
-                <a:lnTo>
-                  <a:pt x="1076527" y="165696"/>
-                </a:lnTo>
-                <a:lnTo>
-                  <a:pt x="1347183" y="201077"/>
-                </a:lnTo>
-                <a:lnTo>
-                  <a:pt x="1642222" y="238560"/>
-                </a:lnTo>
-                <a:lnTo>
-                  <a:pt x="1962863" y="276043"/>
-                </a:lnTo>
-                <a:lnTo>
-                  <a:pt x="2304231" y="314227"/>
-                </a:lnTo>
-                <a:lnTo>
-                  <a:pt x="2672420" y="349608"/>
-                </a:lnTo>
-                <a:lnTo>
-                  <a:pt x="3057677" y="383588"/>
-                </a:lnTo>
-                <a:lnTo>
-                  <a:pt x="3464880" y="414415"/>
-                </a:lnTo>
-                <a:lnTo>
-                  <a:pt x="3889151" y="443841"/>
-                </a:lnTo>
-                <a:lnTo>
-                  <a:pt x="4331709" y="471515"/>
-                </a:lnTo>
-                <a:lnTo>
-                  <a:pt x="4558475" y="481324"/>
-                </a:lnTo>
-                <a:lnTo>
-                  <a:pt x="4790117" y="492183"/>
-                </a:lnTo>
-                <a:lnTo>
-                  <a:pt x="5025417" y="502342"/>
-                </a:lnTo>
-                <a:lnTo>
-                  <a:pt x="5261936" y="508998"/>
-                </a:lnTo>
-                <a:lnTo>
-                  <a:pt x="5503331" y="514953"/>
-                </a:lnTo>
-                <a:lnTo>
-                  <a:pt x="5747166" y="521259"/>
-                </a:lnTo>
-                <a:lnTo>
-                  <a:pt x="5995876" y="525463"/>
-                </a:lnTo>
-                <a:lnTo>
-                  <a:pt x="6247025" y="525463"/>
-                </a:lnTo>
-                <a:lnTo>
-                  <a:pt x="6500612" y="527565"/>
-                </a:lnTo>
-                <a:lnTo>
-                  <a:pt x="6756638" y="525463"/>
-                </a:lnTo>
-                <a:lnTo>
-                  <a:pt x="7016321" y="521259"/>
-                </a:lnTo>
-                <a:lnTo>
-                  <a:pt x="7276004" y="517406"/>
-                </a:lnTo>
-                <a:lnTo>
-                  <a:pt x="7539344" y="508998"/>
-                </a:lnTo>
-                <a:lnTo>
-                  <a:pt x="7805123" y="500241"/>
-                </a:lnTo>
-                <a:lnTo>
-                  <a:pt x="8070902" y="490082"/>
-                </a:lnTo>
-                <a:lnTo>
-                  <a:pt x="8339120" y="475719"/>
-                </a:lnTo>
-                <a:lnTo>
-                  <a:pt x="8609775" y="458554"/>
-                </a:lnTo>
-                <a:lnTo>
-                  <a:pt x="8881650" y="442089"/>
-                </a:lnTo>
-                <a:lnTo>
-                  <a:pt x="9153525" y="421071"/>
-                </a:lnTo>
-                <a:lnTo>
-                  <a:pt x="9429057" y="395849"/>
-                </a:lnTo>
-                <a:lnTo>
-                  <a:pt x="9700932" y="370626"/>
-                </a:lnTo>
-                <a:lnTo>
-                  <a:pt x="9977683" y="341551"/>
-                </a:lnTo>
-                <a:lnTo>
-                  <a:pt x="10255654" y="309673"/>
-                </a:lnTo>
-                <a:lnTo>
-                  <a:pt x="10529967" y="276043"/>
-                </a:lnTo>
-                <a:lnTo>
-                  <a:pt x="10807938" y="236809"/>
-                </a:lnTo>
-                <a:lnTo>
-                  <a:pt x="11084689" y="194772"/>
-                </a:lnTo>
-                <a:lnTo>
-                  <a:pt x="11362660" y="153085"/>
-                </a:lnTo>
-                <a:lnTo>
-                  <a:pt x="11639411" y="104392"/>
-                </a:lnTo>
-                <a:lnTo>
-                  <a:pt x="11914944" y="54648"/>
-                </a:lnTo>
-                <a:lnTo>
-                  <a:pt x="12191695" y="2452"/>
-                </a:lnTo>
-                <a:lnTo>
-                  <a:pt x="12191695" y="2162231"/>
-                </a:lnTo>
-                <a:lnTo>
-                  <a:pt x="12192417" y="2162231"/>
-                </a:lnTo>
-                <a:lnTo>
-                  <a:pt x="12192417" y="5095933"/>
-                </a:lnTo>
-                <a:lnTo>
-                  <a:pt x="0" y="5095933"/>
-                </a:lnTo>
-                <a:lnTo>
-                  <a:pt x="0" y="2791958"/>
-                </a:lnTo>
-                <a:lnTo>
-                  <a:pt x="0" y="2162231"/>
-                </a:lnTo>
-                <a:close/>
-              </a:path>
-            </a:pathLst>
-          </a:custGeom>
-          <a:ln>
-            <a:noFill/>
-          </a:ln>
-        </p:spPr>
-      </p:sp>
-      <p:sp>
-        <p:nvSpPr>
-          <p:cNvPr id="2" name="Title 1">
-            <a:extLst>
-              <a:ext uri="{FF2B5EF4-FFF2-40B4-BE49-F238E27FC236}">
-                <a16:creationId xmlns:a16="http://schemas.microsoft.com/office/drawing/2014/main" id="{4B122DE4-B229-4F46-8EF5-AF3EF6D7BA39}"/>
-              </a:ext>
-            </a:extLst>
-          </p:cNvPr>
-          <p:cNvSpPr>
-            <a:spLocks noGrp="1"/>
-          </p:cNvSpPr>
-          <p:nvPr>
-            <p:ph type="title"/>
-          </p:nvPr>
-        </p:nvSpPr>
-        <p:spPr>
-          <a:xfrm>
-            <a:off x="1103312" y="452718"/>
-            <a:ext cx="8947522" cy="1400530"/>
-          </a:xfrm>
-        </p:spPr>
-        <p:txBody>
-          <a:bodyPr vert="horz" lIns="91440" tIns="45720" rIns="91440" bIns="45720" rtlCol="0" anchor="ctr">
-            <a:normAutofit/>
-          </a:bodyPr>
-          <a:lstStyle/>
-          <a:p>
-            <a:r>
-              <a:rPr lang="en-US" sz="4200" b="0" i="0" kern="1200">
-                <a:solidFill>
-                  <a:srgbClr val="FFFFFF"/>
-                </a:solidFill>
-                <a:latin typeface="+mj-lt"/>
-                <a:ea typeface="+mj-ea"/>
-                <a:cs typeface="+mj-cs"/>
-              </a:rPr>
-              <a:t>Model Selection</a:t>
-            </a:r>
-            <a:endParaRPr lang="en-US" sz="4200" b="0" i="0" kern="1200" dirty="0">
-              <a:solidFill>
-                <a:srgbClr val="FFFFFF"/>
-              </a:solidFill>
-              <a:latin typeface="+mj-lt"/>
-              <a:ea typeface="+mj-ea"/>
-              <a:cs typeface="+mj-cs"/>
-            </a:endParaRPr>
-          </a:p>
-        </p:txBody>
-      </p:sp>
-      <p:sp>
-        <p:nvSpPr>
-          <p:cNvPr id="3" name="Vertical Text Placeholder 2">
-            <a:extLst>
-              <a:ext uri="{FF2B5EF4-FFF2-40B4-BE49-F238E27FC236}">
-                <a16:creationId xmlns:a16="http://schemas.microsoft.com/office/drawing/2014/main" id="{C3387D0A-E8B6-3C4C-87A6-E6B39D693450}"/>
-              </a:ext>
-            </a:extLst>
-          </p:cNvPr>
-          <p:cNvSpPr>
-            <a:spLocks noGrp="1"/>
-          </p:cNvSpPr>
-          <p:nvPr>
-            <p:ph type="body" orient="vert" idx="1"/>
-          </p:nvPr>
-        </p:nvSpPr>
-        <p:spPr>
-          <a:xfrm>
-            <a:off x="1103312" y="2314916"/>
-            <a:ext cx="9834764" cy="4213998"/>
-          </a:xfrm>
-        </p:spPr>
-        <p:txBody>
-          <a:bodyPr vert="horz" lIns="91440" tIns="45720" rIns="91440" bIns="45720" rtlCol="0">
-            <a:normAutofit fontScale="92500" lnSpcReduction="10000"/>
-          </a:bodyPr>
-          <a:lstStyle/>
-          <a:p>
-            <a:pPr>
-              <a:buClr>
-                <a:schemeClr val="tx2"/>
-              </a:buClr>
-            </a:pPr>
-            <a:r>
-              <a:rPr lang="en-US" sz="2400" dirty="0"/>
-              <a:t>Model comparing.</a:t>
-            </a:r>
-          </a:p>
-          <a:p>
-            <a:pPr marL="0" indent="0">
-              <a:buClr>
-                <a:schemeClr val="tx2"/>
-              </a:buClr>
-              <a:buNone/>
-            </a:pPr>
-            <a:r>
-              <a:rPr lang="en-US" sz="2400" dirty="0"/>
-              <a:t>    </a:t>
-            </a:r>
-            <a:r>
-              <a:rPr lang="en-US" sz="1600" dirty="0"/>
-              <a:t>In order to make model simple and easy to understand, we would only select two variable     from the result of stepwise model. Comparing the two following models:</a:t>
-            </a:r>
-          </a:p>
-          <a:p>
-            <a:pPr marL="0" indent="0">
-              <a:buClr>
-                <a:schemeClr val="tx2"/>
-              </a:buClr>
-              <a:buNone/>
-            </a:pPr>
-            <a:endParaRPr lang="en-US" sz="2400" dirty="0"/>
-          </a:p>
-          <a:p>
-            <a:pPr>
-              <a:buClr>
-                <a:schemeClr val="tx2"/>
-              </a:buClr>
-            </a:pPr>
-            <a:r>
-              <a:rPr lang="en-US" sz="1600" dirty="0"/>
-              <a:t>BodyFat = ABDOMEN + WEIGHT</a:t>
-            </a:r>
-          </a:p>
-          <a:p>
-            <a:pPr>
-              <a:buClr>
-                <a:schemeClr val="tx2"/>
-              </a:buClr>
-            </a:pPr>
-            <a:r>
-              <a:rPr lang="en-US" sz="1600" dirty="0"/>
-              <a:t>BodyFat = ABDOMEN + WRIST</a:t>
-            </a:r>
-          </a:p>
-          <a:p>
-            <a:pPr>
-              <a:buClr>
-                <a:schemeClr val="tx2"/>
-              </a:buClr>
-            </a:pPr>
-            <a:endParaRPr lang="en-US" sz="1600" dirty="0"/>
-          </a:p>
-          <a:p>
-            <a:pPr>
-              <a:buClr>
-                <a:schemeClr val="tx2"/>
-              </a:buClr>
-            </a:pPr>
-            <a:r>
-              <a:rPr lang="en-US" sz="1600" dirty="0"/>
-              <a:t>According to the R square and p=value of each variables, we select model with variable ABDOMEN and WEIGHT as final model.</a:t>
-            </a:r>
-          </a:p>
-          <a:p>
-            <a:pPr marL="0" indent="0">
-              <a:buClr>
-                <a:schemeClr val="tx2"/>
-              </a:buClr>
-              <a:buNone/>
-            </a:pPr>
-            <a:r>
-              <a:rPr lang="en-US" sz="1600" dirty="0"/>
-              <a:t>            </a:t>
-            </a:r>
-          </a:p>
-          <a:p>
-            <a:pPr marL="0" indent="0">
-              <a:buClr>
-                <a:schemeClr val="tx2"/>
-              </a:buClr>
-              <a:buNone/>
-            </a:pPr>
-            <a:endParaRPr lang="en-US" sz="1600" dirty="0"/>
-          </a:p>
-          <a:p>
-            <a:pPr marL="0" indent="0">
-              <a:buClr>
-                <a:schemeClr val="tx2"/>
-              </a:buClr>
-              <a:buNone/>
-            </a:pPr>
-            <a:r>
-              <a:rPr lang="en-US" sz="2400" dirty="0"/>
-              <a:t>                                </a:t>
-            </a:r>
-          </a:p>
-          <a:p>
-            <a:pPr marL="0" indent="0">
-              <a:buClr>
-                <a:schemeClr val="tx2"/>
-              </a:buClr>
-              <a:buNone/>
-            </a:pPr>
-            <a:endParaRPr lang="en-US" sz="2400" dirty="0"/>
-          </a:p>
-          <a:p>
-            <a:pPr marL="0" indent="0">
-              <a:buClr>
-                <a:schemeClr val="tx2"/>
-              </a:buClr>
-              <a:buNone/>
-            </a:pPr>
-            <a:endParaRPr lang="en-US" sz="2400" dirty="0"/>
-          </a:p>
-        </p:txBody>
-      </p:sp>
-    </p:spTree>
-    <p:extLst>
-      <p:ext uri="{BB962C8B-B14F-4D97-AF65-F5344CB8AC3E}">
-        <p14:creationId xmlns:p14="http://schemas.microsoft.com/office/powerpoint/2010/main" val="2984503371"/>
-      </p:ext>
-    </p:extLst>
-  </p:cSld>
-  <p:clrMapOvr>
-    <a:overrideClrMapping bg1="lt1" tx1="dk1" bg2="lt2" tx2="dk2" accent1="accent1" accent2="accent2" accent3="accent3" accent4="accent4" accent5="accent5" accent6="accent6" hlink="hlink" folHlink="folHlink"/>
-  </p:clrMapOvr>
-</p:sld>
-</file>
-
 <file path=ppt/theme/theme1.xml><?xml version="1.0" encoding="utf-8"?>
 <a:theme xmlns:a="http://schemas.openxmlformats.org/drawingml/2006/main" name="Ion">
   <a:themeElements>
